--- a/LectureFiles/cbw/2016/RNASeq_Module4_Tutorial.pptx
+++ b/LectureFiles/cbw/2016/RNASeq_Module4_Tutorial.pptx
@@ -5,25 +5,26 @@
     <p:sldMasterId id="2147483648" r:id="rId1"/>
   </p:sldMasterIdLst>
   <p:notesMasterIdLst>
-    <p:notesMasterId r:id="rId15"/>
+    <p:notesMasterId r:id="rId16"/>
   </p:notesMasterIdLst>
   <p:handoutMasterIdLst>
-    <p:handoutMasterId r:id="rId16"/>
+    <p:handoutMasterId r:id="rId17"/>
   </p:handoutMasterIdLst>
   <p:sldIdLst>
-    <p:sldId id="341" r:id="rId2"/>
-    <p:sldId id="513" r:id="rId3"/>
-    <p:sldId id="514" r:id="rId4"/>
-    <p:sldId id="515" r:id="rId5"/>
-    <p:sldId id="516" r:id="rId6"/>
-    <p:sldId id="517" r:id="rId7"/>
-    <p:sldId id="518" r:id="rId8"/>
-    <p:sldId id="519" r:id="rId9"/>
-    <p:sldId id="520" r:id="rId10"/>
-    <p:sldId id="521" r:id="rId11"/>
-    <p:sldId id="522" r:id="rId12"/>
-    <p:sldId id="523" r:id="rId13"/>
-    <p:sldId id="512" r:id="rId14"/>
+    <p:sldId id="524" r:id="rId2"/>
+    <p:sldId id="525" r:id="rId3"/>
+    <p:sldId id="513" r:id="rId4"/>
+    <p:sldId id="514" r:id="rId5"/>
+    <p:sldId id="515" r:id="rId6"/>
+    <p:sldId id="516" r:id="rId7"/>
+    <p:sldId id="517" r:id="rId8"/>
+    <p:sldId id="518" r:id="rId9"/>
+    <p:sldId id="519" r:id="rId10"/>
+    <p:sldId id="520" r:id="rId11"/>
+    <p:sldId id="521" r:id="rId12"/>
+    <p:sldId id="522" r:id="rId13"/>
+    <p:sldId id="523" r:id="rId14"/>
+    <p:sldId id="526" r:id="rId15"/>
   </p:sldIdLst>
   <p:sldSz cx="9144000" cy="6858000" type="screen4x3"/>
   <p:notesSz cx="7315200" cy="9601200"/>
@@ -258,7 +259,7 @@
               <a:pPr>
                 <a:defRPr/>
               </a:pPr>
-              <a:t>11/14/15</a:t>
+              <a:t>6/13/16</a:t>
             </a:fld>
             <a:endParaRPr lang="en-US"/>
           </a:p>
@@ -465,7 +466,7 @@
               <a:pPr>
                 <a:defRPr/>
               </a:pPr>
-              <a:t>11/14/15</a:t>
+              <a:t>6/13/16</a:t>
             </a:fld>
             <a:endParaRPr lang="en-US"/>
           </a:p>
@@ -959,7 +960,7 @@
                 <a:latin typeface="Calibri" charset="0"/>
               </a:rPr>
               <a:pPr eaLnBrk="1" hangingPunct="1"/>
-              <a:t>3</a:t>
+              <a:t>4</a:t>
             </a:fld>
             <a:endParaRPr lang="en-US" sz="1300">
               <a:latin typeface="Calibri" charset="0"/>
@@ -1300,7 +1301,7 @@
                 <a:latin typeface="Calibri" charset="0"/>
               </a:rPr>
               <a:pPr eaLnBrk="1" hangingPunct="1"/>
-              <a:t>12</a:t>
+              <a:t>13</a:t>
             </a:fld>
             <a:endParaRPr lang="en-US" sz="1300">
               <a:latin typeface="Calibri" charset="0"/>
@@ -1567,7 +1568,7 @@
                 <a:latin typeface="Calibri" charset="0"/>
               </a:rPr>
               <a:pPr eaLnBrk="1" hangingPunct="1"/>
-              <a:t>4</a:t>
+              <a:t>5</a:t>
             </a:fld>
             <a:endParaRPr lang="en-US" sz="1300">
               <a:latin typeface="Calibri" charset="0"/>
@@ -1834,7 +1835,7 @@
                 <a:latin typeface="Calibri" charset="0"/>
               </a:rPr>
               <a:pPr eaLnBrk="1" hangingPunct="1"/>
-              <a:t>5</a:t>
+              <a:t>6</a:t>
             </a:fld>
             <a:endParaRPr lang="en-US" sz="1300">
               <a:latin typeface="Calibri" charset="0"/>
@@ -2101,7 +2102,7 @@
                 <a:latin typeface="Calibri" charset="0"/>
               </a:rPr>
               <a:pPr eaLnBrk="1" hangingPunct="1"/>
-              <a:t>6</a:t>
+              <a:t>7</a:t>
             </a:fld>
             <a:endParaRPr lang="en-US" sz="1300">
               <a:latin typeface="Calibri" charset="0"/>
@@ -2368,7 +2369,7 @@
                 <a:latin typeface="Calibri" charset="0"/>
               </a:rPr>
               <a:pPr eaLnBrk="1" hangingPunct="1"/>
-              <a:t>7</a:t>
+              <a:t>8</a:t>
             </a:fld>
             <a:endParaRPr lang="en-US" sz="1300">
               <a:latin typeface="Calibri" charset="0"/>
@@ -2635,7 +2636,7 @@
                 <a:latin typeface="Calibri" charset="0"/>
               </a:rPr>
               <a:pPr eaLnBrk="1" hangingPunct="1"/>
-              <a:t>8</a:t>
+              <a:t>9</a:t>
             </a:fld>
             <a:endParaRPr lang="en-US" sz="1300">
               <a:latin typeface="Calibri" charset="0"/>
@@ -2902,7 +2903,7 @@
                 <a:latin typeface="Calibri" charset="0"/>
               </a:rPr>
               <a:pPr eaLnBrk="1" hangingPunct="1"/>
-              <a:t>9</a:t>
+              <a:t>10</a:t>
             </a:fld>
             <a:endParaRPr lang="en-US" sz="1300">
               <a:latin typeface="Calibri" charset="0"/>
@@ -3169,7 +3170,7 @@
                 <a:latin typeface="Calibri" charset="0"/>
               </a:rPr>
               <a:pPr eaLnBrk="1" hangingPunct="1"/>
-              <a:t>10</a:t>
+              <a:t>11</a:t>
             </a:fld>
             <a:endParaRPr lang="en-US" sz="1300">
               <a:latin typeface="Calibri" charset="0"/>
@@ -3436,7 +3437,7 @@
                 <a:latin typeface="Calibri" charset="0"/>
               </a:rPr>
               <a:pPr eaLnBrk="1" hangingPunct="1"/>
-              <a:t>11</a:t>
+              <a:t>12</a:t>
             </a:fld>
             <a:endParaRPr lang="en-US" sz="1300">
               <a:latin typeface="Calibri" charset="0"/>
@@ -3524,60 +3525,6 @@
           </a:p>
         </p:txBody>
       </p:sp>
-      <p:pic>
-        <p:nvPicPr>
-          <p:cNvPr id="3" name="Picture 7" descr="cshl_logo_alternate rgb.png"/>
-          <p:cNvPicPr>
-            <a:picLocks noChangeAspect="1"/>
-          </p:cNvPicPr>
-          <p:nvPr userDrawn="1"/>
-        </p:nvPicPr>
-        <p:blipFill>
-          <a:blip r:embed="rId2">
-            <a:extLst>
-              <a:ext uri="{28A0092B-C50C-407E-A947-70E740481C1C}">
-                <a14:useLocalDpi xmlns:a14="http://schemas.microsoft.com/office/drawing/2010/main" val="0"/>
-              </a:ext>
-            </a:extLst>
-          </a:blip>
-          <a:srcRect/>
-          <a:stretch>
-            <a:fillRect/>
-          </a:stretch>
-        </p:blipFill>
-        <p:spPr bwMode="auto">
-          <a:xfrm>
-            <a:off x="300038" y="381000"/>
-            <a:ext cx="3509962" cy="1676400"/>
-          </a:xfrm>
-          <a:prstGeom prst="rect">
-            <a:avLst/>
-          </a:prstGeom>
-          <a:noFill/>
-          <a:ln>
-            <a:noFill/>
-          </a:ln>
-          <a:extLst>
-            <a:ext uri="{909E8E84-426E-40dd-AFC4-6F175D3DCCD1}">
-              <a14:hiddenFill xmlns:a14="http://schemas.microsoft.com/office/drawing/2010/main">
-                <a:solidFill>
-                  <a:srgbClr val="FFFFFF"/>
-                </a:solidFill>
-              </a14:hiddenFill>
-            </a:ext>
-            <a:ext uri="{91240B29-F687-4f45-9708-019B960494DF}">
-              <a14:hiddenLine xmlns:a14="http://schemas.microsoft.com/office/drawing/2010/main" w="9525">
-                <a:solidFill>
-                  <a:srgbClr val="000000"/>
-                </a:solidFill>
-                <a:miter lim="800000"/>
-                <a:headEnd/>
-                <a:tailEnd/>
-              </a14:hiddenLine>
-            </a:ext>
-          </a:extLst>
-        </p:spPr>
-      </p:pic>
     </p:spTree>
     <p:extLst>
       <p:ext uri="{BB962C8B-B14F-4D97-AF65-F5344CB8AC3E}">
@@ -3810,150 +3757,6 @@
       </p:sp>
       <p:sp>
         <p:nvSpPr>
-          <p:cNvPr id="6" name="TextBox 5"/>
-          <p:cNvSpPr txBox="1"/>
-          <p:nvPr userDrawn="1"/>
-        </p:nvSpPr>
-        <p:spPr>
-          <a:xfrm>
-            <a:off x="6172200" y="6477000"/>
-            <a:ext cx="2895600" cy="338138"/>
-          </a:xfrm>
-          <a:prstGeom prst="rect">
-            <a:avLst/>
-          </a:prstGeom>
-          <a:noFill/>
-        </p:spPr>
-        <p:txBody>
-          <a:bodyPr>
-            <a:spAutoFit/>
-          </a:bodyPr>
-          <a:lstStyle>
-            <a:lvl1pPr eaLnBrk="0" hangingPunct="0">
-              <a:defRPr sz="2400">
-                <a:solidFill>
-                  <a:schemeClr val="tx1"/>
-                </a:solidFill>
-                <a:latin typeface="Arial" charset="0"/>
-                <a:ea typeface="ＭＳ Ｐゴシック" charset="0"/>
-                <a:cs typeface="ＭＳ Ｐゴシック" charset="0"/>
-              </a:defRPr>
-            </a:lvl1pPr>
-            <a:lvl2pPr marL="37931725" indent="-37474525" eaLnBrk="0" hangingPunct="0">
-              <a:defRPr sz="2400">
-                <a:solidFill>
-                  <a:schemeClr val="tx1"/>
-                </a:solidFill>
-                <a:latin typeface="Arial" charset="0"/>
-                <a:ea typeface="ＭＳ Ｐゴシック" charset="0"/>
-              </a:defRPr>
-            </a:lvl2pPr>
-            <a:lvl3pPr eaLnBrk="0" hangingPunct="0">
-              <a:defRPr sz="2400">
-                <a:solidFill>
-                  <a:schemeClr val="tx1"/>
-                </a:solidFill>
-                <a:latin typeface="Arial" charset="0"/>
-                <a:ea typeface="ＭＳ Ｐゴシック" charset="0"/>
-              </a:defRPr>
-            </a:lvl3pPr>
-            <a:lvl4pPr eaLnBrk="0" hangingPunct="0">
-              <a:defRPr sz="2400">
-                <a:solidFill>
-                  <a:schemeClr val="tx1"/>
-                </a:solidFill>
-                <a:latin typeface="Arial" charset="0"/>
-                <a:ea typeface="ＭＳ Ｐゴシック" charset="0"/>
-              </a:defRPr>
-            </a:lvl4pPr>
-            <a:lvl5pPr eaLnBrk="0" hangingPunct="0">
-              <a:defRPr sz="2400">
-                <a:solidFill>
-                  <a:schemeClr val="tx1"/>
-                </a:solidFill>
-                <a:latin typeface="Arial" charset="0"/>
-                <a:ea typeface="ＭＳ Ｐゴシック" charset="0"/>
-              </a:defRPr>
-            </a:lvl5pPr>
-            <a:lvl6pPr marL="457200" eaLnBrk="0" fontAlgn="base" hangingPunct="0">
-              <a:spcBef>
-                <a:spcPct val="0"/>
-              </a:spcBef>
-              <a:spcAft>
-                <a:spcPct val="0"/>
-              </a:spcAft>
-              <a:defRPr sz="2400">
-                <a:solidFill>
-                  <a:schemeClr val="tx1"/>
-                </a:solidFill>
-                <a:latin typeface="Arial" charset="0"/>
-                <a:ea typeface="ＭＳ Ｐゴシック" charset="0"/>
-              </a:defRPr>
-            </a:lvl6pPr>
-            <a:lvl7pPr marL="914400" eaLnBrk="0" fontAlgn="base" hangingPunct="0">
-              <a:spcBef>
-                <a:spcPct val="0"/>
-              </a:spcBef>
-              <a:spcAft>
-                <a:spcPct val="0"/>
-              </a:spcAft>
-              <a:defRPr sz="2400">
-                <a:solidFill>
-                  <a:schemeClr val="tx1"/>
-                </a:solidFill>
-                <a:latin typeface="Arial" charset="0"/>
-                <a:ea typeface="ＭＳ Ｐゴシック" charset="0"/>
-              </a:defRPr>
-            </a:lvl7pPr>
-            <a:lvl8pPr marL="1371600" eaLnBrk="0" fontAlgn="base" hangingPunct="0">
-              <a:spcBef>
-                <a:spcPct val="0"/>
-              </a:spcBef>
-              <a:spcAft>
-                <a:spcPct val="0"/>
-              </a:spcAft>
-              <a:defRPr sz="2400">
-                <a:solidFill>
-                  <a:schemeClr val="tx1"/>
-                </a:solidFill>
-                <a:latin typeface="Arial" charset="0"/>
-                <a:ea typeface="ＭＳ Ｐゴシック" charset="0"/>
-              </a:defRPr>
-            </a:lvl8pPr>
-            <a:lvl9pPr marL="1828800" eaLnBrk="0" fontAlgn="base" hangingPunct="0">
-              <a:spcBef>
-                <a:spcPct val="0"/>
-              </a:spcBef>
-              <a:spcAft>
-                <a:spcPct val="0"/>
-              </a:spcAft>
-              <a:defRPr sz="2400">
-                <a:solidFill>
-                  <a:schemeClr val="tx1"/>
-                </a:solidFill>
-                <a:latin typeface="Arial" charset="0"/>
-                <a:ea typeface="ＭＳ Ｐゴシック" charset="0"/>
-              </a:defRPr>
-            </a:lvl9pPr>
-          </a:lstStyle>
-          <a:p>
-            <a:pPr algn="r" eaLnBrk="1" hangingPunct="1">
-              <a:defRPr/>
-            </a:pPr>
-            <a:r>
-              <a:rPr lang="en-US" sz="1600" b="1" smtClean="0">
-                <a:cs typeface="Arial" charset="0"/>
-              </a:rPr>
-              <a:t>http://meetings.cshl.edu/</a:t>
-            </a:r>
-            <a:endParaRPr lang="en-US" sz="1600" smtClean="0">
-              <a:cs typeface="Arial" charset="0"/>
-            </a:endParaRPr>
-          </a:p>
-        </p:txBody>
-      </p:sp>
-      <p:sp>
-        <p:nvSpPr>
           <p:cNvPr id="2" name="Title 1"/>
           <p:cNvSpPr>
             <a:spLocks noGrp="1"/>
@@ -4072,6 +3875,162 @@
               <a:t>Fifth level</a:t>
             </a:r>
             <a:endParaRPr lang="en-US" dirty="0"/>
+          </a:p>
+        </p:txBody>
+      </p:sp>
+      <p:sp>
+        <p:nvSpPr>
+          <p:cNvPr id="7" name="TextBox 6"/>
+          <p:cNvSpPr txBox="1"/>
+          <p:nvPr userDrawn="1"/>
+        </p:nvSpPr>
+        <p:spPr>
+          <a:xfrm>
+            <a:off x="6705600" y="6396038"/>
+            <a:ext cx="2362200" cy="457200"/>
+          </a:xfrm>
+          <a:prstGeom prst="rect">
+            <a:avLst/>
+          </a:prstGeom>
+          <a:noFill/>
+        </p:spPr>
+        <p:txBody>
+          <a:bodyPr>
+            <a:spAutoFit/>
+          </a:bodyPr>
+          <a:lstStyle>
+            <a:lvl1pPr eaLnBrk="0" hangingPunct="0">
+              <a:defRPr sz="2400">
+                <a:solidFill>
+                  <a:schemeClr val="tx1"/>
+                </a:solidFill>
+                <a:latin typeface="Arial" charset="0"/>
+                <a:ea typeface="ＭＳ Ｐゴシック" charset="0"/>
+                <a:cs typeface="ＭＳ Ｐゴシック" charset="0"/>
+              </a:defRPr>
+            </a:lvl1pPr>
+            <a:lvl2pPr marL="37931725" indent="-37474525" eaLnBrk="0" hangingPunct="0">
+              <a:defRPr sz="2400">
+                <a:solidFill>
+                  <a:schemeClr val="tx1"/>
+                </a:solidFill>
+                <a:latin typeface="Arial" charset="0"/>
+                <a:ea typeface="ＭＳ Ｐゴシック" charset="0"/>
+              </a:defRPr>
+            </a:lvl2pPr>
+            <a:lvl3pPr eaLnBrk="0" hangingPunct="0">
+              <a:defRPr sz="2400">
+                <a:solidFill>
+                  <a:schemeClr val="tx1"/>
+                </a:solidFill>
+                <a:latin typeface="Arial" charset="0"/>
+                <a:ea typeface="ＭＳ Ｐゴシック" charset="0"/>
+              </a:defRPr>
+            </a:lvl3pPr>
+            <a:lvl4pPr eaLnBrk="0" hangingPunct="0">
+              <a:defRPr sz="2400">
+                <a:solidFill>
+                  <a:schemeClr val="tx1"/>
+                </a:solidFill>
+                <a:latin typeface="Arial" charset="0"/>
+                <a:ea typeface="ＭＳ Ｐゴシック" charset="0"/>
+              </a:defRPr>
+            </a:lvl4pPr>
+            <a:lvl5pPr eaLnBrk="0" hangingPunct="0">
+              <a:defRPr sz="2400">
+                <a:solidFill>
+                  <a:schemeClr val="tx1"/>
+                </a:solidFill>
+                <a:latin typeface="Arial" charset="0"/>
+                <a:ea typeface="ＭＳ Ｐゴシック" charset="0"/>
+              </a:defRPr>
+            </a:lvl5pPr>
+            <a:lvl6pPr marL="457200" eaLnBrk="0" fontAlgn="base" hangingPunct="0">
+              <a:spcBef>
+                <a:spcPct val="0"/>
+              </a:spcBef>
+              <a:spcAft>
+                <a:spcPct val="0"/>
+              </a:spcAft>
+              <a:defRPr sz="2400">
+                <a:solidFill>
+                  <a:schemeClr val="tx1"/>
+                </a:solidFill>
+                <a:latin typeface="Arial" charset="0"/>
+                <a:ea typeface="ＭＳ Ｐゴシック" charset="0"/>
+              </a:defRPr>
+            </a:lvl6pPr>
+            <a:lvl7pPr marL="914400" eaLnBrk="0" fontAlgn="base" hangingPunct="0">
+              <a:spcBef>
+                <a:spcPct val="0"/>
+              </a:spcBef>
+              <a:spcAft>
+                <a:spcPct val="0"/>
+              </a:spcAft>
+              <a:defRPr sz="2400">
+                <a:solidFill>
+                  <a:schemeClr val="tx1"/>
+                </a:solidFill>
+                <a:latin typeface="Arial" charset="0"/>
+                <a:ea typeface="ＭＳ Ｐゴシック" charset="0"/>
+              </a:defRPr>
+            </a:lvl7pPr>
+            <a:lvl8pPr marL="1371600" eaLnBrk="0" fontAlgn="base" hangingPunct="0">
+              <a:spcBef>
+                <a:spcPct val="0"/>
+              </a:spcBef>
+              <a:spcAft>
+                <a:spcPct val="0"/>
+              </a:spcAft>
+              <a:defRPr sz="2400">
+                <a:solidFill>
+                  <a:schemeClr val="tx1"/>
+                </a:solidFill>
+                <a:latin typeface="Arial" charset="0"/>
+                <a:ea typeface="ＭＳ Ｐゴシック" charset="0"/>
+              </a:defRPr>
+            </a:lvl8pPr>
+            <a:lvl9pPr marL="1828800" eaLnBrk="0" fontAlgn="base" hangingPunct="0">
+              <a:spcBef>
+                <a:spcPct val="0"/>
+              </a:spcBef>
+              <a:spcAft>
+                <a:spcPct val="0"/>
+              </a:spcAft>
+              <a:defRPr sz="2400">
+                <a:solidFill>
+                  <a:schemeClr val="tx1"/>
+                </a:solidFill>
+                <a:latin typeface="Arial" charset="0"/>
+                <a:ea typeface="ＭＳ Ｐゴシック" charset="0"/>
+              </a:defRPr>
+            </a:lvl9pPr>
+          </a:lstStyle>
+          <a:p>
+            <a:pPr algn="r" eaLnBrk="1" hangingPunct="1">
+              <a:defRPr/>
+            </a:pPr>
+            <a:r>
+              <a:rPr lang="en-US" b="1" dirty="0" err="1" smtClean="0">
+                <a:cs typeface="Arial" charset="0"/>
+              </a:rPr>
+              <a:t>bio</a:t>
+            </a:r>
+            <a:r>
+              <a:rPr lang="en-US" dirty="0" err="1" smtClean="0">
+                <a:cs typeface="Arial" charset="0"/>
+              </a:rPr>
+              <a:t>informatics</a:t>
+            </a:r>
+            <a:r>
+              <a:rPr lang="en-US" sz="1400" dirty="0" err="1" smtClean="0">
+                <a:cs typeface="Arial" charset="0"/>
+              </a:rPr>
+              <a:t>.ca</a:t>
+            </a:r>
+            <a:endParaRPr lang="en-US" dirty="0" smtClean="0">
+              <a:cs typeface="Arial" charset="0"/>
+            </a:endParaRPr>
           </a:p>
         </p:txBody>
       </p:sp>
@@ -4307,150 +4266,6 @@
       </p:sp>
       <p:sp>
         <p:nvSpPr>
-          <p:cNvPr id="5" name="TextBox 4"/>
-          <p:cNvSpPr txBox="1"/>
-          <p:nvPr userDrawn="1"/>
-        </p:nvSpPr>
-        <p:spPr>
-          <a:xfrm>
-            <a:off x="6172200" y="6477000"/>
-            <a:ext cx="2895600" cy="338138"/>
-          </a:xfrm>
-          <a:prstGeom prst="rect">
-            <a:avLst/>
-          </a:prstGeom>
-          <a:noFill/>
-        </p:spPr>
-        <p:txBody>
-          <a:bodyPr>
-            <a:spAutoFit/>
-          </a:bodyPr>
-          <a:lstStyle>
-            <a:lvl1pPr eaLnBrk="0" hangingPunct="0">
-              <a:defRPr sz="2400">
-                <a:solidFill>
-                  <a:schemeClr val="tx1"/>
-                </a:solidFill>
-                <a:latin typeface="Arial" charset="0"/>
-                <a:ea typeface="ＭＳ Ｐゴシック" charset="0"/>
-                <a:cs typeface="ＭＳ Ｐゴシック" charset="0"/>
-              </a:defRPr>
-            </a:lvl1pPr>
-            <a:lvl2pPr marL="37931725" indent="-37474525" eaLnBrk="0" hangingPunct="0">
-              <a:defRPr sz="2400">
-                <a:solidFill>
-                  <a:schemeClr val="tx1"/>
-                </a:solidFill>
-                <a:latin typeface="Arial" charset="0"/>
-                <a:ea typeface="ＭＳ Ｐゴシック" charset="0"/>
-              </a:defRPr>
-            </a:lvl2pPr>
-            <a:lvl3pPr eaLnBrk="0" hangingPunct="0">
-              <a:defRPr sz="2400">
-                <a:solidFill>
-                  <a:schemeClr val="tx1"/>
-                </a:solidFill>
-                <a:latin typeface="Arial" charset="0"/>
-                <a:ea typeface="ＭＳ Ｐゴシック" charset="0"/>
-              </a:defRPr>
-            </a:lvl3pPr>
-            <a:lvl4pPr eaLnBrk="0" hangingPunct="0">
-              <a:defRPr sz="2400">
-                <a:solidFill>
-                  <a:schemeClr val="tx1"/>
-                </a:solidFill>
-                <a:latin typeface="Arial" charset="0"/>
-                <a:ea typeface="ＭＳ Ｐゴシック" charset="0"/>
-              </a:defRPr>
-            </a:lvl4pPr>
-            <a:lvl5pPr eaLnBrk="0" hangingPunct="0">
-              <a:defRPr sz="2400">
-                <a:solidFill>
-                  <a:schemeClr val="tx1"/>
-                </a:solidFill>
-                <a:latin typeface="Arial" charset="0"/>
-                <a:ea typeface="ＭＳ Ｐゴシック" charset="0"/>
-              </a:defRPr>
-            </a:lvl5pPr>
-            <a:lvl6pPr marL="457200" eaLnBrk="0" fontAlgn="base" hangingPunct="0">
-              <a:spcBef>
-                <a:spcPct val="0"/>
-              </a:spcBef>
-              <a:spcAft>
-                <a:spcPct val="0"/>
-              </a:spcAft>
-              <a:defRPr sz="2400">
-                <a:solidFill>
-                  <a:schemeClr val="tx1"/>
-                </a:solidFill>
-                <a:latin typeface="Arial" charset="0"/>
-                <a:ea typeface="ＭＳ Ｐゴシック" charset="0"/>
-              </a:defRPr>
-            </a:lvl6pPr>
-            <a:lvl7pPr marL="914400" eaLnBrk="0" fontAlgn="base" hangingPunct="0">
-              <a:spcBef>
-                <a:spcPct val="0"/>
-              </a:spcBef>
-              <a:spcAft>
-                <a:spcPct val="0"/>
-              </a:spcAft>
-              <a:defRPr sz="2400">
-                <a:solidFill>
-                  <a:schemeClr val="tx1"/>
-                </a:solidFill>
-                <a:latin typeface="Arial" charset="0"/>
-                <a:ea typeface="ＭＳ Ｐゴシック" charset="0"/>
-              </a:defRPr>
-            </a:lvl7pPr>
-            <a:lvl8pPr marL="1371600" eaLnBrk="0" fontAlgn="base" hangingPunct="0">
-              <a:spcBef>
-                <a:spcPct val="0"/>
-              </a:spcBef>
-              <a:spcAft>
-                <a:spcPct val="0"/>
-              </a:spcAft>
-              <a:defRPr sz="2400">
-                <a:solidFill>
-                  <a:schemeClr val="tx1"/>
-                </a:solidFill>
-                <a:latin typeface="Arial" charset="0"/>
-                <a:ea typeface="ＭＳ Ｐゴシック" charset="0"/>
-              </a:defRPr>
-            </a:lvl8pPr>
-            <a:lvl9pPr marL="1828800" eaLnBrk="0" fontAlgn="base" hangingPunct="0">
-              <a:spcBef>
-                <a:spcPct val="0"/>
-              </a:spcBef>
-              <a:spcAft>
-                <a:spcPct val="0"/>
-              </a:spcAft>
-              <a:defRPr sz="2400">
-                <a:solidFill>
-                  <a:schemeClr val="tx1"/>
-                </a:solidFill>
-                <a:latin typeface="Arial" charset="0"/>
-                <a:ea typeface="ＭＳ Ｐゴシック" charset="0"/>
-              </a:defRPr>
-            </a:lvl9pPr>
-          </a:lstStyle>
-          <a:p>
-            <a:pPr algn="r" eaLnBrk="1" hangingPunct="1">
-              <a:defRPr/>
-            </a:pPr>
-            <a:r>
-              <a:rPr lang="en-US" sz="1600" b="1" smtClean="0">
-                <a:cs typeface="Arial" charset="0"/>
-              </a:rPr>
-              <a:t>http://meetings.cshl.edu/</a:t>
-            </a:r>
-            <a:endParaRPr lang="en-US" sz="1600" smtClean="0">
-              <a:cs typeface="Arial" charset="0"/>
-            </a:endParaRPr>
-          </a:p>
-        </p:txBody>
-      </p:sp>
-      <p:sp>
-        <p:nvSpPr>
           <p:cNvPr id="2" name="Title 1"/>
           <p:cNvSpPr>
             <a:spLocks noGrp="1"/>
@@ -4481,6 +4296,162 @@
               <a:t>Click to edit Master title style</a:t>
             </a:r>
             <a:endParaRPr lang="en-US" dirty="0"/>
+          </a:p>
+        </p:txBody>
+      </p:sp>
+      <p:sp>
+        <p:nvSpPr>
+          <p:cNvPr id="6" name="TextBox 5"/>
+          <p:cNvSpPr txBox="1"/>
+          <p:nvPr userDrawn="1"/>
+        </p:nvSpPr>
+        <p:spPr>
+          <a:xfrm>
+            <a:off x="6705600" y="6396038"/>
+            <a:ext cx="2362200" cy="457200"/>
+          </a:xfrm>
+          <a:prstGeom prst="rect">
+            <a:avLst/>
+          </a:prstGeom>
+          <a:noFill/>
+        </p:spPr>
+        <p:txBody>
+          <a:bodyPr>
+            <a:spAutoFit/>
+          </a:bodyPr>
+          <a:lstStyle>
+            <a:lvl1pPr eaLnBrk="0" hangingPunct="0">
+              <a:defRPr sz="2400">
+                <a:solidFill>
+                  <a:schemeClr val="tx1"/>
+                </a:solidFill>
+                <a:latin typeface="Arial" charset="0"/>
+                <a:ea typeface="ＭＳ Ｐゴシック" charset="0"/>
+                <a:cs typeface="ＭＳ Ｐゴシック" charset="0"/>
+              </a:defRPr>
+            </a:lvl1pPr>
+            <a:lvl2pPr marL="37931725" indent="-37474525" eaLnBrk="0" hangingPunct="0">
+              <a:defRPr sz="2400">
+                <a:solidFill>
+                  <a:schemeClr val="tx1"/>
+                </a:solidFill>
+                <a:latin typeface="Arial" charset="0"/>
+                <a:ea typeface="ＭＳ Ｐゴシック" charset="0"/>
+              </a:defRPr>
+            </a:lvl2pPr>
+            <a:lvl3pPr eaLnBrk="0" hangingPunct="0">
+              <a:defRPr sz="2400">
+                <a:solidFill>
+                  <a:schemeClr val="tx1"/>
+                </a:solidFill>
+                <a:latin typeface="Arial" charset="0"/>
+                <a:ea typeface="ＭＳ Ｐゴシック" charset="0"/>
+              </a:defRPr>
+            </a:lvl3pPr>
+            <a:lvl4pPr eaLnBrk="0" hangingPunct="0">
+              <a:defRPr sz="2400">
+                <a:solidFill>
+                  <a:schemeClr val="tx1"/>
+                </a:solidFill>
+                <a:latin typeface="Arial" charset="0"/>
+                <a:ea typeface="ＭＳ Ｐゴシック" charset="0"/>
+              </a:defRPr>
+            </a:lvl4pPr>
+            <a:lvl5pPr eaLnBrk="0" hangingPunct="0">
+              <a:defRPr sz="2400">
+                <a:solidFill>
+                  <a:schemeClr val="tx1"/>
+                </a:solidFill>
+                <a:latin typeface="Arial" charset="0"/>
+                <a:ea typeface="ＭＳ Ｐゴシック" charset="0"/>
+              </a:defRPr>
+            </a:lvl5pPr>
+            <a:lvl6pPr marL="457200" eaLnBrk="0" fontAlgn="base" hangingPunct="0">
+              <a:spcBef>
+                <a:spcPct val="0"/>
+              </a:spcBef>
+              <a:spcAft>
+                <a:spcPct val="0"/>
+              </a:spcAft>
+              <a:defRPr sz="2400">
+                <a:solidFill>
+                  <a:schemeClr val="tx1"/>
+                </a:solidFill>
+                <a:latin typeface="Arial" charset="0"/>
+                <a:ea typeface="ＭＳ Ｐゴシック" charset="0"/>
+              </a:defRPr>
+            </a:lvl6pPr>
+            <a:lvl7pPr marL="914400" eaLnBrk="0" fontAlgn="base" hangingPunct="0">
+              <a:spcBef>
+                <a:spcPct val="0"/>
+              </a:spcBef>
+              <a:spcAft>
+                <a:spcPct val="0"/>
+              </a:spcAft>
+              <a:defRPr sz="2400">
+                <a:solidFill>
+                  <a:schemeClr val="tx1"/>
+                </a:solidFill>
+                <a:latin typeface="Arial" charset="0"/>
+                <a:ea typeface="ＭＳ Ｐゴシック" charset="0"/>
+              </a:defRPr>
+            </a:lvl7pPr>
+            <a:lvl8pPr marL="1371600" eaLnBrk="0" fontAlgn="base" hangingPunct="0">
+              <a:spcBef>
+                <a:spcPct val="0"/>
+              </a:spcBef>
+              <a:spcAft>
+                <a:spcPct val="0"/>
+              </a:spcAft>
+              <a:defRPr sz="2400">
+                <a:solidFill>
+                  <a:schemeClr val="tx1"/>
+                </a:solidFill>
+                <a:latin typeface="Arial" charset="0"/>
+                <a:ea typeface="ＭＳ Ｐゴシック" charset="0"/>
+              </a:defRPr>
+            </a:lvl8pPr>
+            <a:lvl9pPr marL="1828800" eaLnBrk="0" fontAlgn="base" hangingPunct="0">
+              <a:spcBef>
+                <a:spcPct val="0"/>
+              </a:spcBef>
+              <a:spcAft>
+                <a:spcPct val="0"/>
+              </a:spcAft>
+              <a:defRPr sz="2400">
+                <a:solidFill>
+                  <a:schemeClr val="tx1"/>
+                </a:solidFill>
+                <a:latin typeface="Arial" charset="0"/>
+                <a:ea typeface="ＭＳ Ｐゴシック" charset="0"/>
+              </a:defRPr>
+            </a:lvl9pPr>
+          </a:lstStyle>
+          <a:p>
+            <a:pPr algn="r" eaLnBrk="1" hangingPunct="1">
+              <a:defRPr/>
+            </a:pPr>
+            <a:r>
+              <a:rPr lang="en-US" b="1" dirty="0" err="1" smtClean="0">
+                <a:cs typeface="Arial" charset="0"/>
+              </a:rPr>
+              <a:t>bio</a:t>
+            </a:r>
+            <a:r>
+              <a:rPr lang="en-US" dirty="0" err="1" smtClean="0">
+                <a:cs typeface="Arial" charset="0"/>
+              </a:rPr>
+              <a:t>informatics</a:t>
+            </a:r>
+            <a:r>
+              <a:rPr lang="en-US" sz="1400" dirty="0" err="1" smtClean="0">
+                <a:cs typeface="Arial" charset="0"/>
+              </a:rPr>
+              <a:t>.ca</a:t>
+            </a:r>
+            <a:endParaRPr lang="en-US" dirty="0" smtClean="0">
+              <a:cs typeface="Arial" charset="0"/>
+            </a:endParaRPr>
           </a:p>
         </p:txBody>
       </p:sp>
@@ -4716,150 +4687,6 @@
       </p:sp>
       <p:sp>
         <p:nvSpPr>
-          <p:cNvPr id="8" name="TextBox 7"/>
-          <p:cNvSpPr txBox="1"/>
-          <p:nvPr userDrawn="1"/>
-        </p:nvSpPr>
-        <p:spPr>
-          <a:xfrm>
-            <a:off x="6172200" y="6477000"/>
-            <a:ext cx="2895600" cy="338138"/>
-          </a:xfrm>
-          <a:prstGeom prst="rect">
-            <a:avLst/>
-          </a:prstGeom>
-          <a:noFill/>
-        </p:spPr>
-        <p:txBody>
-          <a:bodyPr>
-            <a:spAutoFit/>
-          </a:bodyPr>
-          <a:lstStyle>
-            <a:lvl1pPr eaLnBrk="0" hangingPunct="0">
-              <a:defRPr sz="2400">
-                <a:solidFill>
-                  <a:schemeClr val="tx1"/>
-                </a:solidFill>
-                <a:latin typeface="Arial" charset="0"/>
-                <a:ea typeface="ＭＳ Ｐゴシック" charset="0"/>
-                <a:cs typeface="ＭＳ Ｐゴシック" charset="0"/>
-              </a:defRPr>
-            </a:lvl1pPr>
-            <a:lvl2pPr marL="37931725" indent="-37474525" eaLnBrk="0" hangingPunct="0">
-              <a:defRPr sz="2400">
-                <a:solidFill>
-                  <a:schemeClr val="tx1"/>
-                </a:solidFill>
-                <a:latin typeface="Arial" charset="0"/>
-                <a:ea typeface="ＭＳ Ｐゴシック" charset="0"/>
-              </a:defRPr>
-            </a:lvl2pPr>
-            <a:lvl3pPr eaLnBrk="0" hangingPunct="0">
-              <a:defRPr sz="2400">
-                <a:solidFill>
-                  <a:schemeClr val="tx1"/>
-                </a:solidFill>
-                <a:latin typeface="Arial" charset="0"/>
-                <a:ea typeface="ＭＳ Ｐゴシック" charset="0"/>
-              </a:defRPr>
-            </a:lvl3pPr>
-            <a:lvl4pPr eaLnBrk="0" hangingPunct="0">
-              <a:defRPr sz="2400">
-                <a:solidFill>
-                  <a:schemeClr val="tx1"/>
-                </a:solidFill>
-                <a:latin typeface="Arial" charset="0"/>
-                <a:ea typeface="ＭＳ Ｐゴシック" charset="0"/>
-              </a:defRPr>
-            </a:lvl4pPr>
-            <a:lvl5pPr eaLnBrk="0" hangingPunct="0">
-              <a:defRPr sz="2400">
-                <a:solidFill>
-                  <a:schemeClr val="tx1"/>
-                </a:solidFill>
-                <a:latin typeface="Arial" charset="0"/>
-                <a:ea typeface="ＭＳ Ｐゴシック" charset="0"/>
-              </a:defRPr>
-            </a:lvl5pPr>
-            <a:lvl6pPr marL="457200" eaLnBrk="0" fontAlgn="base" hangingPunct="0">
-              <a:spcBef>
-                <a:spcPct val="0"/>
-              </a:spcBef>
-              <a:spcAft>
-                <a:spcPct val="0"/>
-              </a:spcAft>
-              <a:defRPr sz="2400">
-                <a:solidFill>
-                  <a:schemeClr val="tx1"/>
-                </a:solidFill>
-                <a:latin typeface="Arial" charset="0"/>
-                <a:ea typeface="ＭＳ Ｐゴシック" charset="0"/>
-              </a:defRPr>
-            </a:lvl6pPr>
-            <a:lvl7pPr marL="914400" eaLnBrk="0" fontAlgn="base" hangingPunct="0">
-              <a:spcBef>
-                <a:spcPct val="0"/>
-              </a:spcBef>
-              <a:spcAft>
-                <a:spcPct val="0"/>
-              </a:spcAft>
-              <a:defRPr sz="2400">
-                <a:solidFill>
-                  <a:schemeClr val="tx1"/>
-                </a:solidFill>
-                <a:latin typeface="Arial" charset="0"/>
-                <a:ea typeface="ＭＳ Ｐゴシック" charset="0"/>
-              </a:defRPr>
-            </a:lvl7pPr>
-            <a:lvl8pPr marL="1371600" eaLnBrk="0" fontAlgn="base" hangingPunct="0">
-              <a:spcBef>
-                <a:spcPct val="0"/>
-              </a:spcBef>
-              <a:spcAft>
-                <a:spcPct val="0"/>
-              </a:spcAft>
-              <a:defRPr sz="2400">
-                <a:solidFill>
-                  <a:schemeClr val="tx1"/>
-                </a:solidFill>
-                <a:latin typeface="Arial" charset="0"/>
-                <a:ea typeface="ＭＳ Ｐゴシック" charset="0"/>
-              </a:defRPr>
-            </a:lvl8pPr>
-            <a:lvl9pPr marL="1828800" eaLnBrk="0" fontAlgn="base" hangingPunct="0">
-              <a:spcBef>
-                <a:spcPct val="0"/>
-              </a:spcBef>
-              <a:spcAft>
-                <a:spcPct val="0"/>
-              </a:spcAft>
-              <a:defRPr sz="2400">
-                <a:solidFill>
-                  <a:schemeClr val="tx1"/>
-                </a:solidFill>
-                <a:latin typeface="Arial" charset="0"/>
-                <a:ea typeface="ＭＳ Ｐゴシック" charset="0"/>
-              </a:defRPr>
-            </a:lvl9pPr>
-          </a:lstStyle>
-          <a:p>
-            <a:pPr algn="r" eaLnBrk="1" hangingPunct="1">
-              <a:defRPr/>
-            </a:pPr>
-            <a:r>
-              <a:rPr lang="en-US" sz="1600" b="1" smtClean="0">
-                <a:cs typeface="Arial" charset="0"/>
-              </a:rPr>
-              <a:t>http://meetings.cshl.edu/</a:t>
-            </a:r>
-            <a:endParaRPr lang="en-US" sz="1600" smtClean="0">
-              <a:cs typeface="Arial" charset="0"/>
-            </a:endParaRPr>
-          </a:p>
-        </p:txBody>
-      </p:sp>
-      <p:sp>
-        <p:nvSpPr>
           <p:cNvPr id="2" name="Title 1"/>
           <p:cNvSpPr>
             <a:spLocks noGrp="1"/>
@@ -5066,6 +4893,162 @@
               <a:t>Fifth level</a:t>
             </a:r>
             <a:endParaRPr lang="en-US" dirty="0"/>
+          </a:p>
+        </p:txBody>
+      </p:sp>
+      <p:sp>
+        <p:nvSpPr>
+          <p:cNvPr id="9" name="TextBox 8"/>
+          <p:cNvSpPr txBox="1"/>
+          <p:nvPr userDrawn="1"/>
+        </p:nvSpPr>
+        <p:spPr>
+          <a:xfrm>
+            <a:off x="6705600" y="6396038"/>
+            <a:ext cx="2362200" cy="457200"/>
+          </a:xfrm>
+          <a:prstGeom prst="rect">
+            <a:avLst/>
+          </a:prstGeom>
+          <a:noFill/>
+        </p:spPr>
+        <p:txBody>
+          <a:bodyPr>
+            <a:spAutoFit/>
+          </a:bodyPr>
+          <a:lstStyle>
+            <a:lvl1pPr eaLnBrk="0" hangingPunct="0">
+              <a:defRPr sz="2400">
+                <a:solidFill>
+                  <a:schemeClr val="tx1"/>
+                </a:solidFill>
+                <a:latin typeface="Arial" charset="0"/>
+                <a:ea typeface="ＭＳ Ｐゴシック" charset="0"/>
+                <a:cs typeface="ＭＳ Ｐゴシック" charset="0"/>
+              </a:defRPr>
+            </a:lvl1pPr>
+            <a:lvl2pPr marL="37931725" indent="-37474525" eaLnBrk="0" hangingPunct="0">
+              <a:defRPr sz="2400">
+                <a:solidFill>
+                  <a:schemeClr val="tx1"/>
+                </a:solidFill>
+                <a:latin typeface="Arial" charset="0"/>
+                <a:ea typeface="ＭＳ Ｐゴシック" charset="0"/>
+              </a:defRPr>
+            </a:lvl2pPr>
+            <a:lvl3pPr eaLnBrk="0" hangingPunct="0">
+              <a:defRPr sz="2400">
+                <a:solidFill>
+                  <a:schemeClr val="tx1"/>
+                </a:solidFill>
+                <a:latin typeface="Arial" charset="0"/>
+                <a:ea typeface="ＭＳ Ｐゴシック" charset="0"/>
+              </a:defRPr>
+            </a:lvl3pPr>
+            <a:lvl4pPr eaLnBrk="0" hangingPunct="0">
+              <a:defRPr sz="2400">
+                <a:solidFill>
+                  <a:schemeClr val="tx1"/>
+                </a:solidFill>
+                <a:latin typeface="Arial" charset="0"/>
+                <a:ea typeface="ＭＳ Ｐゴシック" charset="0"/>
+              </a:defRPr>
+            </a:lvl4pPr>
+            <a:lvl5pPr eaLnBrk="0" hangingPunct="0">
+              <a:defRPr sz="2400">
+                <a:solidFill>
+                  <a:schemeClr val="tx1"/>
+                </a:solidFill>
+                <a:latin typeface="Arial" charset="0"/>
+                <a:ea typeface="ＭＳ Ｐゴシック" charset="0"/>
+              </a:defRPr>
+            </a:lvl5pPr>
+            <a:lvl6pPr marL="457200" eaLnBrk="0" fontAlgn="base" hangingPunct="0">
+              <a:spcBef>
+                <a:spcPct val="0"/>
+              </a:spcBef>
+              <a:spcAft>
+                <a:spcPct val="0"/>
+              </a:spcAft>
+              <a:defRPr sz="2400">
+                <a:solidFill>
+                  <a:schemeClr val="tx1"/>
+                </a:solidFill>
+                <a:latin typeface="Arial" charset="0"/>
+                <a:ea typeface="ＭＳ Ｐゴシック" charset="0"/>
+              </a:defRPr>
+            </a:lvl6pPr>
+            <a:lvl7pPr marL="914400" eaLnBrk="0" fontAlgn="base" hangingPunct="0">
+              <a:spcBef>
+                <a:spcPct val="0"/>
+              </a:spcBef>
+              <a:spcAft>
+                <a:spcPct val="0"/>
+              </a:spcAft>
+              <a:defRPr sz="2400">
+                <a:solidFill>
+                  <a:schemeClr val="tx1"/>
+                </a:solidFill>
+                <a:latin typeface="Arial" charset="0"/>
+                <a:ea typeface="ＭＳ Ｐゴシック" charset="0"/>
+              </a:defRPr>
+            </a:lvl7pPr>
+            <a:lvl8pPr marL="1371600" eaLnBrk="0" fontAlgn="base" hangingPunct="0">
+              <a:spcBef>
+                <a:spcPct val="0"/>
+              </a:spcBef>
+              <a:spcAft>
+                <a:spcPct val="0"/>
+              </a:spcAft>
+              <a:defRPr sz="2400">
+                <a:solidFill>
+                  <a:schemeClr val="tx1"/>
+                </a:solidFill>
+                <a:latin typeface="Arial" charset="0"/>
+                <a:ea typeface="ＭＳ Ｐゴシック" charset="0"/>
+              </a:defRPr>
+            </a:lvl8pPr>
+            <a:lvl9pPr marL="1828800" eaLnBrk="0" fontAlgn="base" hangingPunct="0">
+              <a:spcBef>
+                <a:spcPct val="0"/>
+              </a:spcBef>
+              <a:spcAft>
+                <a:spcPct val="0"/>
+              </a:spcAft>
+              <a:defRPr sz="2400">
+                <a:solidFill>
+                  <a:schemeClr val="tx1"/>
+                </a:solidFill>
+                <a:latin typeface="Arial" charset="0"/>
+                <a:ea typeface="ＭＳ Ｐゴシック" charset="0"/>
+              </a:defRPr>
+            </a:lvl9pPr>
+          </a:lstStyle>
+          <a:p>
+            <a:pPr algn="r" eaLnBrk="1" hangingPunct="1">
+              <a:defRPr/>
+            </a:pPr>
+            <a:r>
+              <a:rPr lang="en-US" b="1" dirty="0" err="1" smtClean="0">
+                <a:cs typeface="Arial" charset="0"/>
+              </a:rPr>
+              <a:t>bio</a:t>
+            </a:r>
+            <a:r>
+              <a:rPr lang="en-US" dirty="0" err="1" smtClean="0">
+                <a:cs typeface="Arial" charset="0"/>
+              </a:rPr>
+              <a:t>informatics</a:t>
+            </a:r>
+            <a:r>
+              <a:rPr lang="en-US" sz="1400" dirty="0" err="1" smtClean="0">
+                <a:cs typeface="Arial" charset="0"/>
+              </a:rPr>
+              <a:t>.ca</a:t>
+            </a:r>
+            <a:endParaRPr lang="en-US" dirty="0" smtClean="0">
+              <a:cs typeface="Arial" charset="0"/>
+            </a:endParaRPr>
           </a:p>
         </p:txBody>
       </p:sp>
@@ -5301,150 +5284,6 @@
       </p:sp>
       <p:sp>
         <p:nvSpPr>
-          <p:cNvPr id="6" name="TextBox 5"/>
-          <p:cNvSpPr txBox="1"/>
-          <p:nvPr userDrawn="1"/>
-        </p:nvSpPr>
-        <p:spPr>
-          <a:xfrm>
-            <a:off x="6172200" y="6477000"/>
-            <a:ext cx="2895600" cy="338138"/>
-          </a:xfrm>
-          <a:prstGeom prst="rect">
-            <a:avLst/>
-          </a:prstGeom>
-          <a:noFill/>
-        </p:spPr>
-        <p:txBody>
-          <a:bodyPr>
-            <a:spAutoFit/>
-          </a:bodyPr>
-          <a:lstStyle>
-            <a:lvl1pPr eaLnBrk="0" hangingPunct="0">
-              <a:defRPr sz="2400">
-                <a:solidFill>
-                  <a:schemeClr val="tx1"/>
-                </a:solidFill>
-                <a:latin typeface="Arial" charset="0"/>
-                <a:ea typeface="ＭＳ Ｐゴシック" charset="0"/>
-                <a:cs typeface="ＭＳ Ｐゴシック" charset="0"/>
-              </a:defRPr>
-            </a:lvl1pPr>
-            <a:lvl2pPr marL="37931725" indent="-37474525" eaLnBrk="0" hangingPunct="0">
-              <a:defRPr sz="2400">
-                <a:solidFill>
-                  <a:schemeClr val="tx1"/>
-                </a:solidFill>
-                <a:latin typeface="Arial" charset="0"/>
-                <a:ea typeface="ＭＳ Ｐゴシック" charset="0"/>
-              </a:defRPr>
-            </a:lvl2pPr>
-            <a:lvl3pPr eaLnBrk="0" hangingPunct="0">
-              <a:defRPr sz="2400">
-                <a:solidFill>
-                  <a:schemeClr val="tx1"/>
-                </a:solidFill>
-                <a:latin typeface="Arial" charset="0"/>
-                <a:ea typeface="ＭＳ Ｐゴシック" charset="0"/>
-              </a:defRPr>
-            </a:lvl3pPr>
-            <a:lvl4pPr eaLnBrk="0" hangingPunct="0">
-              <a:defRPr sz="2400">
-                <a:solidFill>
-                  <a:schemeClr val="tx1"/>
-                </a:solidFill>
-                <a:latin typeface="Arial" charset="0"/>
-                <a:ea typeface="ＭＳ Ｐゴシック" charset="0"/>
-              </a:defRPr>
-            </a:lvl4pPr>
-            <a:lvl5pPr eaLnBrk="0" hangingPunct="0">
-              <a:defRPr sz="2400">
-                <a:solidFill>
-                  <a:schemeClr val="tx1"/>
-                </a:solidFill>
-                <a:latin typeface="Arial" charset="0"/>
-                <a:ea typeface="ＭＳ Ｐゴシック" charset="0"/>
-              </a:defRPr>
-            </a:lvl5pPr>
-            <a:lvl6pPr marL="457200" eaLnBrk="0" fontAlgn="base" hangingPunct="0">
-              <a:spcBef>
-                <a:spcPct val="0"/>
-              </a:spcBef>
-              <a:spcAft>
-                <a:spcPct val="0"/>
-              </a:spcAft>
-              <a:defRPr sz="2400">
-                <a:solidFill>
-                  <a:schemeClr val="tx1"/>
-                </a:solidFill>
-                <a:latin typeface="Arial" charset="0"/>
-                <a:ea typeface="ＭＳ Ｐゴシック" charset="0"/>
-              </a:defRPr>
-            </a:lvl6pPr>
-            <a:lvl7pPr marL="914400" eaLnBrk="0" fontAlgn="base" hangingPunct="0">
-              <a:spcBef>
-                <a:spcPct val="0"/>
-              </a:spcBef>
-              <a:spcAft>
-                <a:spcPct val="0"/>
-              </a:spcAft>
-              <a:defRPr sz="2400">
-                <a:solidFill>
-                  <a:schemeClr val="tx1"/>
-                </a:solidFill>
-                <a:latin typeface="Arial" charset="0"/>
-                <a:ea typeface="ＭＳ Ｐゴシック" charset="0"/>
-              </a:defRPr>
-            </a:lvl7pPr>
-            <a:lvl8pPr marL="1371600" eaLnBrk="0" fontAlgn="base" hangingPunct="0">
-              <a:spcBef>
-                <a:spcPct val="0"/>
-              </a:spcBef>
-              <a:spcAft>
-                <a:spcPct val="0"/>
-              </a:spcAft>
-              <a:defRPr sz="2400">
-                <a:solidFill>
-                  <a:schemeClr val="tx1"/>
-                </a:solidFill>
-                <a:latin typeface="Arial" charset="0"/>
-                <a:ea typeface="ＭＳ Ｐゴシック" charset="0"/>
-              </a:defRPr>
-            </a:lvl8pPr>
-            <a:lvl9pPr marL="1828800" eaLnBrk="0" fontAlgn="base" hangingPunct="0">
-              <a:spcBef>
-                <a:spcPct val="0"/>
-              </a:spcBef>
-              <a:spcAft>
-                <a:spcPct val="0"/>
-              </a:spcAft>
-              <a:defRPr sz="2400">
-                <a:solidFill>
-                  <a:schemeClr val="tx1"/>
-                </a:solidFill>
-                <a:latin typeface="Arial" charset="0"/>
-                <a:ea typeface="ＭＳ Ｐゴシック" charset="0"/>
-              </a:defRPr>
-            </a:lvl9pPr>
-          </a:lstStyle>
-          <a:p>
-            <a:pPr algn="r" eaLnBrk="1" hangingPunct="1">
-              <a:defRPr/>
-            </a:pPr>
-            <a:r>
-              <a:rPr lang="en-US" sz="1600" b="1" smtClean="0">
-                <a:cs typeface="Arial" charset="0"/>
-              </a:rPr>
-              <a:t>http://meetings.cshl.edu/</a:t>
-            </a:r>
-            <a:endParaRPr lang="en-US" sz="1600" smtClean="0">
-              <a:cs typeface="Arial" charset="0"/>
-            </a:endParaRPr>
-          </a:p>
-        </p:txBody>
-      </p:sp>
-      <p:sp>
-        <p:nvSpPr>
           <p:cNvPr id="3" name="Content Placeholder 2"/>
           <p:cNvSpPr>
             <a:spLocks noGrp="1"/>
@@ -5528,6 +5367,162 @@
               <a:t>Fifth level</a:t>
             </a:r>
             <a:endParaRPr lang="en-US" dirty="0"/>
+          </a:p>
+        </p:txBody>
+      </p:sp>
+      <p:sp>
+        <p:nvSpPr>
+          <p:cNvPr id="7" name="TextBox 6"/>
+          <p:cNvSpPr txBox="1"/>
+          <p:nvPr userDrawn="1"/>
+        </p:nvSpPr>
+        <p:spPr>
+          <a:xfrm>
+            <a:off x="6705600" y="6396038"/>
+            <a:ext cx="2362200" cy="457200"/>
+          </a:xfrm>
+          <a:prstGeom prst="rect">
+            <a:avLst/>
+          </a:prstGeom>
+          <a:noFill/>
+        </p:spPr>
+        <p:txBody>
+          <a:bodyPr>
+            <a:spAutoFit/>
+          </a:bodyPr>
+          <a:lstStyle>
+            <a:lvl1pPr eaLnBrk="0" hangingPunct="0">
+              <a:defRPr sz="2400">
+                <a:solidFill>
+                  <a:schemeClr val="tx1"/>
+                </a:solidFill>
+                <a:latin typeface="Arial" charset="0"/>
+                <a:ea typeface="ＭＳ Ｐゴシック" charset="0"/>
+                <a:cs typeface="ＭＳ Ｐゴシック" charset="0"/>
+              </a:defRPr>
+            </a:lvl1pPr>
+            <a:lvl2pPr marL="37931725" indent="-37474525" eaLnBrk="0" hangingPunct="0">
+              <a:defRPr sz="2400">
+                <a:solidFill>
+                  <a:schemeClr val="tx1"/>
+                </a:solidFill>
+                <a:latin typeface="Arial" charset="0"/>
+                <a:ea typeface="ＭＳ Ｐゴシック" charset="0"/>
+              </a:defRPr>
+            </a:lvl2pPr>
+            <a:lvl3pPr eaLnBrk="0" hangingPunct="0">
+              <a:defRPr sz="2400">
+                <a:solidFill>
+                  <a:schemeClr val="tx1"/>
+                </a:solidFill>
+                <a:latin typeface="Arial" charset="0"/>
+                <a:ea typeface="ＭＳ Ｐゴシック" charset="0"/>
+              </a:defRPr>
+            </a:lvl3pPr>
+            <a:lvl4pPr eaLnBrk="0" hangingPunct="0">
+              <a:defRPr sz="2400">
+                <a:solidFill>
+                  <a:schemeClr val="tx1"/>
+                </a:solidFill>
+                <a:latin typeface="Arial" charset="0"/>
+                <a:ea typeface="ＭＳ Ｐゴシック" charset="0"/>
+              </a:defRPr>
+            </a:lvl4pPr>
+            <a:lvl5pPr eaLnBrk="0" hangingPunct="0">
+              <a:defRPr sz="2400">
+                <a:solidFill>
+                  <a:schemeClr val="tx1"/>
+                </a:solidFill>
+                <a:latin typeface="Arial" charset="0"/>
+                <a:ea typeface="ＭＳ Ｐゴシック" charset="0"/>
+              </a:defRPr>
+            </a:lvl5pPr>
+            <a:lvl6pPr marL="457200" eaLnBrk="0" fontAlgn="base" hangingPunct="0">
+              <a:spcBef>
+                <a:spcPct val="0"/>
+              </a:spcBef>
+              <a:spcAft>
+                <a:spcPct val="0"/>
+              </a:spcAft>
+              <a:defRPr sz="2400">
+                <a:solidFill>
+                  <a:schemeClr val="tx1"/>
+                </a:solidFill>
+                <a:latin typeface="Arial" charset="0"/>
+                <a:ea typeface="ＭＳ Ｐゴシック" charset="0"/>
+              </a:defRPr>
+            </a:lvl6pPr>
+            <a:lvl7pPr marL="914400" eaLnBrk="0" fontAlgn="base" hangingPunct="0">
+              <a:spcBef>
+                <a:spcPct val="0"/>
+              </a:spcBef>
+              <a:spcAft>
+                <a:spcPct val="0"/>
+              </a:spcAft>
+              <a:defRPr sz="2400">
+                <a:solidFill>
+                  <a:schemeClr val="tx1"/>
+                </a:solidFill>
+                <a:latin typeface="Arial" charset="0"/>
+                <a:ea typeface="ＭＳ Ｐゴシック" charset="0"/>
+              </a:defRPr>
+            </a:lvl7pPr>
+            <a:lvl8pPr marL="1371600" eaLnBrk="0" fontAlgn="base" hangingPunct="0">
+              <a:spcBef>
+                <a:spcPct val="0"/>
+              </a:spcBef>
+              <a:spcAft>
+                <a:spcPct val="0"/>
+              </a:spcAft>
+              <a:defRPr sz="2400">
+                <a:solidFill>
+                  <a:schemeClr val="tx1"/>
+                </a:solidFill>
+                <a:latin typeface="Arial" charset="0"/>
+                <a:ea typeface="ＭＳ Ｐゴシック" charset="0"/>
+              </a:defRPr>
+            </a:lvl8pPr>
+            <a:lvl9pPr marL="1828800" eaLnBrk="0" fontAlgn="base" hangingPunct="0">
+              <a:spcBef>
+                <a:spcPct val="0"/>
+              </a:spcBef>
+              <a:spcAft>
+                <a:spcPct val="0"/>
+              </a:spcAft>
+              <a:defRPr sz="2400">
+                <a:solidFill>
+                  <a:schemeClr val="tx1"/>
+                </a:solidFill>
+                <a:latin typeface="Arial" charset="0"/>
+                <a:ea typeface="ＭＳ Ｐゴシック" charset="0"/>
+              </a:defRPr>
+            </a:lvl9pPr>
+          </a:lstStyle>
+          <a:p>
+            <a:pPr algn="r" eaLnBrk="1" hangingPunct="1">
+              <a:defRPr/>
+            </a:pPr>
+            <a:r>
+              <a:rPr lang="en-US" b="1" dirty="0" err="1" smtClean="0">
+                <a:cs typeface="Arial" charset="0"/>
+              </a:rPr>
+              <a:t>bio</a:t>
+            </a:r>
+            <a:r>
+              <a:rPr lang="en-US" dirty="0" err="1" smtClean="0">
+                <a:cs typeface="Arial" charset="0"/>
+              </a:rPr>
+              <a:t>informatics</a:t>
+            </a:r>
+            <a:r>
+              <a:rPr lang="en-US" sz="1400" dirty="0" err="1" smtClean="0">
+                <a:cs typeface="Arial" charset="0"/>
+              </a:rPr>
+              <a:t>.ca</a:t>
+            </a:r>
+            <a:endParaRPr lang="en-US" dirty="0" smtClean="0">
+              <a:cs typeface="Arial" charset="0"/>
+            </a:endParaRPr>
           </a:p>
         </p:txBody>
       </p:sp>
@@ -5760,7 +5755,7 @@
               <a:pPr>
                 <a:defRPr/>
               </a:pPr>
-              <a:t>11/14/15</a:t>
+              <a:t>6/13/16</a:t>
             </a:fld>
             <a:endParaRPr lang="en-US"/>
           </a:p>
@@ -6296,7 +6291,7 @@
         </p:nvSpPr>
         <p:spPr>
           <a:xfrm>
-            <a:off x="685800" y="2819400"/>
+            <a:off x="659614" y="2845296"/>
             <a:ext cx="7772400" cy="1447800"/>
           </a:xfrm>
         </p:spPr>
@@ -6306,7 +6301,7 @@
           <a:p>
             <a:pPr eaLnBrk="1" hangingPunct="1"/>
             <a:r>
-              <a:rPr lang="en-US" b="0">
+              <a:rPr lang="en-US" b="0" dirty="0">
                 <a:solidFill>
                   <a:srgbClr val="CA0000"/>
                 </a:solidFill>
@@ -6314,864 +6309,14 @@
                 <a:ea typeface="ＭＳ Ｐゴシック" charset="0"/>
                 <a:cs typeface="ＭＳ Ｐゴシック" charset="0"/>
               </a:rPr>
-              <a:t>Advanced Sequencing Technologies &amp; Applications</a:t>
-            </a:r>
-          </a:p>
-        </p:txBody>
-      </p:sp>
-      <p:sp>
-        <p:nvSpPr>
-          <p:cNvPr id="9218" name="Rectangle 3"/>
-          <p:cNvSpPr txBox="1">
-            <a:spLocks noChangeArrowheads="1"/>
-          </p:cNvSpPr>
-          <p:nvPr/>
-        </p:nvSpPr>
-        <p:spPr bwMode="auto">
-          <a:xfrm>
-            <a:off x="1182688" y="4549775"/>
-            <a:ext cx="6778625" cy="1927225"/>
-          </a:xfrm>
-          <a:prstGeom prst="rect">
-            <a:avLst/>
-          </a:prstGeom>
-          <a:noFill/>
-          <a:ln>
-            <a:noFill/>
-          </a:ln>
-          <a:extLst>
-            <a:ext uri="{909E8E84-426E-40dd-AFC4-6F175D3DCCD1}">
-              <a14:hiddenFill xmlns:a14="http://schemas.microsoft.com/office/drawing/2010/main">
-                <a:solidFill>
-                  <a:srgbClr val="FFFFFF"/>
-                </a:solidFill>
-              </a14:hiddenFill>
-            </a:ext>
-            <a:ext uri="{91240B29-F687-4f45-9708-019B960494DF}">
-              <a14:hiddenLine xmlns:a14="http://schemas.microsoft.com/office/drawing/2010/main" w="9525">
-                <a:solidFill>
-                  <a:srgbClr val="000000"/>
-                </a:solidFill>
-                <a:miter lim="800000"/>
-                <a:headEnd/>
-                <a:tailEnd/>
-              </a14:hiddenLine>
-            </a:ext>
-            <a:ext uri="{FAA26D3D-D897-4be2-8F04-BA451C77F1D7}">
-              <ma14:placeholderFlag xmlns:ma14="http://schemas.microsoft.com/office/mac/drawingml/2011/main" val="1"/>
-            </a:ext>
-          </a:extLst>
-        </p:spPr>
-        <p:txBody>
-          <a:bodyPr/>
-          <a:lstStyle>
-            <a:lvl1pPr eaLnBrk="0" hangingPunct="0">
-              <a:defRPr sz="2400">
-                <a:solidFill>
-                  <a:schemeClr val="tx1"/>
-                </a:solidFill>
-                <a:latin typeface="Arial" charset="0"/>
-                <a:ea typeface="ＭＳ Ｐゴシック" charset="0"/>
-                <a:cs typeface="ＭＳ Ｐゴシック" charset="0"/>
-              </a:defRPr>
-            </a:lvl1pPr>
-            <a:lvl2pPr marL="742950" indent="-285750" eaLnBrk="0" hangingPunct="0">
-              <a:defRPr sz="2400">
-                <a:solidFill>
-                  <a:schemeClr val="tx1"/>
-                </a:solidFill>
-                <a:latin typeface="Arial" charset="0"/>
-                <a:ea typeface="ＭＳ Ｐゴシック" charset="0"/>
-              </a:defRPr>
-            </a:lvl2pPr>
-            <a:lvl3pPr marL="1143000" indent="-228600" eaLnBrk="0" hangingPunct="0">
-              <a:defRPr sz="2400">
-                <a:solidFill>
-                  <a:schemeClr val="tx1"/>
-                </a:solidFill>
-                <a:latin typeface="Arial" charset="0"/>
-                <a:ea typeface="ＭＳ Ｐゴシック" charset="0"/>
-              </a:defRPr>
-            </a:lvl3pPr>
-            <a:lvl4pPr marL="1600200" indent="-228600" eaLnBrk="0" hangingPunct="0">
-              <a:defRPr sz="2400">
-                <a:solidFill>
-                  <a:schemeClr val="tx1"/>
-                </a:solidFill>
-                <a:latin typeface="Arial" charset="0"/>
-                <a:ea typeface="ＭＳ Ｐゴシック" charset="0"/>
-              </a:defRPr>
-            </a:lvl4pPr>
-            <a:lvl5pPr marL="2057400" indent="-228600" eaLnBrk="0" hangingPunct="0">
-              <a:defRPr sz="2400">
-                <a:solidFill>
-                  <a:schemeClr val="tx1"/>
-                </a:solidFill>
-                <a:latin typeface="Arial" charset="0"/>
-                <a:ea typeface="ＭＳ Ｐゴシック" charset="0"/>
-              </a:defRPr>
-            </a:lvl5pPr>
-            <a:lvl6pPr marL="2514600" indent="-228600" eaLnBrk="0" fontAlgn="base" hangingPunct="0">
-              <a:spcBef>
-                <a:spcPct val="0"/>
-              </a:spcBef>
-              <a:spcAft>
-                <a:spcPct val="0"/>
-              </a:spcAft>
-              <a:defRPr sz="2400">
-                <a:solidFill>
-                  <a:schemeClr val="tx1"/>
-                </a:solidFill>
-                <a:latin typeface="Arial" charset="0"/>
-                <a:ea typeface="ＭＳ Ｐゴシック" charset="0"/>
-              </a:defRPr>
-            </a:lvl6pPr>
-            <a:lvl7pPr marL="2971800" indent="-228600" eaLnBrk="0" fontAlgn="base" hangingPunct="0">
-              <a:spcBef>
-                <a:spcPct val="0"/>
-              </a:spcBef>
-              <a:spcAft>
-                <a:spcPct val="0"/>
-              </a:spcAft>
-              <a:defRPr sz="2400">
-                <a:solidFill>
-                  <a:schemeClr val="tx1"/>
-                </a:solidFill>
-                <a:latin typeface="Arial" charset="0"/>
-                <a:ea typeface="ＭＳ Ｐゴシック" charset="0"/>
-              </a:defRPr>
-            </a:lvl7pPr>
-            <a:lvl8pPr marL="3429000" indent="-228600" eaLnBrk="0" fontAlgn="base" hangingPunct="0">
-              <a:spcBef>
-                <a:spcPct val="0"/>
-              </a:spcBef>
-              <a:spcAft>
-                <a:spcPct val="0"/>
-              </a:spcAft>
-              <a:defRPr sz="2400">
-                <a:solidFill>
-                  <a:schemeClr val="tx1"/>
-                </a:solidFill>
-                <a:latin typeface="Arial" charset="0"/>
-                <a:ea typeface="ＭＳ Ｐゴシック" charset="0"/>
-              </a:defRPr>
-            </a:lvl8pPr>
-            <a:lvl9pPr marL="3886200" indent="-228600" eaLnBrk="0" fontAlgn="base" hangingPunct="0">
-              <a:spcBef>
-                <a:spcPct val="0"/>
-              </a:spcBef>
-              <a:spcAft>
-                <a:spcPct val="0"/>
-              </a:spcAft>
-              <a:defRPr sz="2400">
-                <a:solidFill>
-                  <a:schemeClr val="tx1"/>
-                </a:solidFill>
-                <a:latin typeface="Arial" charset="0"/>
-                <a:ea typeface="ＭＳ Ｐゴシック" charset="0"/>
-              </a:defRPr>
-            </a:lvl9pPr>
-          </a:lstStyle>
-          <a:p>
-            <a:pPr algn="ctr" eaLnBrk="1" hangingPunct="1">
-              <a:spcBef>
-                <a:spcPct val="20000"/>
-              </a:spcBef>
-              <a:buFont typeface="Arial" charset="0"/>
-              <a:buNone/>
-            </a:pPr>
-            <a:r>
-              <a:rPr lang="en-US" sz="2800">
-                <a:latin typeface="Calibri" charset="0"/>
-              </a:rPr>
-              <a:t>http://meetings.cshl.edu/courses.html</a:t>
-            </a:r>
-          </a:p>
-        </p:txBody>
-      </p:sp>
-    </p:spTree>
-  </p:cSld>
-  <p:clrMapOvr>
-    <a:masterClrMapping/>
-  </p:clrMapOvr>
-</p:sld>
-</file>
-
-<file path=ppt/slides/slide10.xml><?xml version="1.0" encoding="utf-8"?>
-<p:sld xmlns:a="http://schemas.openxmlformats.org/drawingml/2006/main" xmlns:r="http://schemas.openxmlformats.org/officeDocument/2006/relationships" xmlns:p="http://schemas.openxmlformats.org/presentationml/2006/main">
-  <p:cSld>
-    <p:spTree>
-      <p:nvGrpSpPr>
-        <p:cNvPr id="1" name=""/>
-        <p:cNvGrpSpPr/>
-        <p:nvPr/>
-      </p:nvGrpSpPr>
-      <p:grpSpPr>
-        <a:xfrm>
-          <a:off x="0" y="0"/>
-          <a:ext cx="0" cy="0"/>
-          <a:chOff x="0" y="0"/>
-          <a:chExt cx="0" cy="0"/>
-        </a:xfrm>
-      </p:grpSpPr>
-      <p:sp>
-        <p:nvSpPr>
-          <p:cNvPr id="29697" name="Title 1"/>
-          <p:cNvSpPr>
-            <a:spLocks noGrp="1"/>
-          </p:cNvSpPr>
-          <p:nvPr>
-            <p:ph type="title"/>
-          </p:nvPr>
-        </p:nvSpPr>
-        <p:spPr>
-          <a:xfrm>
-            <a:off x="152400" y="-26988"/>
-            <a:ext cx="8839200" cy="1143001"/>
-          </a:xfrm>
-        </p:spPr>
-        <p:txBody>
-          <a:bodyPr/>
-          <a:lstStyle/>
-          <a:p>
-            <a:r>
-              <a:rPr lang="en-US">
-                <a:latin typeface="Calibri" charset="0"/>
-                <a:ea typeface="ＭＳ Ｐゴシック" charset="0"/>
-              </a:rPr>
-              <a:t>Comparison of merged GTFs from each cufflinks mode</a:t>
+              <a:t>Canadian Bioinformatics Workshops</a:t>
             </a:r>
           </a:p>
         </p:txBody>
       </p:sp>
       <p:pic>
         <p:nvPicPr>
-          <p:cNvPr id="29698" name="Content Placeholder 3" descr="merge gtfs mode comparison 2.png"/>
-          <p:cNvPicPr>
-            <a:picLocks noGrp="1" noChangeAspect="1"/>
-          </p:cNvPicPr>
-          <p:nvPr>
-            <p:ph idx="1"/>
-          </p:nvPr>
-        </p:nvPicPr>
-        <p:blipFill>
-          <a:blip r:embed="rId3">
-            <a:extLst>
-              <a:ext uri="{28A0092B-C50C-407E-A947-70E740481C1C}">
-                <a14:useLocalDpi xmlns:a14="http://schemas.microsoft.com/office/drawing/2010/main" val="0"/>
-              </a:ext>
-            </a:extLst>
-          </a:blip>
-          <a:srcRect l="-3632" r="-3632"/>
-          <a:stretch>
-            <a:fillRect/>
-          </a:stretch>
-        </p:blipFill>
-        <p:spPr/>
-      </p:pic>
-      <p:sp>
-        <p:nvSpPr>
-          <p:cNvPr id="5" name="TextBox 4"/>
-          <p:cNvSpPr txBox="1"/>
-          <p:nvPr/>
-        </p:nvSpPr>
-        <p:spPr>
-          <a:xfrm>
-            <a:off x="166688" y="3429000"/>
-            <a:ext cx="1236662" cy="276225"/>
-          </a:xfrm>
-          <a:prstGeom prst="rect">
-            <a:avLst/>
-          </a:prstGeom>
-        </p:spPr>
-        <p:style>
-          <a:lnRef idx="2">
-            <a:schemeClr val="dk1"/>
-          </a:lnRef>
-          <a:fillRef idx="1">
-            <a:schemeClr val="lt1"/>
-          </a:fillRef>
-          <a:effectRef idx="0">
-            <a:schemeClr val="dk1"/>
-          </a:effectRef>
-          <a:fontRef idx="minor">
-            <a:schemeClr val="dk1"/>
-          </a:fontRef>
-        </p:style>
-        <p:txBody>
-          <a:bodyPr wrap="none">
-            <a:spAutoFit/>
-          </a:bodyPr>
-          <a:lstStyle/>
-          <a:p>
-            <a:pPr>
-              <a:defRPr/>
-            </a:pPr>
-            <a:r>
-              <a:rPr lang="en-US" sz="1200" b="1" dirty="0" err="1"/>
-              <a:t>ref_only</a:t>
-            </a:r>
-            <a:r>
-              <a:rPr lang="en-US" sz="1200" b="1" dirty="0"/>
-              <a:t> mode</a:t>
-            </a:r>
-          </a:p>
-        </p:txBody>
-      </p:sp>
-      <p:sp>
-        <p:nvSpPr>
-          <p:cNvPr id="7" name="TextBox 6"/>
-          <p:cNvSpPr txBox="1"/>
-          <p:nvPr/>
-        </p:nvSpPr>
-        <p:spPr>
-          <a:xfrm>
-            <a:off x="133350" y="4581525"/>
-            <a:ext cx="1270000" cy="276225"/>
-          </a:xfrm>
-          <a:prstGeom prst="rect">
-            <a:avLst/>
-          </a:prstGeom>
-        </p:spPr>
-        <p:style>
-          <a:lnRef idx="2">
-            <a:schemeClr val="dk1"/>
-          </a:lnRef>
-          <a:fillRef idx="1">
-            <a:schemeClr val="lt1"/>
-          </a:fillRef>
-          <a:effectRef idx="0">
-            <a:schemeClr val="dk1"/>
-          </a:effectRef>
-          <a:fontRef idx="minor">
-            <a:schemeClr val="dk1"/>
-          </a:fontRef>
-        </p:style>
-        <p:txBody>
-          <a:bodyPr wrap="none">
-            <a:spAutoFit/>
-          </a:bodyPr>
-          <a:lstStyle/>
-          <a:p>
-            <a:pPr>
-              <a:defRPr/>
-            </a:pPr>
-            <a:r>
-              <a:rPr lang="en-US" sz="1200" b="1" dirty="0" err="1"/>
-              <a:t>de_novo</a:t>
-            </a:r>
-            <a:r>
-              <a:rPr lang="en-US" sz="1200" b="1" dirty="0"/>
-              <a:t> mode</a:t>
-            </a:r>
-          </a:p>
-        </p:txBody>
-      </p:sp>
-      <p:sp>
-        <p:nvSpPr>
-          <p:cNvPr id="8" name="TextBox 7"/>
-          <p:cNvSpPr txBox="1"/>
-          <p:nvPr/>
-        </p:nvSpPr>
-        <p:spPr>
-          <a:xfrm>
-            <a:off x="90488" y="5373688"/>
-            <a:ext cx="1312862" cy="276225"/>
-          </a:xfrm>
-          <a:prstGeom prst="rect">
-            <a:avLst/>
-          </a:prstGeom>
-        </p:spPr>
-        <p:style>
-          <a:lnRef idx="2">
-            <a:schemeClr val="dk1"/>
-          </a:lnRef>
-          <a:fillRef idx="1">
-            <a:schemeClr val="lt1"/>
-          </a:fillRef>
-          <a:effectRef idx="0">
-            <a:schemeClr val="dk1"/>
-          </a:effectRef>
-          <a:fontRef idx="minor">
-            <a:schemeClr val="dk1"/>
-          </a:fontRef>
-        </p:style>
-        <p:txBody>
-          <a:bodyPr wrap="none">
-            <a:spAutoFit/>
-          </a:bodyPr>
-          <a:lstStyle/>
-          <a:p>
-            <a:pPr>
-              <a:defRPr/>
-            </a:pPr>
-            <a:r>
-              <a:rPr lang="en-US" sz="1200" b="1" dirty="0"/>
-              <a:t>Ensembl genes</a:t>
-            </a:r>
-          </a:p>
-        </p:txBody>
-      </p:sp>
-      <p:sp>
-        <p:nvSpPr>
-          <p:cNvPr id="9" name="TextBox 8"/>
-          <p:cNvSpPr txBox="1"/>
-          <p:nvPr/>
-        </p:nvSpPr>
-        <p:spPr>
-          <a:xfrm>
-            <a:off x="295275" y="2781300"/>
-            <a:ext cx="1108075" cy="276225"/>
-          </a:xfrm>
-          <a:prstGeom prst="rect">
-            <a:avLst/>
-          </a:prstGeom>
-        </p:spPr>
-        <p:style>
-          <a:lnRef idx="2">
-            <a:schemeClr val="dk1"/>
-          </a:lnRef>
-          <a:fillRef idx="1">
-            <a:schemeClr val="lt1"/>
-          </a:fillRef>
-          <a:effectRef idx="0">
-            <a:schemeClr val="dk1"/>
-          </a:effectRef>
-          <a:fontRef idx="minor">
-            <a:schemeClr val="dk1"/>
-          </a:fontRef>
-        </p:style>
-        <p:txBody>
-          <a:bodyPr wrap="none">
-            <a:spAutoFit/>
-          </a:bodyPr>
-          <a:lstStyle/>
-          <a:p>
-            <a:pPr>
-              <a:defRPr/>
-            </a:pPr>
-            <a:r>
-              <a:rPr lang="en-US" sz="1200" b="1" dirty="0"/>
-              <a:t>UCSC genes</a:t>
-            </a:r>
-          </a:p>
-        </p:txBody>
-      </p:sp>
-    </p:spTree>
-    <p:extLst>
-      <p:ext uri="{BB962C8B-B14F-4D97-AF65-F5344CB8AC3E}">
-        <p14:creationId xmlns:p14="http://schemas.microsoft.com/office/powerpoint/2010/main" val="2993915471"/>
-      </p:ext>
-    </p:extLst>
-  </p:cSld>
-  <p:clrMapOvr>
-    <a:masterClrMapping/>
-  </p:clrMapOvr>
-  <p:timing>
-    <p:tnLst>
-      <p:par>
-        <p:cTn xmlns:p14="http://schemas.microsoft.com/office/powerpoint/2010/main" id="1" dur="indefinite" restart="never" nodeType="tmRoot"/>
-      </p:par>
-    </p:tnLst>
-  </p:timing>
-</p:sld>
-</file>
-
-<file path=ppt/slides/slide11.xml><?xml version="1.0" encoding="utf-8"?>
-<p:sld xmlns:a="http://schemas.openxmlformats.org/drawingml/2006/main" xmlns:r="http://schemas.openxmlformats.org/officeDocument/2006/relationships" xmlns:p="http://schemas.openxmlformats.org/presentationml/2006/main">
-  <p:cSld>
-    <p:spTree>
-      <p:nvGrpSpPr>
-        <p:cNvPr id="1" name=""/>
-        <p:cNvGrpSpPr/>
-        <p:nvPr/>
-      </p:nvGrpSpPr>
-      <p:grpSpPr>
-        <a:xfrm>
-          <a:off x="0" y="0"/>
-          <a:ext cx="0" cy="0"/>
-          <a:chOff x="0" y="0"/>
-          <a:chExt cx="0" cy="0"/>
-        </a:xfrm>
-      </p:grpSpPr>
-      <p:sp>
-        <p:nvSpPr>
-          <p:cNvPr id="31745" name="Title 1"/>
-          <p:cNvSpPr>
-            <a:spLocks noGrp="1"/>
-          </p:cNvSpPr>
-          <p:nvPr>
-            <p:ph type="title"/>
-          </p:nvPr>
-        </p:nvSpPr>
-        <p:spPr>
-          <a:xfrm>
-            <a:off x="152400" y="-26988"/>
-            <a:ext cx="8839200" cy="1143001"/>
-          </a:xfrm>
-        </p:spPr>
-        <p:txBody>
-          <a:bodyPr/>
-          <a:lstStyle/>
-          <a:p>
-            <a:r>
-              <a:rPr lang="en-US">
-                <a:latin typeface="Calibri" charset="0"/>
-                <a:ea typeface="ＭＳ Ｐゴシック" charset="0"/>
-              </a:rPr>
-              <a:t>What if I return to my lab and can not get this to work on my own data?</a:t>
-            </a:r>
-          </a:p>
-        </p:txBody>
-      </p:sp>
-      <p:sp>
-        <p:nvSpPr>
-          <p:cNvPr id="31746" name="Content Placeholder 2"/>
-          <p:cNvSpPr>
-            <a:spLocks noGrp="1"/>
-          </p:cNvSpPr>
-          <p:nvPr>
-            <p:ph idx="1"/>
-          </p:nvPr>
-        </p:nvSpPr>
-        <p:spPr/>
-        <p:txBody>
-          <a:bodyPr/>
-          <a:lstStyle/>
-          <a:p>
-            <a:r>
-              <a:rPr lang="en-US">
-                <a:latin typeface="Calibri" charset="0"/>
-                <a:ea typeface="ＭＳ Ｐゴシック" charset="0"/>
-              </a:rPr>
-              <a:t>Refer to the materials provided with this course for clues</a:t>
-            </a:r>
-          </a:p>
-          <a:p>
-            <a:r>
-              <a:rPr lang="en-US">
-                <a:latin typeface="Calibri" charset="0"/>
-                <a:ea typeface="ＭＳ Ｐゴシック" charset="0"/>
-              </a:rPr>
-              <a:t>Refer to the Nature Protocols tutorial (Trapnell et al. 2012)</a:t>
-            </a:r>
-          </a:p>
-          <a:p>
-            <a:pPr lvl="1"/>
-            <a:r>
-              <a:rPr lang="en-US">
-                <a:latin typeface="Calibri" charset="0"/>
-                <a:ea typeface="ＭＳ Ｐゴシック" charset="0"/>
-              </a:rPr>
-              <a:t>In particular refer to the troubleshooting table (next slide)</a:t>
-            </a:r>
-          </a:p>
-          <a:p>
-            <a:r>
-              <a:rPr lang="en-US">
-                <a:latin typeface="Calibri" charset="0"/>
-                <a:ea typeface="ＭＳ Ｐゴシック" charset="0"/>
-              </a:rPr>
-              <a:t>Search BioStars, SeqAnswers, and Google</a:t>
-            </a:r>
-          </a:p>
-          <a:p>
-            <a:pPr lvl="1"/>
-            <a:r>
-              <a:rPr lang="en-US">
-                <a:latin typeface="Calibri" charset="0"/>
-                <a:ea typeface="ＭＳ Ｐゴシック" charset="0"/>
-                <a:hlinkClick r:id="rId3"/>
-              </a:rPr>
-              <a:t>http://www.biostars.org/</a:t>
-            </a:r>
-            <a:endParaRPr lang="en-US">
-              <a:latin typeface="Calibri" charset="0"/>
-              <a:ea typeface="ＭＳ Ｐゴシック" charset="0"/>
-            </a:endParaRPr>
-          </a:p>
-          <a:p>
-            <a:pPr lvl="1"/>
-            <a:r>
-              <a:rPr lang="en-US">
-                <a:latin typeface="Calibri" charset="0"/>
-                <a:ea typeface="ＭＳ Ｐゴシック" charset="0"/>
-                <a:hlinkClick r:id="rId4"/>
-              </a:rPr>
-              <a:t>http://www.seqanswers.com</a:t>
-            </a:r>
-            <a:endParaRPr lang="en-US">
-              <a:latin typeface="Calibri" charset="0"/>
-              <a:ea typeface="ＭＳ Ｐゴシック" charset="0"/>
-            </a:endParaRPr>
-          </a:p>
-          <a:p>
-            <a:r>
-              <a:rPr lang="en-US">
-                <a:latin typeface="Calibri" charset="0"/>
-                <a:ea typeface="ＭＳ Ｐゴシック" charset="0"/>
-              </a:rPr>
-              <a:t>If your question is not already answered on BioStars...</a:t>
-            </a:r>
-          </a:p>
-          <a:p>
-            <a:pPr lvl="1"/>
-            <a:r>
-              <a:rPr lang="en-US">
-                <a:latin typeface="Calibri" charset="0"/>
-                <a:ea typeface="ＭＳ Ｐゴシック" charset="0"/>
-              </a:rPr>
-              <a:t>Ask it!  Then follow up so that others that have the same problem in the future know whether this solution worked</a:t>
-            </a:r>
-          </a:p>
-        </p:txBody>
-      </p:sp>
-    </p:spTree>
-    <p:extLst>
-      <p:ext uri="{BB962C8B-B14F-4D97-AF65-F5344CB8AC3E}">
-        <p14:creationId xmlns:p14="http://schemas.microsoft.com/office/powerpoint/2010/main" val="2958960124"/>
-      </p:ext>
-    </p:extLst>
-  </p:cSld>
-  <p:clrMapOvr>
-    <a:masterClrMapping/>
-  </p:clrMapOvr>
-  <p:timing>
-    <p:tnLst>
-      <p:par>
-        <p:cTn xmlns:p14="http://schemas.microsoft.com/office/powerpoint/2010/main" id="1" dur="indefinite" restart="never" nodeType="tmRoot"/>
-      </p:par>
-    </p:tnLst>
-  </p:timing>
-</p:sld>
-</file>
-
-<file path=ppt/slides/slide12.xml><?xml version="1.0" encoding="utf-8"?>
-<p:sld xmlns:a="http://schemas.openxmlformats.org/drawingml/2006/main" xmlns:r="http://schemas.openxmlformats.org/officeDocument/2006/relationships" xmlns:p="http://schemas.openxmlformats.org/presentationml/2006/main">
-  <p:cSld>
-    <p:spTree>
-      <p:nvGrpSpPr>
-        <p:cNvPr id="1" name=""/>
-        <p:cNvGrpSpPr/>
-        <p:nvPr/>
-      </p:nvGrpSpPr>
-      <p:grpSpPr>
-        <a:xfrm>
-          <a:off x="0" y="0"/>
-          <a:ext cx="0" cy="0"/>
-          <a:chOff x="0" y="0"/>
-          <a:chExt cx="0" cy="0"/>
-        </a:xfrm>
-      </p:grpSpPr>
-      <p:sp>
-        <p:nvSpPr>
-          <p:cNvPr id="33793" name="Title 1"/>
-          <p:cNvSpPr>
-            <a:spLocks noGrp="1"/>
-          </p:cNvSpPr>
-          <p:nvPr>
-            <p:ph type="title"/>
-          </p:nvPr>
-        </p:nvSpPr>
-        <p:spPr>
-          <a:xfrm>
-            <a:off x="152400" y="-26988"/>
-            <a:ext cx="8839200" cy="1143001"/>
-          </a:xfrm>
-        </p:spPr>
-        <p:txBody>
-          <a:bodyPr/>
-          <a:lstStyle/>
-          <a:p>
-            <a:r>
-              <a:rPr lang="en-US">
-                <a:latin typeface="Calibri" charset="0"/>
-                <a:ea typeface="ＭＳ Ｐゴシック" charset="0"/>
-              </a:rPr>
-              <a:t>TopHat/Cufflinks/Cuffdiff troubleshooting table</a:t>
-            </a:r>
-          </a:p>
-        </p:txBody>
-      </p:sp>
-      <p:pic>
-        <p:nvPicPr>
-          <p:cNvPr id="33794" name="Content Placeholder 3" descr="Troubleshooting guide.png"/>
-          <p:cNvPicPr>
-            <a:picLocks noGrp="1" noChangeAspect="1"/>
-          </p:cNvPicPr>
-          <p:nvPr>
-            <p:ph idx="1"/>
-          </p:nvPr>
-        </p:nvPicPr>
-        <p:blipFill>
-          <a:blip r:embed="rId3">
-            <a:extLst>
-              <a:ext uri="{28A0092B-C50C-407E-A947-70E740481C1C}">
-                <a14:useLocalDpi xmlns:a14="http://schemas.microsoft.com/office/drawing/2010/main" val="0"/>
-              </a:ext>
-            </a:extLst>
-          </a:blip>
-          <a:srcRect t="-8340" b="-8340"/>
-          <a:stretch>
-            <a:fillRect/>
-          </a:stretch>
-        </p:blipFill>
-        <p:spPr/>
-      </p:pic>
-    </p:spTree>
-    <p:extLst>
-      <p:ext uri="{BB962C8B-B14F-4D97-AF65-F5344CB8AC3E}">
-        <p14:creationId xmlns:p14="http://schemas.microsoft.com/office/powerpoint/2010/main" val="1722188091"/>
-      </p:ext>
-    </p:extLst>
-  </p:cSld>
-  <p:clrMapOvr>
-    <a:masterClrMapping/>
-  </p:clrMapOvr>
-  <p:timing>
-    <p:tnLst>
-      <p:par>
-        <p:cTn xmlns:p14="http://schemas.microsoft.com/office/powerpoint/2010/main" id="1" dur="indefinite" restart="never" nodeType="tmRoot"/>
-      </p:par>
-    </p:tnLst>
-  </p:timing>
-</p:sld>
-</file>
-
-<file path=ppt/slides/slide13.xml><?xml version="1.0" encoding="utf-8"?>
-<p:sld xmlns:a="http://schemas.openxmlformats.org/drawingml/2006/main" xmlns:r="http://schemas.openxmlformats.org/officeDocument/2006/relationships" xmlns:p="http://schemas.openxmlformats.org/presentationml/2006/main">
-  <p:cSld>
-    <p:spTree>
-      <p:nvGrpSpPr>
-        <p:cNvPr id="1" name=""/>
-        <p:cNvGrpSpPr/>
-        <p:nvPr/>
-      </p:nvGrpSpPr>
-      <p:grpSpPr>
-        <a:xfrm>
-          <a:off x="0" y="0"/>
-          <a:ext cx="0" cy="0"/>
-          <a:chOff x="0" y="0"/>
-          <a:chExt cx="0" cy="0"/>
-        </a:xfrm>
-      </p:grpSpPr>
-      <p:sp>
-        <p:nvSpPr>
-          <p:cNvPr id="11265" name="Content Placeholder 3"/>
-          <p:cNvSpPr>
-            <a:spLocks noGrp="1"/>
-          </p:cNvSpPr>
-          <p:nvPr>
-            <p:ph idx="1"/>
-          </p:nvPr>
-        </p:nvSpPr>
-        <p:spPr>
-          <a:xfrm>
-            <a:off x="152400" y="2667000"/>
-            <a:ext cx="8839200" cy="1600200"/>
-          </a:xfrm>
-        </p:spPr>
-        <p:txBody>
-          <a:bodyPr/>
-          <a:lstStyle/>
-          <a:p>
-            <a:pPr algn="ctr">
-              <a:buFont typeface="Arial" charset="0"/>
-              <a:buNone/>
-            </a:pPr>
-            <a:r>
-              <a:rPr lang="en-US" sz="4400">
-                <a:latin typeface="Calibri" charset="0"/>
-                <a:ea typeface="ＭＳ Ｐゴシック" charset="0"/>
-              </a:rPr>
-              <a:t>Break</a:t>
-            </a:r>
-          </a:p>
-        </p:txBody>
-      </p:sp>
-    </p:spTree>
-  </p:cSld>
-  <p:clrMapOvr>
-    <a:masterClrMapping/>
-  </p:clrMapOvr>
-</p:sld>
-</file>
-
-<file path=ppt/slides/slide2.xml><?xml version="1.0" encoding="utf-8"?>
-<p:sld xmlns:a="http://schemas.openxmlformats.org/drawingml/2006/main" xmlns:r="http://schemas.openxmlformats.org/officeDocument/2006/relationships" xmlns:p="http://schemas.openxmlformats.org/presentationml/2006/main">
-  <p:cSld>
-    <p:spTree>
-      <p:nvGrpSpPr>
-        <p:cNvPr id="1" name=""/>
-        <p:cNvGrpSpPr/>
-        <p:nvPr/>
-      </p:nvGrpSpPr>
-      <p:grpSpPr>
-        <a:xfrm>
-          <a:off x="0" y="0"/>
-          <a:ext cx="0" cy="0"/>
-          <a:chOff x="0" y="0"/>
-          <a:chExt cx="0" cy="0"/>
-        </a:xfrm>
-      </p:grpSpPr>
-      <p:sp>
-        <p:nvSpPr>
-          <p:cNvPr id="57" name="Rectangle 56"/>
-          <p:cNvSpPr/>
-          <p:nvPr/>
-        </p:nvSpPr>
-        <p:spPr>
-          <a:xfrm>
-            <a:off x="0" y="2514600"/>
-            <a:ext cx="6172200" cy="4343400"/>
-          </a:xfrm>
-          <a:prstGeom prst="rect">
-            <a:avLst/>
-          </a:prstGeom>
-          <a:solidFill>
-            <a:schemeClr val="accent1">
-              <a:alpha val="18000"/>
-            </a:schemeClr>
-          </a:solidFill>
-          <a:ln>
-            <a:noFill/>
-          </a:ln>
-        </p:spPr>
-        <p:style>
-          <a:lnRef idx="1">
-            <a:schemeClr val="accent1"/>
-          </a:lnRef>
-          <a:fillRef idx="3">
-            <a:schemeClr val="accent1"/>
-          </a:fillRef>
-          <a:effectRef idx="2">
-            <a:schemeClr val="accent1"/>
-          </a:effectRef>
-          <a:fontRef idx="minor">
-            <a:schemeClr val="lt1"/>
-          </a:fontRef>
-        </p:style>
-        <p:txBody>
-          <a:bodyPr anchor="ctr"/>
-          <a:lstStyle/>
-          <a:p>
-            <a:pPr algn="ctr">
-              <a:defRPr/>
-            </a:pPr>
-            <a:endParaRPr lang="en-US" sz="1800">
-              <a:solidFill>
-                <a:srgbClr val="FFFFFF"/>
-              </a:solidFill>
-              <a:latin typeface="Calibri" charset="0"/>
-              <a:ea typeface="ＭＳ Ｐゴシック" charset="0"/>
-              <a:cs typeface="Calibri" charset="0"/>
-            </a:endParaRPr>
-          </a:p>
-        </p:txBody>
-      </p:sp>
-      <p:pic>
-        <p:nvPicPr>
-          <p:cNvPr id="10242" name="Picture 4" descr="TGI_logo_V_2color_bevel.tiff"/>
+          <p:cNvPr id="8" name="Picture 7" descr="bioinformatics.ca-logo-white-text.png"/>
           <p:cNvPicPr>
             <a:picLocks noChangeAspect="1"/>
           </p:cNvPicPr>
@@ -7185,15 +6330,15 @@
               </a:ext>
             </a:extLst>
           </a:blip>
-          <a:srcRect l="31865" t="30911" r="32492" b="27831"/>
+          <a:srcRect/>
           <a:stretch>
             <a:fillRect/>
           </a:stretch>
         </p:blipFill>
         <p:spPr bwMode="auto">
           <a:xfrm>
-            <a:off x="6588125" y="3744913"/>
-            <a:ext cx="2181225" cy="1893887"/>
+            <a:off x="3419872" y="1196752"/>
+            <a:ext cx="2480338" cy="1043657"/>
           </a:xfrm>
           <a:prstGeom prst="rect">
             <a:avLst/>
@@ -7223,31 +6368,18 @@
           </a:extLst>
         </p:spPr>
       </p:pic>
-      <p:pic>
-        <p:nvPicPr>
-          <p:cNvPr id="10243" name="Picture 1" descr="RNA-Seq-alignment.png"/>
-          <p:cNvPicPr>
-            <a:picLocks noChangeAspect="1"/>
-          </p:cNvPicPr>
+      <p:sp>
+        <p:nvSpPr>
+          <p:cNvPr id="9" name="Rectangle 3"/>
+          <p:cNvSpPr txBox="1">
+            <a:spLocks noChangeArrowheads="1"/>
+          </p:cNvSpPr>
           <p:nvPr/>
-        </p:nvPicPr>
-        <p:blipFill>
-          <a:blip r:embed="rId3">
-            <a:extLst>
-              <a:ext uri="{28A0092B-C50C-407E-A947-70E740481C1C}">
-                <a14:useLocalDpi xmlns:a14="http://schemas.microsoft.com/office/drawing/2010/main" val="0"/>
-              </a:ext>
-            </a:extLst>
-          </a:blip>
-          <a:srcRect/>
-          <a:stretch>
-            <a:fillRect/>
-          </a:stretch>
-        </p:blipFill>
+        </p:nvSpPr>
         <p:spPr bwMode="auto">
           <a:xfrm>
-            <a:off x="900113" y="2636838"/>
-            <a:ext cx="4248150" cy="4068762"/>
+            <a:off x="1115616" y="4166071"/>
+            <a:ext cx="6778625" cy="1927225"/>
           </a:xfrm>
           <a:prstGeom prst="rect">
             <a:avLst/>
@@ -7274,412 +6406,186 @@
                 <a:tailEnd/>
               </a14:hiddenLine>
             </a:ext>
-          </a:extLst>
-        </p:spPr>
-      </p:pic>
-      <p:sp>
-        <p:nvSpPr>
-          <p:cNvPr id="10244" name="Title 1"/>
-          <p:cNvSpPr txBox="1">
-            <a:spLocks/>
-          </p:cNvSpPr>
-          <p:nvPr/>
-        </p:nvSpPr>
-        <p:spPr bwMode="auto">
-          <a:xfrm>
-            <a:off x="2943225" y="365125"/>
-            <a:ext cx="6019800" cy="838200"/>
-          </a:xfrm>
-          <a:prstGeom prst="rect">
-            <a:avLst/>
-          </a:prstGeom>
-          <a:noFill/>
-          <a:ln>
-            <a:noFill/>
-          </a:ln>
-          <a:extLst>
-            <a:ext uri="{909E8E84-426E-40dd-AFC4-6F175D3DCCD1}">
-              <a14:hiddenFill xmlns:a14="http://schemas.microsoft.com/office/drawing/2010/main">
-                <a:solidFill>
-                  <a:srgbClr val="FFFFFF"/>
-                </a:solidFill>
-              </a14:hiddenFill>
-            </a:ext>
-            <a:ext uri="{91240B29-F687-4f45-9708-019B960494DF}">
-              <a14:hiddenLine xmlns:a14="http://schemas.microsoft.com/office/drawing/2010/main" w="9525">
-                <a:solidFill>
-                  <a:srgbClr val="000000"/>
-                </a:solidFill>
-                <a:miter lim="800000"/>
-                <a:headEnd/>
-                <a:tailEnd/>
-              </a14:hiddenLine>
+            <a:ext uri="{FAA26D3D-D897-4be2-8F04-BA451C77F1D7}">
+              <ma14:placeholderFlag xmlns:ma14="http://schemas.microsoft.com/office/mac/drawingml/2011/main" val="1"/>
             </a:ext>
           </a:extLst>
         </p:spPr>
         <p:txBody>
-          <a:bodyPr anchor="ctr"/>
+          <a:bodyPr vert="horz" wrap="square" lIns="91440" tIns="45720" rIns="91440" bIns="45720" numCol="1" anchor="t" anchorCtr="0" compatLnSpc="1">
+            <a:prstTxWarp prst="textNoShape">
+              <a:avLst/>
+            </a:prstTxWarp>
+          </a:bodyPr>
           <a:lstStyle>
-            <a:lvl1pPr eaLnBrk="0" hangingPunct="0">
-              <a:defRPr sz="2400">
-                <a:solidFill>
-                  <a:schemeClr val="tx1"/>
-                </a:solidFill>
-                <a:latin typeface="Arial" charset="0"/>
-                <a:ea typeface="ＭＳ Ｐゴシック" charset="0"/>
-                <a:cs typeface="ＭＳ Ｐゴシック" charset="0"/>
-              </a:defRPr>
-            </a:lvl1pPr>
-            <a:lvl2pPr marL="742950" indent="-285750" eaLnBrk="0" hangingPunct="0">
-              <a:defRPr sz="2400">
-                <a:solidFill>
-                  <a:schemeClr val="tx1"/>
-                </a:solidFill>
-                <a:latin typeface="Arial" charset="0"/>
-                <a:ea typeface="ＭＳ Ｐゴシック" charset="0"/>
-              </a:defRPr>
-            </a:lvl2pPr>
-            <a:lvl3pPr marL="1143000" indent="-228600" eaLnBrk="0" hangingPunct="0">
-              <a:defRPr sz="2400">
-                <a:solidFill>
-                  <a:schemeClr val="tx1"/>
-                </a:solidFill>
-                <a:latin typeface="Arial" charset="0"/>
-                <a:ea typeface="ＭＳ Ｐゴシック" charset="0"/>
-              </a:defRPr>
-            </a:lvl3pPr>
-            <a:lvl4pPr marL="1600200" indent="-228600" eaLnBrk="0" hangingPunct="0">
-              <a:defRPr sz="2400">
-                <a:solidFill>
-                  <a:schemeClr val="tx1"/>
-                </a:solidFill>
-                <a:latin typeface="Arial" charset="0"/>
-                <a:ea typeface="ＭＳ Ｐゴシック" charset="0"/>
-              </a:defRPr>
-            </a:lvl4pPr>
-            <a:lvl5pPr marL="2057400" indent="-228600" eaLnBrk="0" hangingPunct="0">
-              <a:defRPr sz="2400">
-                <a:solidFill>
-                  <a:schemeClr val="tx1"/>
-                </a:solidFill>
-                <a:latin typeface="Arial" charset="0"/>
-                <a:ea typeface="ＭＳ Ｐゴシック" charset="0"/>
-              </a:defRPr>
-            </a:lvl5pPr>
-            <a:lvl6pPr marL="2514600" indent="-228600" eaLnBrk="0" fontAlgn="base" hangingPunct="0">
+            <a:lvl1pPr marL="342900" indent="-342900" algn="l" rtl="0" eaLnBrk="0" fontAlgn="base" hangingPunct="0">
               <a:spcBef>
-                <a:spcPct val="0"/>
+                <a:spcPct val="20000"/>
               </a:spcBef>
               <a:spcAft>
                 <a:spcPct val="0"/>
               </a:spcAft>
-              <a:defRPr sz="2400">
-                <a:solidFill>
-                  <a:schemeClr val="tx1"/>
-                </a:solidFill>
-                <a:latin typeface="Arial" charset="0"/>
-                <a:ea typeface="ＭＳ Ｐゴシック" charset="0"/>
-              </a:defRPr>
-            </a:lvl6pPr>
-            <a:lvl7pPr marL="2971800" indent="-228600" eaLnBrk="0" fontAlgn="base" hangingPunct="0">
+              <a:buFont typeface="Arial" charset="0"/>
+              <a:buChar char="•"/>
+              <a:defRPr sz="2800" kern="1200">
+                <a:solidFill>
+                  <a:schemeClr val="tx1"/>
+                </a:solidFill>
+                <a:latin typeface="Calibri"/>
+                <a:ea typeface="ＭＳ Ｐゴシック" pitchFamily="-28" charset="-128"/>
+                <a:cs typeface="Calibri"/>
+              </a:defRPr>
+            </a:lvl1pPr>
+            <a:lvl2pPr marL="742950" indent="-285750" algn="l" rtl="0" eaLnBrk="0" fontAlgn="base" hangingPunct="0">
               <a:spcBef>
-                <a:spcPct val="0"/>
+                <a:spcPct val="20000"/>
               </a:spcBef>
               <a:spcAft>
                 <a:spcPct val="0"/>
               </a:spcAft>
-              <a:defRPr sz="2400">
-                <a:solidFill>
-                  <a:schemeClr val="tx1"/>
-                </a:solidFill>
-                <a:latin typeface="Arial" charset="0"/>
-                <a:ea typeface="ＭＳ Ｐゴシック" charset="0"/>
-              </a:defRPr>
-            </a:lvl7pPr>
-            <a:lvl8pPr marL="3429000" indent="-228600" eaLnBrk="0" fontAlgn="base" hangingPunct="0">
+              <a:buFont typeface="Arial" charset="0"/>
+              <a:buChar char="–"/>
+              <a:defRPr sz="2400" kern="1200">
+                <a:solidFill>
+                  <a:schemeClr val="tx1"/>
+                </a:solidFill>
+                <a:latin typeface="Calibri"/>
+                <a:ea typeface="ＭＳ Ｐゴシック" pitchFamily="-28" charset="-128"/>
+                <a:cs typeface="Calibri"/>
+              </a:defRPr>
+            </a:lvl2pPr>
+            <a:lvl3pPr marL="1143000" indent="-228600" algn="l" rtl="0" eaLnBrk="0" fontAlgn="base" hangingPunct="0">
               <a:spcBef>
-                <a:spcPct val="0"/>
+                <a:spcPct val="20000"/>
               </a:spcBef>
               <a:spcAft>
                 <a:spcPct val="0"/>
               </a:spcAft>
-              <a:defRPr sz="2400">
-                <a:solidFill>
-                  <a:schemeClr val="tx1"/>
-                </a:solidFill>
-                <a:latin typeface="Arial" charset="0"/>
-                <a:ea typeface="ＭＳ Ｐゴシック" charset="0"/>
-              </a:defRPr>
-            </a:lvl8pPr>
-            <a:lvl9pPr marL="3886200" indent="-228600" eaLnBrk="0" fontAlgn="base" hangingPunct="0">
+              <a:buFont typeface="Arial" charset="0"/>
+              <a:buChar char="•"/>
+              <a:defRPr sz="2000" kern="1200">
+                <a:solidFill>
+                  <a:schemeClr val="tx1"/>
+                </a:solidFill>
+                <a:latin typeface="Calibri"/>
+                <a:ea typeface="ＭＳ Ｐゴシック" pitchFamily="-28" charset="-128"/>
+                <a:cs typeface="Calibri"/>
+              </a:defRPr>
+            </a:lvl3pPr>
+            <a:lvl4pPr marL="1600200" indent="-228600" algn="l" rtl="0" eaLnBrk="0" fontAlgn="base" hangingPunct="0">
               <a:spcBef>
-                <a:spcPct val="0"/>
+                <a:spcPct val="20000"/>
               </a:spcBef>
               <a:spcAft>
                 <a:spcPct val="0"/>
               </a:spcAft>
-              <a:defRPr sz="2400">
-                <a:solidFill>
-                  <a:schemeClr val="tx1"/>
-                </a:solidFill>
-                <a:latin typeface="Arial" charset="0"/>
-                <a:ea typeface="ＭＳ Ｐゴシック" charset="0"/>
+              <a:buFont typeface="Arial" charset="0"/>
+              <a:buChar char="–"/>
+              <a:defRPr kern="1200">
+                <a:solidFill>
+                  <a:schemeClr val="tx1"/>
+                </a:solidFill>
+                <a:latin typeface="Calibri"/>
+                <a:ea typeface="ＭＳ Ｐゴシック" pitchFamily="-28" charset="-128"/>
+                <a:cs typeface="Calibri"/>
+              </a:defRPr>
+            </a:lvl4pPr>
+            <a:lvl5pPr marL="2057400" indent="-228600" algn="l" rtl="0" eaLnBrk="0" fontAlgn="base" hangingPunct="0">
+              <a:spcBef>
+                <a:spcPct val="20000"/>
+              </a:spcBef>
+              <a:spcAft>
+                <a:spcPct val="0"/>
+              </a:spcAft>
+              <a:buFont typeface="Arial" charset="0"/>
+              <a:buChar char="»"/>
+              <a:defRPr kern="1200">
+                <a:solidFill>
+                  <a:schemeClr val="tx1"/>
+                </a:solidFill>
+                <a:latin typeface="Calibri"/>
+                <a:ea typeface="ＭＳ Ｐゴシック" pitchFamily="-28" charset="-128"/>
+                <a:cs typeface="Calibri"/>
+              </a:defRPr>
+            </a:lvl5pPr>
+            <a:lvl6pPr marL="2514600" indent="-228600" algn="l" defTabSz="914400" rtl="0" eaLnBrk="1" latinLnBrk="0" hangingPunct="1">
+              <a:spcBef>
+                <a:spcPct val="20000"/>
+              </a:spcBef>
+              <a:buFont typeface="Arial" pitchFamily="34" charset="0"/>
+              <a:buChar char="•"/>
+              <a:defRPr sz="2000" kern="1200">
+                <a:solidFill>
+                  <a:schemeClr val="tx1"/>
+                </a:solidFill>
+                <a:latin typeface="+mn-lt"/>
+                <a:ea typeface="+mn-ea"/>
+                <a:cs typeface="+mn-cs"/>
+              </a:defRPr>
+            </a:lvl6pPr>
+            <a:lvl7pPr marL="2971800" indent="-228600" algn="l" defTabSz="914400" rtl="0" eaLnBrk="1" latinLnBrk="0" hangingPunct="1">
+              <a:spcBef>
+                <a:spcPct val="20000"/>
+              </a:spcBef>
+              <a:buFont typeface="Arial" pitchFamily="34" charset="0"/>
+              <a:buChar char="•"/>
+              <a:defRPr sz="2000" kern="1200">
+                <a:solidFill>
+                  <a:schemeClr val="tx1"/>
+                </a:solidFill>
+                <a:latin typeface="+mn-lt"/>
+                <a:ea typeface="+mn-ea"/>
+                <a:cs typeface="+mn-cs"/>
+              </a:defRPr>
+            </a:lvl7pPr>
+            <a:lvl8pPr marL="3429000" indent="-228600" algn="l" defTabSz="914400" rtl="0" eaLnBrk="1" latinLnBrk="0" hangingPunct="1">
+              <a:spcBef>
+                <a:spcPct val="20000"/>
+              </a:spcBef>
+              <a:buFont typeface="Arial" pitchFamily="34" charset="0"/>
+              <a:buChar char="•"/>
+              <a:defRPr sz="2000" kern="1200">
+                <a:solidFill>
+                  <a:schemeClr val="tx1"/>
+                </a:solidFill>
+                <a:latin typeface="+mn-lt"/>
+                <a:ea typeface="+mn-ea"/>
+                <a:cs typeface="+mn-cs"/>
+              </a:defRPr>
+            </a:lvl8pPr>
+            <a:lvl9pPr marL="3886200" indent="-228600" algn="l" defTabSz="914400" rtl="0" eaLnBrk="1" latinLnBrk="0" hangingPunct="1">
+              <a:spcBef>
+                <a:spcPct val="20000"/>
+              </a:spcBef>
+              <a:buFont typeface="Arial" pitchFamily="34" charset="0"/>
+              <a:buChar char="•"/>
+              <a:defRPr sz="2000" kern="1200">
+                <a:solidFill>
+                  <a:schemeClr val="tx1"/>
+                </a:solidFill>
+                <a:latin typeface="+mn-lt"/>
+                <a:ea typeface="+mn-ea"/>
+                <a:cs typeface="+mn-cs"/>
               </a:defRPr>
             </a:lvl9pPr>
           </a:lstStyle>
           <a:p>
-            <a:pPr algn="r" eaLnBrk="1" hangingPunct="1"/>
-            <a:r>
-              <a:rPr lang="en-US" sz="2000" dirty="0" smtClean="0">
-                <a:solidFill>
-                  <a:schemeClr val="bg1"/>
-                </a:solidFill>
+            <a:pPr marL="0" indent="0" algn="ctr" eaLnBrk="1" hangingPunct="1">
+              <a:buFont typeface="Arial" charset="0"/>
+              <a:buNone/>
+            </a:pPr>
+            <a:r>
+              <a:rPr lang="en-US" smtClean="0">
                 <a:latin typeface="Calibri" charset="0"/>
-                <a:cs typeface="Segoe UI" charset="0"/>
+                <a:ea typeface="ＭＳ Ｐゴシック" charset="0"/>
+                <a:cs typeface="ＭＳ Ｐゴシック" charset="0"/>
               </a:rPr>
-              <a:t>RNA-</a:t>
-            </a:r>
-            <a:r>
-              <a:rPr lang="en-US" sz="2000" dirty="0" err="1">
-                <a:solidFill>
-                  <a:schemeClr val="bg1"/>
-                </a:solidFill>
-                <a:latin typeface="Calibri" charset="0"/>
-                <a:cs typeface="Segoe UI" charset="0"/>
-              </a:rPr>
-              <a:t>S</a:t>
-            </a:r>
-            <a:r>
-              <a:rPr lang="en-US" sz="2000" dirty="0" err="1" smtClean="0">
-                <a:solidFill>
-                  <a:schemeClr val="bg1"/>
-                </a:solidFill>
-                <a:latin typeface="Calibri" charset="0"/>
-                <a:cs typeface="Segoe UI" charset="0"/>
-              </a:rPr>
-              <a:t>eq</a:t>
-            </a:r>
-            <a:r>
-              <a:rPr lang="en-US" sz="2000" dirty="0" smtClean="0">
-                <a:solidFill>
-                  <a:schemeClr val="bg1"/>
-                </a:solidFill>
-                <a:latin typeface="Calibri" charset="0"/>
-                <a:cs typeface="Segoe UI" charset="0"/>
-              </a:rPr>
-              <a:t> Module </a:t>
-            </a:r>
-            <a:r>
-              <a:rPr lang="en-US" sz="2000" dirty="0">
-                <a:solidFill>
-                  <a:schemeClr val="bg1"/>
-                </a:solidFill>
-                <a:latin typeface="Calibri" charset="0"/>
-                <a:cs typeface="Segoe UI" charset="0"/>
-              </a:rPr>
-              <a:t>4</a:t>
-            </a:r>
-            <a:r>
-              <a:rPr lang="en-US" sz="2000" dirty="0">
-                <a:solidFill>
-                  <a:schemeClr val="bg1"/>
-                </a:solidFill>
-                <a:latin typeface="Calibri" charset="0"/>
-                <a:cs typeface="Segoe UI" charset="0"/>
-              </a:rPr>
-              <a:t/>
-            </a:r>
-            <a:br>
-              <a:rPr lang="en-US" sz="2000" dirty="0">
-                <a:solidFill>
-                  <a:schemeClr val="bg1"/>
-                </a:solidFill>
-                <a:latin typeface="Calibri" charset="0"/>
-                <a:cs typeface="Segoe UI" charset="0"/>
-              </a:rPr>
-            </a:br>
-            <a:r>
-              <a:rPr lang="en-US" sz="2000" dirty="0">
-                <a:solidFill>
-                  <a:schemeClr val="bg1"/>
-                </a:solidFill>
-                <a:latin typeface="Calibri" charset="0"/>
-                <a:cs typeface="Segoe UI" charset="0"/>
-              </a:rPr>
-              <a:t>Isoform </a:t>
-            </a:r>
-            <a:r>
-              <a:rPr lang="en-US" sz="2000" dirty="0" smtClean="0">
-                <a:solidFill>
-                  <a:schemeClr val="bg1"/>
-                </a:solidFill>
-                <a:latin typeface="Calibri" charset="0"/>
-                <a:cs typeface="Segoe UI" charset="0"/>
-              </a:rPr>
-              <a:t>Discovery </a:t>
-            </a:r>
-            <a:r>
-              <a:rPr lang="en-US" sz="2000" dirty="0">
-                <a:solidFill>
-                  <a:schemeClr val="bg1"/>
-                </a:solidFill>
-                <a:latin typeface="Calibri" charset="0"/>
-                <a:cs typeface="Segoe UI" charset="0"/>
-              </a:rPr>
-              <a:t>and </a:t>
-            </a:r>
-            <a:r>
-              <a:rPr lang="en-US" sz="2000" dirty="0" smtClean="0">
-                <a:solidFill>
-                  <a:schemeClr val="bg1"/>
-                </a:solidFill>
-                <a:latin typeface="Calibri" charset="0"/>
-                <a:cs typeface="Segoe UI" charset="0"/>
-              </a:rPr>
-              <a:t>Alternative Expression </a:t>
-            </a:r>
-            <a:r>
-              <a:rPr lang="en-US" sz="2000" dirty="0">
-                <a:solidFill>
-                  <a:schemeClr val="bg1"/>
-                </a:solidFill>
-                <a:latin typeface="Calibri" charset="0"/>
-                <a:cs typeface="Segoe UI" charset="0"/>
-              </a:rPr>
-              <a:t>(</a:t>
-            </a:r>
-            <a:r>
-              <a:rPr lang="en-US" sz="2000" dirty="0" smtClean="0">
-                <a:solidFill>
-                  <a:schemeClr val="bg1"/>
-                </a:solidFill>
-                <a:latin typeface="Calibri" charset="0"/>
-                <a:cs typeface="Segoe UI" charset="0"/>
-              </a:rPr>
-              <a:t>tutorial</a:t>
-            </a:r>
-            <a:r>
-              <a:rPr lang="en-US" sz="2000" dirty="0" smtClean="0">
-                <a:solidFill>
-                  <a:schemeClr val="bg1"/>
-                </a:solidFill>
-                <a:latin typeface="Calibri" charset="0"/>
-                <a:cs typeface="Segoe UI" charset="0"/>
-              </a:rPr>
-              <a:t>)</a:t>
-            </a:r>
-            <a:endParaRPr lang="en-US" sz="1800" b="1" dirty="0">
-              <a:solidFill>
-                <a:schemeClr val="bg1"/>
-              </a:solidFill>
+              <a:t>www.bioinformatics.ca</a:t>
+            </a:r>
+            <a:endParaRPr lang="en-US" dirty="0">
               <a:latin typeface="Calibri" charset="0"/>
-              <a:cs typeface="Segoe UI" charset="0"/>
-            </a:endParaRPr>
-          </a:p>
-        </p:txBody>
-      </p:sp>
-      <p:sp>
-        <p:nvSpPr>
-          <p:cNvPr id="8" name="Title 1"/>
-          <p:cNvSpPr txBox="1">
-            <a:spLocks/>
-          </p:cNvSpPr>
-          <p:nvPr/>
-        </p:nvSpPr>
-        <p:spPr>
-          <a:xfrm>
-            <a:off x="3854897" y="1412776"/>
-            <a:ext cx="5181599" cy="936104"/>
-          </a:xfrm>
-          <a:prstGeom prst="rect">
-            <a:avLst/>
-          </a:prstGeom>
-        </p:spPr>
-        <p:txBody>
-          <a:bodyPr anchor="ctr"/>
-          <a:lstStyle>
-            <a:lvl1pPr algn="r">
-              <a:defRPr sz="3200" baseline="0">
-                <a:solidFill>
-                  <a:schemeClr val="bg1"/>
-                </a:solidFill>
-                <a:latin typeface="Adobe Jenson Pro" pitchFamily="18" charset="0"/>
-              </a:defRPr>
-            </a:lvl1pPr>
-          </a:lstStyle>
-          <a:p>
-            <a:pPr fontAlgn="auto">
-              <a:spcAft>
-                <a:spcPts val="0"/>
-              </a:spcAft>
-              <a:defRPr/>
-            </a:pPr>
-            <a:r>
-              <a:rPr lang="en-US" sz="1600" dirty="0" smtClean="0">
-                <a:latin typeface="Calibri"/>
-                <a:ea typeface="+mj-ea"/>
-                <a:cs typeface="Calibri"/>
-              </a:rPr>
-              <a:t>Malachi Griffith, Obi Griffith, Jason Walker</a:t>
-            </a:r>
-          </a:p>
-          <a:p>
-            <a:pPr fontAlgn="auto">
-              <a:spcAft>
-                <a:spcPts val="0"/>
-              </a:spcAft>
-              <a:buFont typeface="Arial" pitchFamily="34" charset="0"/>
-              <a:buNone/>
-              <a:defRPr/>
-            </a:pPr>
-            <a:r>
-              <a:rPr lang="en-US" sz="1600" dirty="0">
-                <a:ln w="1270">
-                  <a:solidFill>
-                    <a:schemeClr val="tx1">
-                      <a:alpha val="38000"/>
-                    </a:schemeClr>
-                  </a:solidFill>
-                </a:ln>
-                <a:latin typeface="Calibri"/>
-                <a:cs typeface="Calibri"/>
-              </a:rPr>
-              <a:t>Advanced Sequencing Technologies &amp; Applications</a:t>
-            </a:r>
-          </a:p>
-          <a:p>
-            <a:pPr fontAlgn="auto">
-              <a:spcAft>
-                <a:spcPts val="0"/>
-              </a:spcAft>
-              <a:defRPr/>
-            </a:pPr>
-            <a:r>
-              <a:rPr lang="en-US" sz="1400" dirty="0">
-                <a:ln w="1270">
-                  <a:solidFill>
-                    <a:schemeClr val="tx1">
-                      <a:alpha val="38000"/>
-                    </a:schemeClr>
-                  </a:solidFill>
-                </a:ln>
-                <a:latin typeface="Calibri"/>
-                <a:ea typeface="+mn-ea"/>
-                <a:cs typeface="Calibri"/>
-              </a:rPr>
-              <a:t>November 10 - 22, 2015</a:t>
-            </a:r>
-            <a:endParaRPr lang="en-US" sz="1400" dirty="0" smtClean="0">
-              <a:ln w="1270">
-                <a:solidFill>
-                  <a:schemeClr val="tx1">
-                    <a:alpha val="38000"/>
-                  </a:schemeClr>
-                </a:solidFill>
-              </a:ln>
-              <a:latin typeface="Calibri"/>
-              <a:ea typeface="+mn-ea"/>
-              <a:cs typeface="Calibri"/>
+              <a:ea typeface="ＭＳ Ｐゴシック" charset="0"/>
+              <a:cs typeface="ＭＳ Ｐゴシック" charset="0"/>
             </a:endParaRPr>
           </a:p>
         </p:txBody>
@@ -7687,1380 +6593,17 @@
     </p:spTree>
     <p:extLst>
       <p:ext uri="{BB962C8B-B14F-4D97-AF65-F5344CB8AC3E}">
-        <p14:creationId xmlns:p14="http://schemas.microsoft.com/office/powerpoint/2010/main" val="3250606954"/>
+        <p14:creationId xmlns:p14="http://schemas.microsoft.com/office/powerpoint/2010/main" val="2713838915"/>
       </p:ext>
     </p:extLst>
   </p:cSld>
   <p:clrMapOvr>
     <a:masterClrMapping/>
   </p:clrMapOvr>
-  <p:timing>
-    <p:tnLst>
-      <p:par>
-        <p:cTn xmlns:p14="http://schemas.microsoft.com/office/powerpoint/2010/main" id="1" dur="indefinite" restart="never" nodeType="tmRoot"/>
-      </p:par>
-    </p:tnLst>
-  </p:timing>
 </p:sld>
 </file>
 
-<file path=ppt/slides/slide3.xml><?xml version="1.0" encoding="utf-8"?>
-<p:sld xmlns:a="http://schemas.openxmlformats.org/drawingml/2006/main" xmlns:r="http://schemas.openxmlformats.org/officeDocument/2006/relationships" xmlns:p="http://schemas.openxmlformats.org/presentationml/2006/main">
-  <p:cSld>
-    <p:spTree>
-      <p:nvGrpSpPr>
-        <p:cNvPr id="1" name=""/>
-        <p:cNvGrpSpPr/>
-        <p:nvPr/>
-      </p:nvGrpSpPr>
-      <p:grpSpPr>
-        <a:xfrm>
-          <a:off x="0" y="0"/>
-          <a:ext cx="0" cy="0"/>
-          <a:chOff x="0" y="0"/>
-          <a:chExt cx="0" cy="0"/>
-        </a:xfrm>
-      </p:grpSpPr>
-      <p:sp>
-        <p:nvSpPr>
-          <p:cNvPr id="15361" name="Rectangle 2"/>
-          <p:cNvSpPr>
-            <a:spLocks noGrp="1" noChangeArrowheads="1"/>
-          </p:cNvSpPr>
-          <p:nvPr>
-            <p:ph type="title"/>
-          </p:nvPr>
-        </p:nvSpPr>
-        <p:spPr>
-          <a:xfrm>
-            <a:off x="152400" y="44450"/>
-            <a:ext cx="8839200" cy="1143000"/>
-          </a:xfrm>
-        </p:spPr>
-        <p:txBody>
-          <a:bodyPr/>
-          <a:lstStyle/>
-          <a:p>
-            <a:pPr eaLnBrk="1" hangingPunct="1"/>
-            <a:r>
-              <a:rPr lang="en-US" altLang="ko-KR">
-                <a:latin typeface="Calibri" charset="0"/>
-                <a:ea typeface="ＭＳ Ｐゴシック" charset="0"/>
-                <a:cs typeface="ＭＳ Ｐゴシック" charset="0"/>
-              </a:rPr>
-              <a:t>Learning Objectives of Tutorial</a:t>
-            </a:r>
-          </a:p>
-        </p:txBody>
-      </p:sp>
-      <p:sp>
-        <p:nvSpPr>
-          <p:cNvPr id="12290" name="Content Placeholder 6"/>
-          <p:cNvSpPr>
-            <a:spLocks noGrp="1"/>
-          </p:cNvSpPr>
-          <p:nvPr>
-            <p:ph idx="1"/>
-          </p:nvPr>
-        </p:nvSpPr>
-        <p:spPr>
-          <a:xfrm>
-            <a:off x="179388" y="1258888"/>
-            <a:ext cx="8839200" cy="4906962"/>
-          </a:xfrm>
-        </p:spPr>
-        <p:txBody>
-          <a:bodyPr>
-            <a:normAutofit lnSpcReduction="10000"/>
-          </a:bodyPr>
-          <a:lstStyle/>
-          <a:p>
-            <a:pPr>
-              <a:defRPr/>
-            </a:pPr>
-            <a:r>
-              <a:rPr lang="en-US" dirty="0" smtClean="0">
-                <a:latin typeface="Calibri" charset="0"/>
-                <a:ea typeface="ＭＳ Ｐゴシック" charset="0"/>
-              </a:rPr>
-              <a:t>Learn how to run Cufflinks in ‘reference only’, ‘reference guided’, and ‘de novo’ modes</a:t>
-            </a:r>
-          </a:p>
-          <a:p>
-            <a:pPr>
-              <a:defRPr/>
-            </a:pPr>
-            <a:r>
-              <a:rPr lang="en-US" dirty="0" smtClean="0">
-                <a:latin typeface="Calibri" charset="0"/>
-                <a:ea typeface="ＭＳ Ｐゴシック" charset="0"/>
-              </a:rPr>
-              <a:t>Learn how to use </a:t>
-            </a:r>
-            <a:r>
-              <a:rPr lang="en-US" dirty="0" err="1" smtClean="0">
-                <a:latin typeface="Calibri" charset="0"/>
-                <a:ea typeface="ＭＳ Ｐゴシック" charset="0"/>
-              </a:rPr>
-              <a:t>Cuffmerge</a:t>
-            </a:r>
-            <a:r>
-              <a:rPr lang="en-US" dirty="0" smtClean="0">
-                <a:latin typeface="Calibri" charset="0"/>
-                <a:ea typeface="ＭＳ Ｐゴシック" charset="0"/>
-              </a:rPr>
-              <a:t> to combine transcriptomes from multiple Cufflinks runs and compare assembled transcripts to known transcripts</a:t>
-            </a:r>
-          </a:p>
-          <a:p>
-            <a:pPr>
-              <a:defRPr/>
-            </a:pPr>
-            <a:r>
-              <a:rPr lang="en-US" dirty="0" smtClean="0">
-                <a:latin typeface="Calibri" charset="0"/>
-                <a:ea typeface="ＭＳ Ｐゴシック" charset="0"/>
-              </a:rPr>
-              <a:t>Learn how to perform differential splicing analysis with </a:t>
-            </a:r>
-            <a:r>
-              <a:rPr lang="en-US" dirty="0" err="1" smtClean="0">
-                <a:latin typeface="Calibri" charset="0"/>
-                <a:ea typeface="ＭＳ Ｐゴシック" charset="0"/>
-              </a:rPr>
-              <a:t>Cuffdiff</a:t>
-            </a:r>
-            <a:endParaRPr lang="en-US" dirty="0" smtClean="0">
-              <a:latin typeface="Calibri" charset="0"/>
-              <a:ea typeface="ＭＳ Ｐゴシック" charset="0"/>
-            </a:endParaRPr>
-          </a:p>
-          <a:p>
-            <a:pPr>
-              <a:defRPr/>
-            </a:pPr>
-            <a:r>
-              <a:rPr lang="en-US" dirty="0" smtClean="0">
-                <a:latin typeface="Calibri" charset="0"/>
-                <a:ea typeface="ＭＳ Ｐゴシック" charset="0"/>
-              </a:rPr>
-              <a:t>Examine </a:t>
-            </a:r>
-            <a:r>
-              <a:rPr lang="en-US" dirty="0" err="1" smtClean="0">
-                <a:latin typeface="Calibri" charset="0"/>
-                <a:ea typeface="ＭＳ Ｐゴシック" charset="0"/>
-              </a:rPr>
-              <a:t>TopHat</a:t>
-            </a:r>
-            <a:r>
-              <a:rPr lang="en-US" dirty="0" smtClean="0">
-                <a:latin typeface="Calibri" charset="0"/>
-                <a:ea typeface="ＭＳ Ｐゴシック" charset="0"/>
-              </a:rPr>
-              <a:t> junctions counts and Cufflinks differential splicing files at the command line</a:t>
-            </a:r>
-          </a:p>
-          <a:p>
-            <a:pPr>
-              <a:defRPr/>
-            </a:pPr>
-            <a:r>
-              <a:rPr lang="en-US" dirty="0" smtClean="0">
-                <a:latin typeface="Calibri" charset="0"/>
-                <a:ea typeface="ＭＳ Ｐゴシック" charset="0"/>
-              </a:rPr>
-              <a:t>Visualize </a:t>
-            </a:r>
-            <a:r>
-              <a:rPr lang="en-US" dirty="0" err="1" smtClean="0">
-                <a:latin typeface="Calibri" charset="0"/>
-                <a:ea typeface="ＭＳ Ｐゴシック" charset="0"/>
-              </a:rPr>
-              <a:t>TopHat</a:t>
-            </a:r>
-            <a:r>
-              <a:rPr lang="en-US" dirty="0" smtClean="0">
-                <a:latin typeface="Calibri" charset="0"/>
-                <a:ea typeface="ＭＳ Ｐゴシック" charset="0"/>
-              </a:rPr>
-              <a:t> junction counts and Cufflinks assembled transcripts in IGV</a:t>
-            </a:r>
-            <a:endParaRPr lang="en-US" dirty="0">
-              <a:latin typeface="Calibri" charset="0"/>
-              <a:ea typeface="ＭＳ Ｐゴシック" charset="0"/>
-            </a:endParaRPr>
-          </a:p>
-        </p:txBody>
-      </p:sp>
-    </p:spTree>
-    <p:extLst>
-      <p:ext uri="{BB962C8B-B14F-4D97-AF65-F5344CB8AC3E}">
-        <p14:creationId xmlns:p14="http://schemas.microsoft.com/office/powerpoint/2010/main" val="1549753396"/>
-      </p:ext>
-    </p:extLst>
-  </p:cSld>
-  <p:clrMapOvr>
-    <a:masterClrMapping/>
-  </p:clrMapOvr>
-  <p:timing>
-    <p:tnLst>
-      <p:par>
-        <p:cTn xmlns:p14="http://schemas.microsoft.com/office/powerpoint/2010/main" id="1" dur="indefinite" restart="never" nodeType="tmRoot"/>
-      </p:par>
-    </p:tnLst>
-  </p:timing>
-</p:sld>
-</file>
-
-<file path=ppt/slides/slide4.xml><?xml version="1.0" encoding="utf-8"?>
-<p:sld xmlns:a="http://schemas.openxmlformats.org/drawingml/2006/main" xmlns:r="http://schemas.openxmlformats.org/officeDocument/2006/relationships" xmlns:p="http://schemas.openxmlformats.org/presentationml/2006/main">
-  <p:cSld>
-    <p:spTree>
-      <p:nvGrpSpPr>
-        <p:cNvPr id="1" name=""/>
-        <p:cNvGrpSpPr/>
-        <p:nvPr/>
-      </p:nvGrpSpPr>
-      <p:grpSpPr>
-        <a:xfrm>
-          <a:off x="0" y="0"/>
-          <a:ext cx="0" cy="0"/>
-          <a:chOff x="0" y="0"/>
-          <a:chExt cx="0" cy="0"/>
-        </a:xfrm>
-      </p:grpSpPr>
-      <p:sp>
-        <p:nvSpPr>
-          <p:cNvPr id="17409" name="Title 1"/>
-          <p:cNvSpPr>
-            <a:spLocks noGrp="1"/>
-          </p:cNvSpPr>
-          <p:nvPr>
-            <p:ph type="title"/>
-          </p:nvPr>
-        </p:nvSpPr>
-        <p:spPr>
-          <a:xfrm>
-            <a:off x="152400" y="44450"/>
-            <a:ext cx="8839200" cy="1143000"/>
-          </a:xfrm>
-        </p:spPr>
-        <p:txBody>
-          <a:bodyPr/>
-          <a:lstStyle/>
-          <a:p>
-            <a:r>
-              <a:rPr lang="en-US" dirty="0" smtClean="0">
-                <a:latin typeface="Calibri" charset="0"/>
-                <a:ea typeface="ＭＳ Ｐゴシック" charset="0"/>
-              </a:rPr>
-              <a:t>5-i,ii. Running </a:t>
-            </a:r>
-            <a:r>
-              <a:rPr lang="en-US" dirty="0" err="1">
-                <a:latin typeface="Calibri" charset="0"/>
-                <a:ea typeface="ＭＳ Ｐゴシック" charset="0"/>
-              </a:rPr>
-              <a:t>cuffinks</a:t>
-            </a:r>
-            <a:r>
-              <a:rPr lang="en-US" dirty="0">
-                <a:latin typeface="Calibri" charset="0"/>
-                <a:ea typeface="ＭＳ Ｐゴシック" charset="0"/>
-              </a:rPr>
-              <a:t> in ‘ref-guided’ and ‘de-novo’ mode</a:t>
-            </a:r>
-          </a:p>
-        </p:txBody>
-      </p:sp>
-      <p:sp>
-        <p:nvSpPr>
-          <p:cNvPr id="3" name="Content Placeholder 2"/>
-          <p:cNvSpPr>
-            <a:spLocks noGrp="1"/>
-          </p:cNvSpPr>
-          <p:nvPr>
-            <p:ph idx="1"/>
-          </p:nvPr>
-        </p:nvSpPr>
-        <p:spPr/>
-        <p:txBody>
-          <a:bodyPr>
-            <a:normAutofit lnSpcReduction="10000"/>
-          </a:bodyPr>
-          <a:lstStyle/>
-          <a:p>
-            <a:pPr>
-              <a:defRPr/>
-            </a:pPr>
-            <a:r>
-              <a:rPr lang="en-US" dirty="0" smtClean="0"/>
-              <a:t>In Module 3 we ran cufflinks in ‘ref-only’ mode.  This mode gives us an expression estimate for each known gene/transcript</a:t>
-            </a:r>
-          </a:p>
-          <a:p>
-            <a:pPr>
-              <a:defRPr/>
-            </a:pPr>
-            <a:r>
-              <a:rPr lang="en-US" dirty="0" smtClean="0"/>
-              <a:t>Now we want to be able to potentially identify novel genes, and novel isoforms of known genes</a:t>
-            </a:r>
-          </a:p>
-          <a:p>
-            <a:pPr>
-              <a:defRPr/>
-            </a:pPr>
-            <a:r>
-              <a:rPr lang="en-US" dirty="0" smtClean="0"/>
-              <a:t>To accomplish this we will re-run cufflinks in ‘ref-guided’ and ‘de-novo’ modes</a:t>
-            </a:r>
-          </a:p>
-          <a:p>
-            <a:pPr lvl="1">
-              <a:defRPr/>
-            </a:pPr>
-            <a:r>
-              <a:rPr lang="en-US" dirty="0" smtClean="0"/>
-              <a:t>In ‘ref-guided’ mode a known transcriptome will be used as a guide</a:t>
-            </a:r>
-          </a:p>
-          <a:p>
-            <a:pPr lvl="1">
-              <a:defRPr/>
-            </a:pPr>
-            <a:r>
-              <a:rPr lang="en-US" dirty="0" smtClean="0"/>
-              <a:t>In ‘de-novo’ mode no knowledge of the transcriptome will be used at all</a:t>
-            </a:r>
-            <a:endParaRPr lang="en-US" dirty="0"/>
-          </a:p>
-        </p:txBody>
-      </p:sp>
-    </p:spTree>
-    <p:extLst>
-      <p:ext uri="{BB962C8B-B14F-4D97-AF65-F5344CB8AC3E}">
-        <p14:creationId xmlns:p14="http://schemas.microsoft.com/office/powerpoint/2010/main" val="2188959365"/>
-      </p:ext>
-    </p:extLst>
-  </p:cSld>
-  <p:clrMapOvr>
-    <a:masterClrMapping/>
-  </p:clrMapOvr>
-  <p:timing>
-    <p:tnLst>
-      <p:par>
-        <p:cTn xmlns:p14="http://schemas.microsoft.com/office/powerpoint/2010/main" id="1" dur="indefinite" restart="never" nodeType="tmRoot"/>
-      </p:par>
-    </p:tnLst>
-  </p:timing>
-</p:sld>
-</file>
-
-<file path=ppt/slides/slide5.xml><?xml version="1.0" encoding="utf-8"?>
-<p:sld xmlns:a="http://schemas.openxmlformats.org/drawingml/2006/main" xmlns:r="http://schemas.openxmlformats.org/officeDocument/2006/relationships" xmlns:p="http://schemas.openxmlformats.org/presentationml/2006/main">
-  <p:cSld>
-    <p:spTree>
-      <p:nvGrpSpPr>
-        <p:cNvPr id="1" name=""/>
-        <p:cNvGrpSpPr/>
-        <p:nvPr/>
-      </p:nvGrpSpPr>
-      <p:grpSpPr>
-        <a:xfrm>
-          <a:off x="0" y="0"/>
-          <a:ext cx="0" cy="0"/>
-          <a:chOff x="0" y="0"/>
-          <a:chExt cx="0" cy="0"/>
-        </a:xfrm>
-      </p:grpSpPr>
-      <p:sp>
-        <p:nvSpPr>
-          <p:cNvPr id="19457" name="Title 1"/>
-          <p:cNvSpPr>
-            <a:spLocks noGrp="1"/>
-          </p:cNvSpPr>
-          <p:nvPr>
-            <p:ph type="title"/>
-          </p:nvPr>
-        </p:nvSpPr>
-        <p:spPr>
-          <a:xfrm>
-            <a:off x="152400" y="-26988"/>
-            <a:ext cx="8839200" cy="1143001"/>
-          </a:xfrm>
-        </p:spPr>
-        <p:txBody>
-          <a:bodyPr/>
-          <a:lstStyle/>
-          <a:p>
-            <a:r>
-              <a:rPr lang="en-US">
-                <a:latin typeface="Calibri" charset="0"/>
-                <a:ea typeface="ＭＳ Ｐゴシック" charset="0"/>
-              </a:rPr>
-              <a:t>‘-g’, ‘-G’ woe is me...</a:t>
-            </a:r>
-          </a:p>
-        </p:txBody>
-      </p:sp>
-      <p:sp>
-        <p:nvSpPr>
-          <p:cNvPr id="3" name="Content Placeholder 2"/>
-          <p:cNvSpPr>
-            <a:spLocks noGrp="1"/>
-          </p:cNvSpPr>
-          <p:nvPr>
-            <p:ph idx="1"/>
-          </p:nvPr>
-        </p:nvSpPr>
-        <p:spPr>
-          <a:xfrm>
-            <a:off x="152400" y="1341438"/>
-            <a:ext cx="8839200" cy="4983162"/>
-          </a:xfrm>
-        </p:spPr>
-        <p:txBody>
-          <a:bodyPr>
-            <a:normAutofit fontScale="62500" lnSpcReduction="20000"/>
-          </a:bodyPr>
-          <a:lstStyle/>
-          <a:p>
-            <a:pPr>
-              <a:defRPr/>
-            </a:pPr>
-            <a:r>
-              <a:rPr lang="en-US" dirty="0" err="1" smtClean="0"/>
-              <a:t>tophat</a:t>
-            </a:r>
-            <a:r>
-              <a:rPr lang="en-US" dirty="0" smtClean="0"/>
-              <a:t> has a ‘-G’ option</a:t>
-            </a:r>
-          </a:p>
-          <a:p>
-            <a:pPr lvl="1">
-              <a:defRPr/>
-            </a:pPr>
-            <a:r>
-              <a:rPr lang="en-US" dirty="0" smtClean="0"/>
-              <a:t>Used to supply a transcriptome GTF file</a:t>
-            </a:r>
-          </a:p>
-          <a:p>
-            <a:pPr lvl="1">
-              <a:defRPr/>
-            </a:pPr>
-            <a:r>
-              <a:rPr lang="en-US" dirty="0" smtClean="0"/>
-              <a:t>This will be used to </a:t>
-            </a:r>
-            <a:r>
-              <a:rPr lang="en-US" b="1" dirty="0" smtClean="0"/>
-              <a:t>assist the alignment</a:t>
-            </a:r>
-            <a:r>
-              <a:rPr lang="en-US" dirty="0" smtClean="0"/>
-              <a:t> step by allowing alignment to both transcriptome and genome sequences</a:t>
-            </a:r>
-          </a:p>
-          <a:p>
-            <a:pPr lvl="1">
-              <a:defRPr/>
-            </a:pPr>
-            <a:r>
-              <a:rPr lang="en-US" dirty="0" smtClean="0"/>
-              <a:t>Coordinates from alignments to transcriptomes will be converted back to genome coordinates</a:t>
-            </a:r>
-          </a:p>
-          <a:p>
-            <a:pPr lvl="1">
-              <a:defRPr/>
-            </a:pPr>
-            <a:r>
-              <a:rPr lang="en-US" dirty="0" smtClean="0"/>
-              <a:t>Even though we supply a transcriptome, </a:t>
-            </a:r>
-            <a:r>
-              <a:rPr lang="en-US" dirty="0" err="1" smtClean="0"/>
-              <a:t>tophat</a:t>
-            </a:r>
-            <a:r>
-              <a:rPr lang="en-US" dirty="0" smtClean="0"/>
-              <a:t> will not be limited in anyway to known transcripts</a:t>
-            </a:r>
-          </a:p>
-          <a:p>
-            <a:pPr>
-              <a:defRPr/>
-            </a:pPr>
-            <a:r>
-              <a:rPr lang="en-US" dirty="0" err="1"/>
-              <a:t>t</a:t>
-            </a:r>
-            <a:r>
-              <a:rPr lang="en-US" dirty="0" err="1" smtClean="0"/>
-              <a:t>ophat</a:t>
-            </a:r>
-            <a:r>
-              <a:rPr lang="en-US" dirty="0" smtClean="0"/>
-              <a:t>  also has a ‘-g’ option</a:t>
-            </a:r>
-          </a:p>
-          <a:p>
-            <a:pPr lvl="1">
-              <a:defRPr/>
-            </a:pPr>
-            <a:r>
-              <a:rPr lang="en-US" dirty="0" smtClean="0"/>
-              <a:t>Used to specify the maximum number of multiple mappings for a </a:t>
-            </a:r>
-            <a:r>
-              <a:rPr lang="en-US" smtClean="0"/>
-              <a:t>single read</a:t>
-            </a:r>
-            <a:endParaRPr lang="en-US" dirty="0" smtClean="0"/>
-          </a:p>
-          <a:p>
-            <a:pPr>
-              <a:defRPr/>
-            </a:pPr>
-            <a:r>
-              <a:rPr lang="en-US" dirty="0"/>
-              <a:t>c</a:t>
-            </a:r>
-            <a:r>
-              <a:rPr lang="en-US" dirty="0" smtClean="0"/>
-              <a:t>ufflinks has a ‘-G’ option</a:t>
-            </a:r>
-          </a:p>
-          <a:p>
-            <a:pPr lvl="1">
-              <a:defRPr/>
-            </a:pPr>
-            <a:r>
-              <a:rPr lang="en-US" dirty="0" smtClean="0"/>
-              <a:t>Used to supply a transcriptome GTF file</a:t>
-            </a:r>
-          </a:p>
-          <a:p>
-            <a:pPr lvl="1">
-              <a:defRPr/>
-            </a:pPr>
-            <a:r>
-              <a:rPr lang="en-US" dirty="0" smtClean="0"/>
-              <a:t>If specified, cufflinks will quantitate </a:t>
-            </a:r>
-            <a:r>
-              <a:rPr lang="en-US" dirty="0"/>
-              <a:t>against reference transcript </a:t>
-            </a:r>
-            <a:r>
-              <a:rPr lang="en-US" dirty="0" smtClean="0"/>
-              <a:t>annotations</a:t>
-            </a:r>
-          </a:p>
-          <a:p>
-            <a:pPr lvl="1">
-              <a:defRPr/>
-            </a:pPr>
-            <a:r>
-              <a:rPr lang="en-US" dirty="0" smtClean="0"/>
-              <a:t>We call this the ‘ref-only’ analysis mode</a:t>
-            </a:r>
-          </a:p>
-          <a:p>
-            <a:pPr>
-              <a:defRPr/>
-            </a:pPr>
-            <a:r>
-              <a:rPr lang="en-US" dirty="0"/>
-              <a:t>c</a:t>
-            </a:r>
-            <a:r>
-              <a:rPr lang="en-US" dirty="0" smtClean="0"/>
-              <a:t>ufflinks also has a ‘-g’ option</a:t>
-            </a:r>
-          </a:p>
-          <a:p>
-            <a:pPr lvl="1">
-              <a:defRPr/>
-            </a:pPr>
-            <a:r>
-              <a:rPr lang="en-US" dirty="0" smtClean="0"/>
-              <a:t>Use to supply a transcriptome GTF file</a:t>
-            </a:r>
-          </a:p>
-          <a:p>
-            <a:pPr lvl="1">
-              <a:defRPr/>
-            </a:pPr>
-            <a:r>
-              <a:rPr lang="en-US" dirty="0"/>
-              <a:t>U</a:t>
-            </a:r>
-            <a:r>
-              <a:rPr lang="en-US" dirty="0" smtClean="0"/>
-              <a:t>se </a:t>
-            </a:r>
-            <a:r>
-              <a:rPr lang="en-US" dirty="0"/>
-              <a:t>reference transcript </a:t>
-            </a:r>
-            <a:r>
-              <a:rPr lang="en-US" dirty="0" smtClean="0"/>
-              <a:t>annotations </a:t>
-            </a:r>
-            <a:r>
-              <a:rPr lang="en-US" dirty="0"/>
-              <a:t>to </a:t>
-            </a:r>
-            <a:r>
-              <a:rPr lang="en-US" b="1" dirty="0"/>
-              <a:t>guide </a:t>
-            </a:r>
-            <a:r>
-              <a:rPr lang="en-US" b="1" dirty="0" smtClean="0"/>
-              <a:t>assembly</a:t>
-            </a:r>
-          </a:p>
-          <a:p>
-            <a:pPr lvl="1">
-              <a:defRPr/>
-            </a:pPr>
-            <a:r>
-              <a:rPr lang="en-US" dirty="0" smtClean="0"/>
-              <a:t>We call this ‘reference-guided’ analysis mode</a:t>
-            </a:r>
-          </a:p>
-          <a:p>
-            <a:pPr>
-              <a:defRPr/>
-            </a:pPr>
-            <a:r>
-              <a:rPr lang="en-US" dirty="0" smtClean="0"/>
-              <a:t>Running cufflinks with neither ‘-G’ or ‘-g’</a:t>
-            </a:r>
-          </a:p>
-          <a:p>
-            <a:pPr lvl="1">
-              <a:defRPr/>
-            </a:pPr>
-            <a:r>
-              <a:rPr lang="en-US" dirty="0" smtClean="0"/>
-              <a:t>We call this ‘de-novo’ analysis mode</a:t>
-            </a:r>
-          </a:p>
-          <a:p>
-            <a:pPr>
-              <a:defRPr/>
-            </a:pPr>
-            <a:r>
-              <a:rPr lang="en-US" dirty="0" err="1"/>
-              <a:t>c</a:t>
-            </a:r>
-            <a:r>
-              <a:rPr lang="en-US" dirty="0" err="1" smtClean="0"/>
-              <a:t>uffdiff</a:t>
-            </a:r>
-            <a:r>
-              <a:rPr lang="en-US" dirty="0" smtClean="0"/>
-              <a:t>  requires a GTF file but it is not specified with a ‘-G’ or ‘-g’ option, but rather is simply supplied as a file path when you run </a:t>
-            </a:r>
-            <a:r>
-              <a:rPr lang="en-US" dirty="0" err="1" smtClean="0"/>
-              <a:t>cuffdiff</a:t>
-            </a:r>
-            <a:endParaRPr lang="en-US" dirty="0" smtClean="0"/>
-          </a:p>
-        </p:txBody>
-      </p:sp>
-    </p:spTree>
-    <p:extLst>
-      <p:ext uri="{BB962C8B-B14F-4D97-AF65-F5344CB8AC3E}">
-        <p14:creationId xmlns:p14="http://schemas.microsoft.com/office/powerpoint/2010/main" val="2750377790"/>
-      </p:ext>
-    </p:extLst>
-  </p:cSld>
-  <p:clrMapOvr>
-    <a:masterClrMapping/>
-  </p:clrMapOvr>
-  <p:timing>
-    <p:tnLst>
-      <p:par>
-        <p:cTn xmlns:p14="http://schemas.microsoft.com/office/powerpoint/2010/main" id="1" dur="indefinite" restart="never" nodeType="tmRoot"/>
-      </p:par>
-    </p:tnLst>
-  </p:timing>
-</p:sld>
-</file>
-
-<file path=ppt/slides/slide6.xml><?xml version="1.0" encoding="utf-8"?>
-<p:sld xmlns:a="http://schemas.openxmlformats.org/drawingml/2006/main" xmlns:r="http://schemas.openxmlformats.org/officeDocument/2006/relationships" xmlns:p="http://schemas.openxmlformats.org/presentationml/2006/main">
-  <p:cSld>
-    <p:spTree>
-      <p:nvGrpSpPr>
-        <p:cNvPr id="1" name=""/>
-        <p:cNvGrpSpPr/>
-        <p:nvPr/>
-      </p:nvGrpSpPr>
-      <p:grpSpPr>
-        <a:xfrm>
-          <a:off x="0" y="0"/>
-          <a:ext cx="0" cy="0"/>
-          <a:chOff x="0" y="0"/>
-          <a:chExt cx="0" cy="0"/>
-        </a:xfrm>
-      </p:grpSpPr>
-      <p:sp>
-        <p:nvSpPr>
-          <p:cNvPr id="21505" name="Title 1"/>
-          <p:cNvSpPr>
-            <a:spLocks noGrp="1"/>
-          </p:cNvSpPr>
-          <p:nvPr>
-            <p:ph type="title"/>
-          </p:nvPr>
-        </p:nvSpPr>
-        <p:spPr>
-          <a:xfrm>
-            <a:off x="152400" y="44450"/>
-            <a:ext cx="8839200" cy="1143000"/>
-          </a:xfrm>
-        </p:spPr>
-        <p:txBody>
-          <a:bodyPr/>
-          <a:lstStyle/>
-          <a:p>
-            <a:r>
-              <a:rPr lang="en-US">
-                <a:latin typeface="Calibri" charset="0"/>
-                <a:ea typeface="ＭＳ Ｐゴシック" charset="0"/>
-              </a:rPr>
-              <a:t>The tophat ‘</a:t>
-            </a:r>
-            <a:r>
-              <a:rPr lang="en-US" altLang="ja-JP">
-                <a:latin typeface="Calibri" charset="0"/>
-                <a:ea typeface="ＭＳ Ｐゴシック" charset="0"/>
-              </a:rPr>
-              <a:t>junctions.bed</a:t>
-            </a:r>
-            <a:r>
-              <a:rPr lang="en-US">
-                <a:latin typeface="Calibri" charset="0"/>
-                <a:ea typeface="ＭＳ Ｐゴシック" charset="0"/>
-              </a:rPr>
-              <a:t>’</a:t>
-            </a:r>
-            <a:r>
-              <a:rPr lang="en-US" altLang="ja-JP">
-                <a:latin typeface="Calibri" charset="0"/>
-                <a:ea typeface="ＭＳ Ｐゴシック" charset="0"/>
-              </a:rPr>
-              <a:t> file</a:t>
-            </a:r>
-            <a:endParaRPr lang="en-US">
-              <a:latin typeface="Calibri" charset="0"/>
-              <a:ea typeface="ＭＳ Ｐゴシック" charset="0"/>
-            </a:endParaRPr>
-          </a:p>
-        </p:txBody>
-      </p:sp>
-      <p:sp>
-        <p:nvSpPr>
-          <p:cNvPr id="21506" name="Content Placeholder 2"/>
-          <p:cNvSpPr>
-            <a:spLocks noGrp="1"/>
-          </p:cNvSpPr>
-          <p:nvPr>
-            <p:ph idx="1"/>
-          </p:nvPr>
-        </p:nvSpPr>
-        <p:spPr>
-          <a:xfrm>
-            <a:off x="152400" y="1268413"/>
-            <a:ext cx="8839200" cy="3341687"/>
-          </a:xfrm>
-        </p:spPr>
-        <p:txBody>
-          <a:bodyPr/>
-          <a:lstStyle/>
-          <a:p>
-            <a:r>
-              <a:rPr lang="en-US">
-                <a:latin typeface="Calibri" charset="0"/>
-                <a:ea typeface="ＭＳ Ｐゴシック" charset="0"/>
-              </a:rPr>
-              <a:t>After alignment, tophat creates a summary of all reads that support exon-exon junctions</a:t>
-            </a:r>
-          </a:p>
-          <a:p>
-            <a:pPr lvl="1"/>
-            <a:r>
-              <a:rPr lang="en-US">
-                <a:latin typeface="Calibri" charset="0"/>
-                <a:ea typeface="ＭＳ Ｐゴシック" charset="0"/>
-              </a:rPr>
-              <a:t>e.g. exon1-exon2  has 5 reads</a:t>
-            </a:r>
-          </a:p>
-          <a:p>
-            <a:pPr lvl="1"/>
-            <a:r>
-              <a:rPr lang="en-US">
-                <a:latin typeface="Calibri" charset="0"/>
-                <a:ea typeface="ＭＳ Ｐゴシック" charset="0"/>
-              </a:rPr>
-              <a:t>e.g. exon1-exon3 has 9 reads</a:t>
-            </a:r>
-          </a:p>
-          <a:p>
-            <a:r>
-              <a:rPr lang="en-US">
-                <a:latin typeface="Calibri" charset="0"/>
-                <a:ea typeface="ＭＳ Ｐゴシック" charset="0"/>
-              </a:rPr>
-              <a:t>This file reports all of the unique exon-exon junctions observed and the read counts for each</a:t>
-            </a:r>
-          </a:p>
-          <a:p>
-            <a:pPr lvl="1"/>
-            <a:r>
-              <a:rPr lang="en-US">
-                <a:latin typeface="Calibri" charset="0"/>
-                <a:ea typeface="ＭＳ Ｐゴシック" charset="0"/>
-              </a:rPr>
-              <a:t>In BED format</a:t>
-            </a:r>
-          </a:p>
-        </p:txBody>
-      </p:sp>
-      <p:pic>
-        <p:nvPicPr>
-          <p:cNvPr id="21507" name="Picture 3" descr="junctions.bed.png"/>
-          <p:cNvPicPr>
-            <a:picLocks noChangeAspect="1"/>
-          </p:cNvPicPr>
-          <p:nvPr/>
-        </p:nvPicPr>
-        <p:blipFill>
-          <a:blip r:embed="rId3">
-            <a:extLst>
-              <a:ext uri="{28A0092B-C50C-407E-A947-70E740481C1C}">
-                <a14:useLocalDpi xmlns:a14="http://schemas.microsoft.com/office/drawing/2010/main" val="0"/>
-              </a:ext>
-            </a:extLst>
-          </a:blip>
-          <a:srcRect/>
-          <a:stretch>
-            <a:fillRect/>
-          </a:stretch>
-        </p:blipFill>
-        <p:spPr bwMode="auto">
-          <a:xfrm>
-            <a:off x="250825" y="4652963"/>
-            <a:ext cx="8569325" cy="1274762"/>
-          </a:xfrm>
-          <a:prstGeom prst="rect">
-            <a:avLst/>
-          </a:prstGeom>
-          <a:noFill/>
-          <a:ln>
-            <a:noFill/>
-          </a:ln>
-          <a:extLst>
-            <a:ext uri="{909E8E84-426E-40dd-AFC4-6F175D3DCCD1}">
-              <a14:hiddenFill xmlns:a14="http://schemas.microsoft.com/office/drawing/2010/main">
-                <a:solidFill>
-                  <a:srgbClr val="FFFFFF"/>
-                </a:solidFill>
-              </a14:hiddenFill>
-            </a:ext>
-            <a:ext uri="{91240B29-F687-4f45-9708-019B960494DF}">
-              <a14:hiddenLine xmlns:a14="http://schemas.microsoft.com/office/drawing/2010/main" w="9525">
-                <a:solidFill>
-                  <a:srgbClr val="000000"/>
-                </a:solidFill>
-                <a:miter lim="800000"/>
-                <a:headEnd/>
-                <a:tailEnd/>
-              </a14:hiddenLine>
-            </a:ext>
-          </a:extLst>
-        </p:spPr>
-      </p:pic>
-      <p:cxnSp>
-        <p:nvCxnSpPr>
-          <p:cNvPr id="6" name="Straight Arrow Connector 5"/>
-          <p:cNvCxnSpPr/>
-          <p:nvPr/>
-        </p:nvCxnSpPr>
-        <p:spPr>
-          <a:xfrm flipH="1" flipV="1">
-            <a:off x="3851275" y="5949950"/>
-            <a:ext cx="360363" cy="215900"/>
-          </a:xfrm>
-          <a:prstGeom prst="straightConnector1">
-            <a:avLst/>
-          </a:prstGeom>
-          <a:ln>
-            <a:tailEnd type="arrow"/>
-          </a:ln>
-        </p:spPr>
-        <p:style>
-          <a:lnRef idx="3">
-            <a:schemeClr val="dk1"/>
-          </a:lnRef>
-          <a:fillRef idx="0">
-            <a:schemeClr val="dk1"/>
-          </a:fillRef>
-          <a:effectRef idx="2">
-            <a:schemeClr val="dk1"/>
-          </a:effectRef>
-          <a:fontRef idx="minor">
-            <a:schemeClr val="tx1"/>
-          </a:fontRef>
-        </p:style>
-      </p:cxnSp>
-      <p:sp>
-        <p:nvSpPr>
-          <p:cNvPr id="21509" name="TextBox 8"/>
-          <p:cNvSpPr txBox="1">
-            <a:spLocks noChangeArrowheads="1"/>
-          </p:cNvSpPr>
-          <p:nvPr/>
-        </p:nvSpPr>
-        <p:spPr bwMode="auto">
-          <a:xfrm>
-            <a:off x="4211638" y="5991225"/>
-            <a:ext cx="2878137" cy="461963"/>
-          </a:xfrm>
-          <a:prstGeom prst="rect">
-            <a:avLst/>
-          </a:prstGeom>
-          <a:noFill/>
-          <a:ln>
-            <a:noFill/>
-          </a:ln>
-          <a:extLst>
-            <a:ext uri="{909E8E84-426E-40dd-AFC4-6F175D3DCCD1}">
-              <a14:hiddenFill xmlns:a14="http://schemas.microsoft.com/office/drawing/2010/main">
-                <a:solidFill>
-                  <a:srgbClr val="FFFFFF"/>
-                </a:solidFill>
-              </a14:hiddenFill>
-            </a:ext>
-            <a:ext uri="{91240B29-F687-4f45-9708-019B960494DF}">
-              <a14:hiddenLine xmlns:a14="http://schemas.microsoft.com/office/drawing/2010/main" w="9525">
-                <a:solidFill>
-                  <a:srgbClr val="000000"/>
-                </a:solidFill>
-                <a:miter lim="800000"/>
-                <a:headEnd/>
-                <a:tailEnd/>
-              </a14:hiddenLine>
-            </a:ext>
-          </a:extLst>
-        </p:spPr>
-        <p:txBody>
-          <a:bodyPr wrap="none">
-            <a:spAutoFit/>
-          </a:bodyPr>
-          <a:lstStyle>
-            <a:lvl1pPr eaLnBrk="0" hangingPunct="0">
-              <a:defRPr sz="2400">
-                <a:solidFill>
-                  <a:schemeClr val="tx1"/>
-                </a:solidFill>
-                <a:latin typeface="Arial" charset="0"/>
-                <a:ea typeface="ＭＳ Ｐゴシック" charset="0"/>
-                <a:cs typeface="ＭＳ Ｐゴシック" charset="0"/>
-              </a:defRPr>
-            </a:lvl1pPr>
-            <a:lvl2pPr marL="742950" indent="-285750" eaLnBrk="0" hangingPunct="0">
-              <a:defRPr sz="2400">
-                <a:solidFill>
-                  <a:schemeClr val="tx1"/>
-                </a:solidFill>
-                <a:latin typeface="Arial" charset="0"/>
-                <a:ea typeface="ＭＳ Ｐゴシック" charset="0"/>
-              </a:defRPr>
-            </a:lvl2pPr>
-            <a:lvl3pPr marL="1143000" indent="-228600" eaLnBrk="0" hangingPunct="0">
-              <a:defRPr sz="2400">
-                <a:solidFill>
-                  <a:schemeClr val="tx1"/>
-                </a:solidFill>
-                <a:latin typeface="Arial" charset="0"/>
-                <a:ea typeface="ＭＳ Ｐゴシック" charset="0"/>
-              </a:defRPr>
-            </a:lvl3pPr>
-            <a:lvl4pPr marL="1600200" indent="-228600" eaLnBrk="0" hangingPunct="0">
-              <a:defRPr sz="2400">
-                <a:solidFill>
-                  <a:schemeClr val="tx1"/>
-                </a:solidFill>
-                <a:latin typeface="Arial" charset="0"/>
-                <a:ea typeface="ＭＳ Ｐゴシック" charset="0"/>
-              </a:defRPr>
-            </a:lvl4pPr>
-            <a:lvl5pPr marL="2057400" indent="-228600" eaLnBrk="0" hangingPunct="0">
-              <a:defRPr sz="2400">
-                <a:solidFill>
-                  <a:schemeClr val="tx1"/>
-                </a:solidFill>
-                <a:latin typeface="Arial" charset="0"/>
-                <a:ea typeface="ＭＳ Ｐゴシック" charset="0"/>
-              </a:defRPr>
-            </a:lvl5pPr>
-            <a:lvl6pPr marL="2514600" indent="-228600" eaLnBrk="0" fontAlgn="base" hangingPunct="0">
-              <a:spcBef>
-                <a:spcPct val="0"/>
-              </a:spcBef>
-              <a:spcAft>
-                <a:spcPct val="0"/>
-              </a:spcAft>
-              <a:defRPr sz="2400">
-                <a:solidFill>
-                  <a:schemeClr val="tx1"/>
-                </a:solidFill>
-                <a:latin typeface="Arial" charset="0"/>
-                <a:ea typeface="ＭＳ Ｐゴシック" charset="0"/>
-              </a:defRPr>
-            </a:lvl6pPr>
-            <a:lvl7pPr marL="2971800" indent="-228600" eaLnBrk="0" fontAlgn="base" hangingPunct="0">
-              <a:spcBef>
-                <a:spcPct val="0"/>
-              </a:spcBef>
-              <a:spcAft>
-                <a:spcPct val="0"/>
-              </a:spcAft>
-              <a:defRPr sz="2400">
-                <a:solidFill>
-                  <a:schemeClr val="tx1"/>
-                </a:solidFill>
-                <a:latin typeface="Arial" charset="0"/>
-                <a:ea typeface="ＭＳ Ｐゴシック" charset="0"/>
-              </a:defRPr>
-            </a:lvl7pPr>
-            <a:lvl8pPr marL="3429000" indent="-228600" eaLnBrk="0" fontAlgn="base" hangingPunct="0">
-              <a:spcBef>
-                <a:spcPct val="0"/>
-              </a:spcBef>
-              <a:spcAft>
-                <a:spcPct val="0"/>
-              </a:spcAft>
-              <a:defRPr sz="2400">
-                <a:solidFill>
-                  <a:schemeClr val="tx1"/>
-                </a:solidFill>
-                <a:latin typeface="Arial" charset="0"/>
-                <a:ea typeface="ＭＳ Ｐゴシック" charset="0"/>
-              </a:defRPr>
-            </a:lvl8pPr>
-            <a:lvl9pPr marL="3886200" indent="-228600" eaLnBrk="0" fontAlgn="base" hangingPunct="0">
-              <a:spcBef>
-                <a:spcPct val="0"/>
-              </a:spcBef>
-              <a:spcAft>
-                <a:spcPct val="0"/>
-              </a:spcAft>
-              <a:defRPr sz="2400">
-                <a:solidFill>
-                  <a:schemeClr val="tx1"/>
-                </a:solidFill>
-                <a:latin typeface="Arial" charset="0"/>
-                <a:ea typeface="ＭＳ Ｐゴシック" charset="0"/>
-              </a:defRPr>
-            </a:lvl9pPr>
-          </a:lstStyle>
-          <a:p>
-            <a:pPr eaLnBrk="1" hangingPunct="1"/>
-            <a:r>
-              <a:rPr lang="en-US"/>
-              <a:t>Junction read count</a:t>
-            </a:r>
-          </a:p>
-        </p:txBody>
-      </p:sp>
-    </p:spTree>
-    <p:extLst>
-      <p:ext uri="{BB962C8B-B14F-4D97-AF65-F5344CB8AC3E}">
-        <p14:creationId xmlns:p14="http://schemas.microsoft.com/office/powerpoint/2010/main" val="3851862023"/>
-      </p:ext>
-    </p:extLst>
-  </p:cSld>
-  <p:clrMapOvr>
-    <a:masterClrMapping/>
-  </p:clrMapOvr>
-  <p:timing>
-    <p:tnLst>
-      <p:par>
-        <p:cTn xmlns:p14="http://schemas.microsoft.com/office/powerpoint/2010/main" id="1" dur="indefinite" restart="never" nodeType="tmRoot"/>
-      </p:par>
-    </p:tnLst>
-  </p:timing>
-</p:sld>
-</file>
-
-<file path=ppt/slides/slide7.xml><?xml version="1.0" encoding="utf-8"?>
-<p:sld xmlns:a="http://schemas.openxmlformats.org/drawingml/2006/main" xmlns:r="http://schemas.openxmlformats.org/officeDocument/2006/relationships" xmlns:p="http://schemas.openxmlformats.org/presentationml/2006/main">
-  <p:cSld>
-    <p:spTree>
-      <p:nvGrpSpPr>
-        <p:cNvPr id="1" name=""/>
-        <p:cNvGrpSpPr/>
-        <p:nvPr/>
-      </p:nvGrpSpPr>
-      <p:grpSpPr>
-        <a:xfrm>
-          <a:off x="0" y="0"/>
-          <a:ext cx="0" cy="0"/>
-          <a:chOff x="0" y="0"/>
-          <a:chExt cx="0" cy="0"/>
-        </a:xfrm>
-      </p:grpSpPr>
-      <p:sp>
-        <p:nvSpPr>
-          <p:cNvPr id="23553" name="Title 1"/>
-          <p:cNvSpPr>
-            <a:spLocks noGrp="1"/>
-          </p:cNvSpPr>
-          <p:nvPr>
-            <p:ph type="title"/>
-          </p:nvPr>
-        </p:nvSpPr>
-        <p:spPr>
-          <a:xfrm>
-            <a:off x="152400" y="-26988"/>
-            <a:ext cx="8839200" cy="1143001"/>
-          </a:xfrm>
-        </p:spPr>
-        <p:txBody>
-          <a:bodyPr/>
-          <a:lstStyle/>
-          <a:p>
-            <a:r>
-              <a:rPr lang="en-US">
-                <a:latin typeface="Calibri" charset="0"/>
-                <a:ea typeface="ＭＳ Ｐゴシック" charset="0"/>
-              </a:rPr>
-              <a:t>Viewing the junctions.bed in IGV</a:t>
-            </a:r>
-          </a:p>
-        </p:txBody>
-      </p:sp>
-      <p:pic>
-        <p:nvPicPr>
-          <p:cNvPr id="23554" name="Content Placeholder 3" descr="junctions bed IGV screenshot.png"/>
-          <p:cNvPicPr>
-            <a:picLocks noGrp="1" noChangeAspect="1"/>
-          </p:cNvPicPr>
-          <p:nvPr>
-            <p:ph idx="1"/>
-          </p:nvPr>
-        </p:nvPicPr>
-        <p:blipFill>
-          <a:blip r:embed="rId3">
-            <a:extLst>
-              <a:ext uri="{28A0092B-C50C-407E-A947-70E740481C1C}">
-                <a14:useLocalDpi xmlns:a14="http://schemas.microsoft.com/office/drawing/2010/main" val="0"/>
-              </a:ext>
-            </a:extLst>
-          </a:blip>
-          <a:srcRect t="-7526" b="-7526"/>
-          <a:stretch>
-            <a:fillRect/>
-          </a:stretch>
-        </p:blipFill>
-        <p:spPr/>
-      </p:pic>
-    </p:spTree>
-    <p:extLst>
-      <p:ext uri="{BB962C8B-B14F-4D97-AF65-F5344CB8AC3E}">
-        <p14:creationId xmlns:p14="http://schemas.microsoft.com/office/powerpoint/2010/main" val="3093578121"/>
-      </p:ext>
-    </p:extLst>
-  </p:cSld>
-  <p:clrMapOvr>
-    <a:masterClrMapping/>
-  </p:clrMapOvr>
-  <p:timing>
-    <p:tnLst>
-      <p:par>
-        <p:cTn xmlns:p14="http://schemas.microsoft.com/office/powerpoint/2010/main" id="1" dur="indefinite" restart="never" nodeType="tmRoot"/>
-      </p:par>
-    </p:tnLst>
-  </p:timing>
-</p:sld>
-</file>
-
-<file path=ppt/slides/slide8.xml><?xml version="1.0" encoding="utf-8"?>
-<p:sld xmlns:a="http://schemas.openxmlformats.org/drawingml/2006/main" xmlns:r="http://schemas.openxmlformats.org/officeDocument/2006/relationships" xmlns:p="http://schemas.openxmlformats.org/presentationml/2006/main">
-  <p:cSld>
-    <p:spTree>
-      <p:nvGrpSpPr>
-        <p:cNvPr id="1" name=""/>
-        <p:cNvGrpSpPr/>
-        <p:nvPr/>
-      </p:nvGrpSpPr>
-      <p:grpSpPr>
-        <a:xfrm>
-          <a:off x="0" y="0"/>
-          <a:ext cx="0" cy="0"/>
-          <a:chOff x="0" y="0"/>
-          <a:chExt cx="0" cy="0"/>
-        </a:xfrm>
-      </p:grpSpPr>
-      <p:sp>
-        <p:nvSpPr>
-          <p:cNvPr id="25601" name="Title 1"/>
-          <p:cNvSpPr>
-            <a:spLocks noGrp="1"/>
-          </p:cNvSpPr>
-          <p:nvPr>
-            <p:ph type="title"/>
-          </p:nvPr>
-        </p:nvSpPr>
-        <p:spPr>
-          <a:xfrm>
-            <a:off x="152400" y="-26988"/>
-            <a:ext cx="8839200" cy="1143001"/>
-          </a:xfrm>
-        </p:spPr>
-        <p:txBody>
-          <a:bodyPr/>
-          <a:lstStyle/>
-          <a:p>
-            <a:r>
-              <a:rPr lang="en-US" dirty="0" smtClean="0">
-                <a:latin typeface="Calibri" charset="0"/>
-                <a:ea typeface="ＭＳ Ｐゴシック" charset="0"/>
-              </a:rPr>
-              <a:t>5-iii,iv. </a:t>
-            </a:r>
-            <a:r>
-              <a:rPr lang="en-US" dirty="0" err="1" smtClean="0">
-                <a:latin typeface="Calibri" charset="0"/>
-                <a:ea typeface="ＭＳ Ｐゴシック" charset="0"/>
-              </a:rPr>
-              <a:t>Cuffmerge</a:t>
-            </a:r>
-            <a:endParaRPr lang="en-US" dirty="0">
-              <a:latin typeface="Calibri" charset="0"/>
-              <a:ea typeface="ＭＳ Ｐゴシック" charset="0"/>
-            </a:endParaRPr>
-          </a:p>
-        </p:txBody>
-      </p:sp>
-      <p:sp>
-        <p:nvSpPr>
-          <p:cNvPr id="25602" name="Content Placeholder 2"/>
-          <p:cNvSpPr>
-            <a:spLocks noGrp="1"/>
-          </p:cNvSpPr>
-          <p:nvPr>
-            <p:ph idx="1"/>
-          </p:nvPr>
-        </p:nvSpPr>
-        <p:spPr/>
-        <p:txBody>
-          <a:bodyPr/>
-          <a:lstStyle/>
-          <a:p>
-            <a:r>
-              <a:rPr lang="en-US">
-                <a:latin typeface="Calibri" charset="0"/>
-                <a:ea typeface="ＭＳ Ｐゴシック" charset="0"/>
-                <a:hlinkClick r:id="rId3"/>
-              </a:rPr>
-              <a:t>http://cufflinks.cbcb.umd.edu/manual.html#cuffmerge</a:t>
-            </a:r>
-            <a:endParaRPr lang="en-US">
-              <a:latin typeface="Calibri" charset="0"/>
-              <a:ea typeface="ＭＳ Ｐゴシック" charset="0"/>
-            </a:endParaRPr>
-          </a:p>
-          <a:p>
-            <a:endParaRPr lang="en-US">
-              <a:latin typeface="Calibri" charset="0"/>
-              <a:ea typeface="ＭＳ Ｐゴシック" charset="0"/>
-            </a:endParaRPr>
-          </a:p>
-          <a:p>
-            <a:r>
-              <a:rPr lang="en-US">
-                <a:latin typeface="Calibri" charset="0"/>
-                <a:ea typeface="ＭＳ Ｐゴシック" charset="0"/>
-              </a:rPr>
-              <a:t>Cuffmerge combines transcripts predicted from multiple RNA-seq data sets into one view of the transcriptome</a:t>
-            </a:r>
-          </a:p>
-          <a:p>
-            <a:pPr lvl="1"/>
-            <a:r>
-              <a:rPr lang="en-US">
-                <a:latin typeface="Calibri" charset="0"/>
-                <a:ea typeface="ＭＳ Ｐゴシック" charset="0"/>
-              </a:rPr>
-              <a:t>Do this before running cuffdiff to compare between multiple conditions</a:t>
-            </a:r>
-          </a:p>
-          <a:p>
-            <a:r>
-              <a:rPr lang="en-US">
-                <a:latin typeface="Calibri" charset="0"/>
-                <a:ea typeface="ＭＳ Ｐゴシック" charset="0"/>
-              </a:rPr>
-              <a:t>Cuffmerge can also simultaneously compare transcripts to the known transcripts GTF file from Ensembl, etc.</a:t>
-            </a:r>
-          </a:p>
-          <a:p>
-            <a:pPr lvl="1"/>
-            <a:r>
-              <a:rPr lang="en-US">
-                <a:latin typeface="Calibri" charset="0"/>
-                <a:ea typeface="ＭＳ Ｐゴシック" charset="0"/>
-                <a:hlinkClick r:id="rId4"/>
-              </a:rPr>
-              <a:t>http://cufflinks.cbcb.umd.edu/manual.html#class_codes</a:t>
-            </a:r>
-            <a:endParaRPr lang="en-US">
-              <a:latin typeface="Calibri" charset="0"/>
-              <a:ea typeface="ＭＳ Ｐゴシック" charset="0"/>
-            </a:endParaRPr>
-          </a:p>
-          <a:p>
-            <a:endParaRPr lang="en-US">
-              <a:latin typeface="Calibri" charset="0"/>
-              <a:ea typeface="ＭＳ Ｐゴシック" charset="0"/>
-            </a:endParaRPr>
-          </a:p>
-        </p:txBody>
-      </p:sp>
-    </p:spTree>
-    <p:extLst>
-      <p:ext uri="{BB962C8B-B14F-4D97-AF65-F5344CB8AC3E}">
-        <p14:creationId xmlns:p14="http://schemas.microsoft.com/office/powerpoint/2010/main" val="1542652591"/>
-      </p:ext>
-    </p:extLst>
-  </p:cSld>
-  <p:clrMapOvr>
-    <a:masterClrMapping/>
-  </p:clrMapOvr>
-  <p:timing>
-    <p:tnLst>
-      <p:par>
-        <p:cTn xmlns:p14="http://schemas.microsoft.com/office/powerpoint/2010/main" id="1" dur="indefinite" restart="never" nodeType="tmRoot"/>
-      </p:par>
-    </p:tnLst>
-  </p:timing>
-</p:sld>
-</file>
-
-<file path=ppt/slides/slide9.xml><?xml version="1.0" encoding="utf-8"?>
+<file path=ppt/slides/slide10.xml><?xml version="1.0" encoding="utf-8"?>
 <p:sld xmlns:a="http://schemas.openxmlformats.org/drawingml/2006/main" xmlns:r="http://schemas.openxmlformats.org/officeDocument/2006/relationships" xmlns:p="http://schemas.openxmlformats.org/presentationml/2006/main">
   <p:cSld>
     <p:spTree>
@@ -9418,6 +6961,3171 @@
     <p:extLst>
       <p:ext uri="{BB962C8B-B14F-4D97-AF65-F5344CB8AC3E}">
         <p14:creationId xmlns:p14="http://schemas.microsoft.com/office/powerpoint/2010/main" val="2204738228"/>
+      </p:ext>
+    </p:extLst>
+  </p:cSld>
+  <p:clrMapOvr>
+    <a:masterClrMapping/>
+  </p:clrMapOvr>
+  <p:timing>
+    <p:tnLst>
+      <p:par>
+        <p:cTn xmlns:p14="http://schemas.microsoft.com/office/powerpoint/2010/main" id="1" dur="indefinite" restart="never" nodeType="tmRoot"/>
+      </p:par>
+    </p:tnLst>
+  </p:timing>
+</p:sld>
+</file>
+
+<file path=ppt/slides/slide11.xml><?xml version="1.0" encoding="utf-8"?>
+<p:sld xmlns:a="http://schemas.openxmlformats.org/drawingml/2006/main" xmlns:r="http://schemas.openxmlformats.org/officeDocument/2006/relationships" xmlns:p="http://schemas.openxmlformats.org/presentationml/2006/main">
+  <p:cSld>
+    <p:spTree>
+      <p:nvGrpSpPr>
+        <p:cNvPr id="1" name=""/>
+        <p:cNvGrpSpPr/>
+        <p:nvPr/>
+      </p:nvGrpSpPr>
+      <p:grpSpPr>
+        <a:xfrm>
+          <a:off x="0" y="0"/>
+          <a:ext cx="0" cy="0"/>
+          <a:chOff x="0" y="0"/>
+          <a:chExt cx="0" cy="0"/>
+        </a:xfrm>
+      </p:grpSpPr>
+      <p:sp>
+        <p:nvSpPr>
+          <p:cNvPr id="29697" name="Title 1"/>
+          <p:cNvSpPr>
+            <a:spLocks noGrp="1"/>
+          </p:cNvSpPr>
+          <p:nvPr>
+            <p:ph type="title"/>
+          </p:nvPr>
+        </p:nvSpPr>
+        <p:spPr>
+          <a:xfrm>
+            <a:off x="152400" y="-26988"/>
+            <a:ext cx="8839200" cy="1143001"/>
+          </a:xfrm>
+        </p:spPr>
+        <p:txBody>
+          <a:bodyPr/>
+          <a:lstStyle/>
+          <a:p>
+            <a:r>
+              <a:rPr lang="en-US">
+                <a:latin typeface="Calibri" charset="0"/>
+                <a:ea typeface="ＭＳ Ｐゴシック" charset="0"/>
+              </a:rPr>
+              <a:t>Comparison of merged GTFs from each cufflinks mode</a:t>
+            </a:r>
+          </a:p>
+        </p:txBody>
+      </p:sp>
+      <p:pic>
+        <p:nvPicPr>
+          <p:cNvPr id="29698" name="Content Placeholder 3" descr="merge gtfs mode comparison 2.png"/>
+          <p:cNvPicPr>
+            <a:picLocks noGrp="1" noChangeAspect="1"/>
+          </p:cNvPicPr>
+          <p:nvPr>
+            <p:ph idx="1"/>
+          </p:nvPr>
+        </p:nvPicPr>
+        <p:blipFill>
+          <a:blip r:embed="rId3">
+            <a:extLst>
+              <a:ext uri="{28A0092B-C50C-407E-A947-70E740481C1C}">
+                <a14:useLocalDpi xmlns:a14="http://schemas.microsoft.com/office/drawing/2010/main" val="0"/>
+              </a:ext>
+            </a:extLst>
+          </a:blip>
+          <a:srcRect l="-3632" r="-3632"/>
+          <a:stretch>
+            <a:fillRect/>
+          </a:stretch>
+        </p:blipFill>
+        <p:spPr/>
+      </p:pic>
+      <p:sp>
+        <p:nvSpPr>
+          <p:cNvPr id="5" name="TextBox 4"/>
+          <p:cNvSpPr txBox="1"/>
+          <p:nvPr/>
+        </p:nvSpPr>
+        <p:spPr>
+          <a:xfrm>
+            <a:off x="166688" y="3429000"/>
+            <a:ext cx="1236662" cy="276225"/>
+          </a:xfrm>
+          <a:prstGeom prst="rect">
+            <a:avLst/>
+          </a:prstGeom>
+        </p:spPr>
+        <p:style>
+          <a:lnRef idx="2">
+            <a:schemeClr val="dk1"/>
+          </a:lnRef>
+          <a:fillRef idx="1">
+            <a:schemeClr val="lt1"/>
+          </a:fillRef>
+          <a:effectRef idx="0">
+            <a:schemeClr val="dk1"/>
+          </a:effectRef>
+          <a:fontRef idx="minor">
+            <a:schemeClr val="dk1"/>
+          </a:fontRef>
+        </p:style>
+        <p:txBody>
+          <a:bodyPr wrap="none">
+            <a:spAutoFit/>
+          </a:bodyPr>
+          <a:lstStyle/>
+          <a:p>
+            <a:pPr>
+              <a:defRPr/>
+            </a:pPr>
+            <a:r>
+              <a:rPr lang="en-US" sz="1200" b="1" dirty="0" err="1"/>
+              <a:t>ref_only</a:t>
+            </a:r>
+            <a:r>
+              <a:rPr lang="en-US" sz="1200" b="1" dirty="0"/>
+              <a:t> mode</a:t>
+            </a:r>
+          </a:p>
+        </p:txBody>
+      </p:sp>
+      <p:sp>
+        <p:nvSpPr>
+          <p:cNvPr id="7" name="TextBox 6"/>
+          <p:cNvSpPr txBox="1"/>
+          <p:nvPr/>
+        </p:nvSpPr>
+        <p:spPr>
+          <a:xfrm>
+            <a:off x="133350" y="4581525"/>
+            <a:ext cx="1270000" cy="276225"/>
+          </a:xfrm>
+          <a:prstGeom prst="rect">
+            <a:avLst/>
+          </a:prstGeom>
+        </p:spPr>
+        <p:style>
+          <a:lnRef idx="2">
+            <a:schemeClr val="dk1"/>
+          </a:lnRef>
+          <a:fillRef idx="1">
+            <a:schemeClr val="lt1"/>
+          </a:fillRef>
+          <a:effectRef idx="0">
+            <a:schemeClr val="dk1"/>
+          </a:effectRef>
+          <a:fontRef idx="minor">
+            <a:schemeClr val="dk1"/>
+          </a:fontRef>
+        </p:style>
+        <p:txBody>
+          <a:bodyPr wrap="none">
+            <a:spAutoFit/>
+          </a:bodyPr>
+          <a:lstStyle/>
+          <a:p>
+            <a:pPr>
+              <a:defRPr/>
+            </a:pPr>
+            <a:r>
+              <a:rPr lang="en-US" sz="1200" b="1" dirty="0" err="1"/>
+              <a:t>de_novo</a:t>
+            </a:r>
+            <a:r>
+              <a:rPr lang="en-US" sz="1200" b="1" dirty="0"/>
+              <a:t> mode</a:t>
+            </a:r>
+          </a:p>
+        </p:txBody>
+      </p:sp>
+      <p:sp>
+        <p:nvSpPr>
+          <p:cNvPr id="8" name="TextBox 7"/>
+          <p:cNvSpPr txBox="1"/>
+          <p:nvPr/>
+        </p:nvSpPr>
+        <p:spPr>
+          <a:xfrm>
+            <a:off x="90488" y="5373688"/>
+            <a:ext cx="1312862" cy="276225"/>
+          </a:xfrm>
+          <a:prstGeom prst="rect">
+            <a:avLst/>
+          </a:prstGeom>
+        </p:spPr>
+        <p:style>
+          <a:lnRef idx="2">
+            <a:schemeClr val="dk1"/>
+          </a:lnRef>
+          <a:fillRef idx="1">
+            <a:schemeClr val="lt1"/>
+          </a:fillRef>
+          <a:effectRef idx="0">
+            <a:schemeClr val="dk1"/>
+          </a:effectRef>
+          <a:fontRef idx="minor">
+            <a:schemeClr val="dk1"/>
+          </a:fontRef>
+        </p:style>
+        <p:txBody>
+          <a:bodyPr wrap="none">
+            <a:spAutoFit/>
+          </a:bodyPr>
+          <a:lstStyle/>
+          <a:p>
+            <a:pPr>
+              <a:defRPr/>
+            </a:pPr>
+            <a:r>
+              <a:rPr lang="en-US" sz="1200" b="1" dirty="0"/>
+              <a:t>Ensembl genes</a:t>
+            </a:r>
+          </a:p>
+        </p:txBody>
+      </p:sp>
+      <p:sp>
+        <p:nvSpPr>
+          <p:cNvPr id="9" name="TextBox 8"/>
+          <p:cNvSpPr txBox="1"/>
+          <p:nvPr/>
+        </p:nvSpPr>
+        <p:spPr>
+          <a:xfrm>
+            <a:off x="295275" y="2781300"/>
+            <a:ext cx="1108075" cy="276225"/>
+          </a:xfrm>
+          <a:prstGeom prst="rect">
+            <a:avLst/>
+          </a:prstGeom>
+        </p:spPr>
+        <p:style>
+          <a:lnRef idx="2">
+            <a:schemeClr val="dk1"/>
+          </a:lnRef>
+          <a:fillRef idx="1">
+            <a:schemeClr val="lt1"/>
+          </a:fillRef>
+          <a:effectRef idx="0">
+            <a:schemeClr val="dk1"/>
+          </a:effectRef>
+          <a:fontRef idx="minor">
+            <a:schemeClr val="dk1"/>
+          </a:fontRef>
+        </p:style>
+        <p:txBody>
+          <a:bodyPr wrap="none">
+            <a:spAutoFit/>
+          </a:bodyPr>
+          <a:lstStyle/>
+          <a:p>
+            <a:pPr>
+              <a:defRPr/>
+            </a:pPr>
+            <a:r>
+              <a:rPr lang="en-US" sz="1200" b="1" dirty="0"/>
+              <a:t>UCSC genes</a:t>
+            </a:r>
+          </a:p>
+        </p:txBody>
+      </p:sp>
+    </p:spTree>
+    <p:extLst>
+      <p:ext uri="{BB962C8B-B14F-4D97-AF65-F5344CB8AC3E}">
+        <p14:creationId xmlns:p14="http://schemas.microsoft.com/office/powerpoint/2010/main" val="2993915471"/>
+      </p:ext>
+    </p:extLst>
+  </p:cSld>
+  <p:clrMapOvr>
+    <a:masterClrMapping/>
+  </p:clrMapOvr>
+  <p:timing>
+    <p:tnLst>
+      <p:par>
+        <p:cTn xmlns:p14="http://schemas.microsoft.com/office/powerpoint/2010/main" id="1" dur="indefinite" restart="never" nodeType="tmRoot"/>
+      </p:par>
+    </p:tnLst>
+  </p:timing>
+</p:sld>
+</file>
+
+<file path=ppt/slides/slide12.xml><?xml version="1.0" encoding="utf-8"?>
+<p:sld xmlns:a="http://schemas.openxmlformats.org/drawingml/2006/main" xmlns:r="http://schemas.openxmlformats.org/officeDocument/2006/relationships" xmlns:p="http://schemas.openxmlformats.org/presentationml/2006/main">
+  <p:cSld>
+    <p:spTree>
+      <p:nvGrpSpPr>
+        <p:cNvPr id="1" name=""/>
+        <p:cNvGrpSpPr/>
+        <p:nvPr/>
+      </p:nvGrpSpPr>
+      <p:grpSpPr>
+        <a:xfrm>
+          <a:off x="0" y="0"/>
+          <a:ext cx="0" cy="0"/>
+          <a:chOff x="0" y="0"/>
+          <a:chExt cx="0" cy="0"/>
+        </a:xfrm>
+      </p:grpSpPr>
+      <p:sp>
+        <p:nvSpPr>
+          <p:cNvPr id="31745" name="Title 1"/>
+          <p:cNvSpPr>
+            <a:spLocks noGrp="1"/>
+          </p:cNvSpPr>
+          <p:nvPr>
+            <p:ph type="title"/>
+          </p:nvPr>
+        </p:nvSpPr>
+        <p:spPr>
+          <a:xfrm>
+            <a:off x="152400" y="-26988"/>
+            <a:ext cx="8839200" cy="1143001"/>
+          </a:xfrm>
+        </p:spPr>
+        <p:txBody>
+          <a:bodyPr/>
+          <a:lstStyle/>
+          <a:p>
+            <a:r>
+              <a:rPr lang="en-US">
+                <a:latin typeface="Calibri" charset="0"/>
+                <a:ea typeface="ＭＳ Ｐゴシック" charset="0"/>
+              </a:rPr>
+              <a:t>What if I return to my lab and can not get this to work on my own data?</a:t>
+            </a:r>
+          </a:p>
+        </p:txBody>
+      </p:sp>
+      <p:sp>
+        <p:nvSpPr>
+          <p:cNvPr id="31746" name="Content Placeholder 2"/>
+          <p:cNvSpPr>
+            <a:spLocks noGrp="1"/>
+          </p:cNvSpPr>
+          <p:nvPr>
+            <p:ph idx="1"/>
+          </p:nvPr>
+        </p:nvSpPr>
+        <p:spPr/>
+        <p:txBody>
+          <a:bodyPr/>
+          <a:lstStyle/>
+          <a:p>
+            <a:r>
+              <a:rPr lang="en-US">
+                <a:latin typeface="Calibri" charset="0"/>
+                <a:ea typeface="ＭＳ Ｐゴシック" charset="0"/>
+              </a:rPr>
+              <a:t>Refer to the materials provided with this course for clues</a:t>
+            </a:r>
+          </a:p>
+          <a:p>
+            <a:r>
+              <a:rPr lang="en-US">
+                <a:latin typeface="Calibri" charset="0"/>
+                <a:ea typeface="ＭＳ Ｐゴシック" charset="0"/>
+              </a:rPr>
+              <a:t>Refer to the Nature Protocols tutorial (Trapnell et al. 2012)</a:t>
+            </a:r>
+          </a:p>
+          <a:p>
+            <a:pPr lvl="1"/>
+            <a:r>
+              <a:rPr lang="en-US">
+                <a:latin typeface="Calibri" charset="0"/>
+                <a:ea typeface="ＭＳ Ｐゴシック" charset="0"/>
+              </a:rPr>
+              <a:t>In particular refer to the troubleshooting table (next slide)</a:t>
+            </a:r>
+          </a:p>
+          <a:p>
+            <a:r>
+              <a:rPr lang="en-US">
+                <a:latin typeface="Calibri" charset="0"/>
+                <a:ea typeface="ＭＳ Ｐゴシック" charset="0"/>
+              </a:rPr>
+              <a:t>Search BioStars, SeqAnswers, and Google</a:t>
+            </a:r>
+          </a:p>
+          <a:p>
+            <a:pPr lvl="1"/>
+            <a:r>
+              <a:rPr lang="en-US">
+                <a:latin typeface="Calibri" charset="0"/>
+                <a:ea typeface="ＭＳ Ｐゴシック" charset="0"/>
+                <a:hlinkClick r:id="rId3"/>
+              </a:rPr>
+              <a:t>http://www.biostars.org/</a:t>
+            </a:r>
+            <a:endParaRPr lang="en-US">
+              <a:latin typeface="Calibri" charset="0"/>
+              <a:ea typeface="ＭＳ Ｐゴシック" charset="0"/>
+            </a:endParaRPr>
+          </a:p>
+          <a:p>
+            <a:pPr lvl="1"/>
+            <a:r>
+              <a:rPr lang="en-US">
+                <a:latin typeface="Calibri" charset="0"/>
+                <a:ea typeface="ＭＳ Ｐゴシック" charset="0"/>
+                <a:hlinkClick r:id="rId4"/>
+              </a:rPr>
+              <a:t>http://www.seqanswers.com</a:t>
+            </a:r>
+            <a:endParaRPr lang="en-US">
+              <a:latin typeface="Calibri" charset="0"/>
+              <a:ea typeface="ＭＳ Ｐゴシック" charset="0"/>
+            </a:endParaRPr>
+          </a:p>
+          <a:p>
+            <a:r>
+              <a:rPr lang="en-US">
+                <a:latin typeface="Calibri" charset="0"/>
+                <a:ea typeface="ＭＳ Ｐゴシック" charset="0"/>
+              </a:rPr>
+              <a:t>If your question is not already answered on BioStars...</a:t>
+            </a:r>
+          </a:p>
+          <a:p>
+            <a:pPr lvl="1"/>
+            <a:r>
+              <a:rPr lang="en-US">
+                <a:latin typeface="Calibri" charset="0"/>
+                <a:ea typeface="ＭＳ Ｐゴシック" charset="0"/>
+              </a:rPr>
+              <a:t>Ask it!  Then follow up so that others that have the same problem in the future know whether this solution worked</a:t>
+            </a:r>
+          </a:p>
+        </p:txBody>
+      </p:sp>
+    </p:spTree>
+    <p:extLst>
+      <p:ext uri="{BB962C8B-B14F-4D97-AF65-F5344CB8AC3E}">
+        <p14:creationId xmlns:p14="http://schemas.microsoft.com/office/powerpoint/2010/main" val="2958960124"/>
+      </p:ext>
+    </p:extLst>
+  </p:cSld>
+  <p:clrMapOvr>
+    <a:masterClrMapping/>
+  </p:clrMapOvr>
+  <p:timing>
+    <p:tnLst>
+      <p:par>
+        <p:cTn xmlns:p14="http://schemas.microsoft.com/office/powerpoint/2010/main" id="1" dur="indefinite" restart="never" nodeType="tmRoot"/>
+      </p:par>
+    </p:tnLst>
+  </p:timing>
+</p:sld>
+</file>
+
+<file path=ppt/slides/slide13.xml><?xml version="1.0" encoding="utf-8"?>
+<p:sld xmlns:a="http://schemas.openxmlformats.org/drawingml/2006/main" xmlns:r="http://schemas.openxmlformats.org/officeDocument/2006/relationships" xmlns:p="http://schemas.openxmlformats.org/presentationml/2006/main">
+  <p:cSld>
+    <p:spTree>
+      <p:nvGrpSpPr>
+        <p:cNvPr id="1" name=""/>
+        <p:cNvGrpSpPr/>
+        <p:nvPr/>
+      </p:nvGrpSpPr>
+      <p:grpSpPr>
+        <a:xfrm>
+          <a:off x="0" y="0"/>
+          <a:ext cx="0" cy="0"/>
+          <a:chOff x="0" y="0"/>
+          <a:chExt cx="0" cy="0"/>
+        </a:xfrm>
+      </p:grpSpPr>
+      <p:sp>
+        <p:nvSpPr>
+          <p:cNvPr id="33793" name="Title 1"/>
+          <p:cNvSpPr>
+            <a:spLocks noGrp="1"/>
+          </p:cNvSpPr>
+          <p:nvPr>
+            <p:ph type="title"/>
+          </p:nvPr>
+        </p:nvSpPr>
+        <p:spPr>
+          <a:xfrm>
+            <a:off x="152400" y="-26988"/>
+            <a:ext cx="8839200" cy="1143001"/>
+          </a:xfrm>
+        </p:spPr>
+        <p:txBody>
+          <a:bodyPr/>
+          <a:lstStyle/>
+          <a:p>
+            <a:r>
+              <a:rPr lang="en-US">
+                <a:latin typeface="Calibri" charset="0"/>
+                <a:ea typeface="ＭＳ Ｐゴシック" charset="0"/>
+              </a:rPr>
+              <a:t>TopHat/Cufflinks/Cuffdiff troubleshooting table</a:t>
+            </a:r>
+          </a:p>
+        </p:txBody>
+      </p:sp>
+      <p:pic>
+        <p:nvPicPr>
+          <p:cNvPr id="33794" name="Content Placeholder 3" descr="Troubleshooting guide.png"/>
+          <p:cNvPicPr>
+            <a:picLocks noGrp="1" noChangeAspect="1"/>
+          </p:cNvPicPr>
+          <p:nvPr>
+            <p:ph idx="1"/>
+          </p:nvPr>
+        </p:nvPicPr>
+        <p:blipFill>
+          <a:blip r:embed="rId3">
+            <a:extLst>
+              <a:ext uri="{28A0092B-C50C-407E-A947-70E740481C1C}">
+                <a14:useLocalDpi xmlns:a14="http://schemas.microsoft.com/office/drawing/2010/main" val="0"/>
+              </a:ext>
+            </a:extLst>
+          </a:blip>
+          <a:srcRect t="-8340" b="-8340"/>
+          <a:stretch>
+            <a:fillRect/>
+          </a:stretch>
+        </p:blipFill>
+        <p:spPr/>
+      </p:pic>
+    </p:spTree>
+    <p:extLst>
+      <p:ext uri="{BB962C8B-B14F-4D97-AF65-F5344CB8AC3E}">
+        <p14:creationId xmlns:p14="http://schemas.microsoft.com/office/powerpoint/2010/main" val="1722188091"/>
+      </p:ext>
+    </p:extLst>
+  </p:cSld>
+  <p:clrMapOvr>
+    <a:masterClrMapping/>
+  </p:clrMapOvr>
+  <p:timing>
+    <p:tnLst>
+      <p:par>
+        <p:cTn xmlns:p14="http://schemas.microsoft.com/office/powerpoint/2010/main" id="1" dur="indefinite" restart="never" nodeType="tmRoot"/>
+      </p:par>
+    </p:tnLst>
+  </p:timing>
+</p:sld>
+</file>
+
+<file path=ppt/slides/slide14.xml><?xml version="1.0" encoding="utf-8"?>
+<p:sld xmlns:a="http://schemas.openxmlformats.org/drawingml/2006/main" xmlns:r="http://schemas.openxmlformats.org/officeDocument/2006/relationships" xmlns:p="http://schemas.openxmlformats.org/presentationml/2006/main">
+  <p:cSld>
+    <p:spTree>
+      <p:nvGrpSpPr>
+        <p:cNvPr id="1" name=""/>
+        <p:cNvGrpSpPr/>
+        <p:nvPr/>
+      </p:nvGrpSpPr>
+      <p:grpSpPr>
+        <a:xfrm>
+          <a:off x="0" y="0"/>
+          <a:ext cx="0" cy="0"/>
+          <a:chOff x="0" y="0"/>
+          <a:chExt cx="0" cy="0"/>
+        </a:xfrm>
+      </p:grpSpPr>
+      <p:sp>
+        <p:nvSpPr>
+          <p:cNvPr id="15361" name="Content Placeholder 3"/>
+          <p:cNvSpPr>
+            <a:spLocks noGrp="1"/>
+          </p:cNvSpPr>
+          <p:nvPr>
+            <p:ph idx="1"/>
+          </p:nvPr>
+        </p:nvSpPr>
+        <p:spPr>
+          <a:xfrm>
+            <a:off x="0" y="0"/>
+            <a:ext cx="9144000" cy="2535238"/>
+          </a:xfrm>
+          <a:solidFill>
+            <a:schemeClr val="tx1"/>
+          </a:solidFill>
+        </p:spPr>
+        <p:txBody>
+          <a:bodyPr anchor="ctr"/>
+          <a:lstStyle/>
+          <a:p>
+            <a:pPr algn="ctr">
+              <a:buFont typeface="Arial" charset="0"/>
+              <a:buNone/>
+            </a:pPr>
+            <a:r>
+              <a:rPr lang="en-US" sz="4400" dirty="0" smtClean="0">
+                <a:solidFill>
+                  <a:schemeClr val="bg1"/>
+                </a:solidFill>
+                <a:latin typeface="Calibri" charset="0"/>
+                <a:ea typeface="ＭＳ Ｐゴシック" charset="0"/>
+              </a:rPr>
+              <a:t>We </a:t>
+            </a:r>
+            <a:r>
+              <a:rPr lang="en-US" sz="4400" dirty="0">
+                <a:solidFill>
+                  <a:schemeClr val="bg1"/>
+                </a:solidFill>
+                <a:latin typeface="Calibri" charset="0"/>
+                <a:ea typeface="ＭＳ Ｐゴシック" charset="0"/>
+              </a:rPr>
+              <a:t>are on a Coffee Break &amp; Networking Session</a:t>
+            </a:r>
+          </a:p>
+        </p:txBody>
+      </p:sp>
+      <p:pic>
+        <p:nvPicPr>
+          <p:cNvPr id="2" name="Picture 1" descr="bioinformatics-ca.eps"/>
+          <p:cNvPicPr>
+            <a:picLocks noChangeAspect="1"/>
+          </p:cNvPicPr>
+          <p:nvPr/>
+        </p:nvPicPr>
+        <p:blipFill>
+          <a:blip r:embed="rId2">
+            <a:extLst>
+              <a:ext uri="{28A0092B-C50C-407E-A947-70E740481C1C}">
+                <a14:useLocalDpi xmlns:a14="http://schemas.microsoft.com/office/drawing/2010/main" val="0"/>
+              </a:ext>
+            </a:extLst>
+          </a:blip>
+          <a:stretch>
+            <a:fillRect/>
+          </a:stretch>
+        </p:blipFill>
+        <p:spPr>
+          <a:xfrm>
+            <a:off x="3347864" y="3645024"/>
+            <a:ext cx="2823006" cy="1213161"/>
+          </a:xfrm>
+          <a:prstGeom prst="rect">
+            <a:avLst/>
+          </a:prstGeom>
+        </p:spPr>
+      </p:pic>
+    </p:spTree>
+    <p:extLst>
+      <p:ext uri="{BB962C8B-B14F-4D97-AF65-F5344CB8AC3E}">
+        <p14:creationId xmlns:p14="http://schemas.microsoft.com/office/powerpoint/2010/main" val="205031571"/>
+      </p:ext>
+    </p:extLst>
+  </p:cSld>
+  <p:clrMapOvr>
+    <a:masterClrMapping/>
+  </p:clrMapOvr>
+</p:sld>
+</file>
+
+<file path=ppt/slides/slide2.xml><?xml version="1.0" encoding="utf-8"?>
+<p:sld xmlns:a="http://schemas.openxmlformats.org/drawingml/2006/main" xmlns:r="http://schemas.openxmlformats.org/officeDocument/2006/relationships" xmlns:p="http://schemas.openxmlformats.org/presentationml/2006/main">
+  <p:cSld>
+    <p:spTree>
+      <p:nvGrpSpPr>
+        <p:cNvPr id="1" name=""/>
+        <p:cNvGrpSpPr/>
+        <p:nvPr/>
+      </p:nvGrpSpPr>
+      <p:grpSpPr>
+        <a:xfrm>
+          <a:off x="0" y="0"/>
+          <a:ext cx="0" cy="0"/>
+          <a:chOff x="0" y="0"/>
+          <a:chExt cx="0" cy="0"/>
+        </a:xfrm>
+      </p:grpSpPr>
+      <p:sp>
+        <p:nvSpPr>
+          <p:cNvPr id="10241" name="Slide Number Placeholder 1"/>
+          <p:cNvSpPr txBox="1">
+            <a:spLocks noGrp="1"/>
+          </p:cNvSpPr>
+          <p:nvPr/>
+        </p:nvSpPr>
+        <p:spPr bwMode="auto">
+          <a:xfrm>
+            <a:off x="6553200" y="6248400"/>
+            <a:ext cx="1905000" cy="457200"/>
+          </a:xfrm>
+          <a:prstGeom prst="rect">
+            <a:avLst/>
+          </a:prstGeom>
+          <a:noFill/>
+          <a:ln>
+            <a:noFill/>
+          </a:ln>
+          <a:extLst>
+            <a:ext uri="{909E8E84-426E-40dd-AFC4-6F175D3DCCD1}">
+              <a14:hiddenFill xmlns:a14="http://schemas.microsoft.com/office/drawing/2010/main">
+                <a:solidFill>
+                  <a:srgbClr val="FFFFFF"/>
+                </a:solidFill>
+              </a14:hiddenFill>
+            </a:ext>
+            <a:ext uri="{91240B29-F687-4f45-9708-019B960494DF}">
+              <a14:hiddenLine xmlns:a14="http://schemas.microsoft.com/office/drawing/2010/main" w="9525">
+                <a:solidFill>
+                  <a:srgbClr val="000000"/>
+                </a:solidFill>
+                <a:miter lim="800000"/>
+                <a:headEnd/>
+                <a:tailEnd/>
+              </a14:hiddenLine>
+            </a:ext>
+          </a:extLst>
+        </p:spPr>
+        <p:txBody>
+          <a:bodyPr/>
+          <a:lstStyle>
+            <a:lvl1pPr eaLnBrk="0" hangingPunct="0">
+              <a:defRPr sz="2400">
+                <a:solidFill>
+                  <a:schemeClr val="tx1"/>
+                </a:solidFill>
+                <a:latin typeface="Arial" charset="0"/>
+                <a:ea typeface="ＭＳ Ｐゴシック" charset="0"/>
+                <a:cs typeface="ＭＳ Ｐゴシック" charset="0"/>
+              </a:defRPr>
+            </a:lvl1pPr>
+            <a:lvl2pPr marL="742950" indent="-285750" eaLnBrk="0" hangingPunct="0">
+              <a:defRPr sz="2400">
+                <a:solidFill>
+                  <a:schemeClr val="tx1"/>
+                </a:solidFill>
+                <a:latin typeface="Arial" charset="0"/>
+                <a:ea typeface="ＭＳ Ｐゴシック" charset="0"/>
+              </a:defRPr>
+            </a:lvl2pPr>
+            <a:lvl3pPr marL="1143000" indent="-228600" eaLnBrk="0" hangingPunct="0">
+              <a:defRPr sz="2400">
+                <a:solidFill>
+                  <a:schemeClr val="tx1"/>
+                </a:solidFill>
+                <a:latin typeface="Arial" charset="0"/>
+                <a:ea typeface="ＭＳ Ｐゴシック" charset="0"/>
+              </a:defRPr>
+            </a:lvl3pPr>
+            <a:lvl4pPr marL="1600200" indent="-228600" eaLnBrk="0" hangingPunct="0">
+              <a:defRPr sz="2400">
+                <a:solidFill>
+                  <a:schemeClr val="tx1"/>
+                </a:solidFill>
+                <a:latin typeface="Arial" charset="0"/>
+                <a:ea typeface="ＭＳ Ｐゴシック" charset="0"/>
+              </a:defRPr>
+            </a:lvl4pPr>
+            <a:lvl5pPr marL="2057400" indent="-228600" eaLnBrk="0" hangingPunct="0">
+              <a:defRPr sz="2400">
+                <a:solidFill>
+                  <a:schemeClr val="tx1"/>
+                </a:solidFill>
+                <a:latin typeface="Arial" charset="0"/>
+                <a:ea typeface="ＭＳ Ｐゴシック" charset="0"/>
+              </a:defRPr>
+            </a:lvl5pPr>
+            <a:lvl6pPr marL="2514600" indent="-228600" eaLnBrk="0" fontAlgn="base" hangingPunct="0">
+              <a:spcBef>
+                <a:spcPct val="0"/>
+              </a:spcBef>
+              <a:spcAft>
+                <a:spcPct val="0"/>
+              </a:spcAft>
+              <a:defRPr sz="2400">
+                <a:solidFill>
+                  <a:schemeClr val="tx1"/>
+                </a:solidFill>
+                <a:latin typeface="Arial" charset="0"/>
+                <a:ea typeface="ＭＳ Ｐゴシック" charset="0"/>
+              </a:defRPr>
+            </a:lvl6pPr>
+            <a:lvl7pPr marL="2971800" indent="-228600" eaLnBrk="0" fontAlgn="base" hangingPunct="0">
+              <a:spcBef>
+                <a:spcPct val="0"/>
+              </a:spcBef>
+              <a:spcAft>
+                <a:spcPct val="0"/>
+              </a:spcAft>
+              <a:defRPr sz="2400">
+                <a:solidFill>
+                  <a:schemeClr val="tx1"/>
+                </a:solidFill>
+                <a:latin typeface="Arial" charset="0"/>
+                <a:ea typeface="ＭＳ Ｐゴシック" charset="0"/>
+              </a:defRPr>
+            </a:lvl7pPr>
+            <a:lvl8pPr marL="3429000" indent="-228600" eaLnBrk="0" fontAlgn="base" hangingPunct="0">
+              <a:spcBef>
+                <a:spcPct val="0"/>
+              </a:spcBef>
+              <a:spcAft>
+                <a:spcPct val="0"/>
+              </a:spcAft>
+              <a:defRPr sz="2400">
+                <a:solidFill>
+                  <a:schemeClr val="tx1"/>
+                </a:solidFill>
+                <a:latin typeface="Arial" charset="0"/>
+                <a:ea typeface="ＭＳ Ｐゴシック" charset="0"/>
+              </a:defRPr>
+            </a:lvl8pPr>
+            <a:lvl9pPr marL="3886200" indent="-228600" eaLnBrk="0" fontAlgn="base" hangingPunct="0">
+              <a:spcBef>
+                <a:spcPct val="0"/>
+              </a:spcBef>
+              <a:spcAft>
+                <a:spcPct val="0"/>
+              </a:spcAft>
+              <a:defRPr sz="2400">
+                <a:solidFill>
+                  <a:schemeClr val="tx1"/>
+                </a:solidFill>
+                <a:latin typeface="Arial" charset="0"/>
+                <a:ea typeface="ＭＳ Ｐゴシック" charset="0"/>
+              </a:defRPr>
+            </a:lvl9pPr>
+          </a:lstStyle>
+          <a:p>
+            <a:pPr algn="r"/>
+            <a:fld id="{06D23BA9-5070-0648-A3DA-E6039966856F}" type="slidenum">
+              <a:rPr lang="en-US" sz="1200"/>
+              <a:pPr algn="r"/>
+              <a:t>2</a:t>
+            </a:fld>
+            <a:endParaRPr lang="en-US" sz="1200"/>
+          </a:p>
+        </p:txBody>
+      </p:sp>
+      <p:sp>
+        <p:nvSpPr>
+          <p:cNvPr id="10242" name="Date Placeholder 2"/>
+          <p:cNvSpPr txBox="1">
+            <a:spLocks noGrp="1"/>
+          </p:cNvSpPr>
+          <p:nvPr/>
+        </p:nvSpPr>
+        <p:spPr bwMode="auto">
+          <a:xfrm>
+            <a:off x="762000" y="6248400"/>
+            <a:ext cx="2057400" cy="457200"/>
+          </a:xfrm>
+          <a:prstGeom prst="rect">
+            <a:avLst/>
+          </a:prstGeom>
+          <a:noFill/>
+          <a:ln>
+            <a:noFill/>
+          </a:ln>
+          <a:extLst>
+            <a:ext uri="{909E8E84-426E-40dd-AFC4-6F175D3DCCD1}">
+              <a14:hiddenFill xmlns:a14="http://schemas.microsoft.com/office/drawing/2010/main">
+                <a:solidFill>
+                  <a:srgbClr val="FFFFFF"/>
+                </a:solidFill>
+              </a14:hiddenFill>
+            </a:ext>
+            <a:ext uri="{91240B29-F687-4f45-9708-019B960494DF}">
+              <a14:hiddenLine xmlns:a14="http://schemas.microsoft.com/office/drawing/2010/main" w="9525">
+                <a:solidFill>
+                  <a:srgbClr val="000000"/>
+                </a:solidFill>
+                <a:miter lim="800000"/>
+                <a:headEnd/>
+                <a:tailEnd/>
+              </a14:hiddenLine>
+            </a:ext>
+          </a:extLst>
+        </p:spPr>
+        <p:txBody>
+          <a:bodyPr/>
+          <a:lstStyle>
+            <a:lvl1pPr eaLnBrk="0" hangingPunct="0">
+              <a:defRPr sz="2400">
+                <a:solidFill>
+                  <a:schemeClr val="tx1"/>
+                </a:solidFill>
+                <a:latin typeface="Arial" charset="0"/>
+                <a:ea typeface="ＭＳ Ｐゴシック" charset="0"/>
+                <a:cs typeface="ＭＳ Ｐゴシック" charset="0"/>
+              </a:defRPr>
+            </a:lvl1pPr>
+            <a:lvl2pPr marL="742950" indent="-285750" eaLnBrk="0" hangingPunct="0">
+              <a:defRPr sz="2400">
+                <a:solidFill>
+                  <a:schemeClr val="tx1"/>
+                </a:solidFill>
+                <a:latin typeface="Arial" charset="0"/>
+                <a:ea typeface="ＭＳ Ｐゴシック" charset="0"/>
+              </a:defRPr>
+            </a:lvl2pPr>
+            <a:lvl3pPr marL="1143000" indent="-228600" eaLnBrk="0" hangingPunct="0">
+              <a:defRPr sz="2400">
+                <a:solidFill>
+                  <a:schemeClr val="tx1"/>
+                </a:solidFill>
+                <a:latin typeface="Arial" charset="0"/>
+                <a:ea typeface="ＭＳ Ｐゴシック" charset="0"/>
+              </a:defRPr>
+            </a:lvl3pPr>
+            <a:lvl4pPr marL="1600200" indent="-228600" eaLnBrk="0" hangingPunct="0">
+              <a:defRPr sz="2400">
+                <a:solidFill>
+                  <a:schemeClr val="tx1"/>
+                </a:solidFill>
+                <a:latin typeface="Arial" charset="0"/>
+                <a:ea typeface="ＭＳ Ｐゴシック" charset="0"/>
+              </a:defRPr>
+            </a:lvl4pPr>
+            <a:lvl5pPr marL="2057400" indent="-228600" eaLnBrk="0" hangingPunct="0">
+              <a:defRPr sz="2400">
+                <a:solidFill>
+                  <a:schemeClr val="tx1"/>
+                </a:solidFill>
+                <a:latin typeface="Arial" charset="0"/>
+                <a:ea typeface="ＭＳ Ｐゴシック" charset="0"/>
+              </a:defRPr>
+            </a:lvl5pPr>
+            <a:lvl6pPr marL="2514600" indent="-228600" eaLnBrk="0" fontAlgn="base" hangingPunct="0">
+              <a:spcBef>
+                <a:spcPct val="0"/>
+              </a:spcBef>
+              <a:spcAft>
+                <a:spcPct val="0"/>
+              </a:spcAft>
+              <a:defRPr sz="2400">
+                <a:solidFill>
+                  <a:schemeClr val="tx1"/>
+                </a:solidFill>
+                <a:latin typeface="Arial" charset="0"/>
+                <a:ea typeface="ＭＳ Ｐゴシック" charset="0"/>
+              </a:defRPr>
+            </a:lvl6pPr>
+            <a:lvl7pPr marL="2971800" indent="-228600" eaLnBrk="0" fontAlgn="base" hangingPunct="0">
+              <a:spcBef>
+                <a:spcPct val="0"/>
+              </a:spcBef>
+              <a:spcAft>
+                <a:spcPct val="0"/>
+              </a:spcAft>
+              <a:defRPr sz="2400">
+                <a:solidFill>
+                  <a:schemeClr val="tx1"/>
+                </a:solidFill>
+                <a:latin typeface="Arial" charset="0"/>
+                <a:ea typeface="ＭＳ Ｐゴシック" charset="0"/>
+              </a:defRPr>
+            </a:lvl7pPr>
+            <a:lvl8pPr marL="3429000" indent="-228600" eaLnBrk="0" fontAlgn="base" hangingPunct="0">
+              <a:spcBef>
+                <a:spcPct val="0"/>
+              </a:spcBef>
+              <a:spcAft>
+                <a:spcPct val="0"/>
+              </a:spcAft>
+              <a:defRPr sz="2400">
+                <a:solidFill>
+                  <a:schemeClr val="tx1"/>
+                </a:solidFill>
+                <a:latin typeface="Arial" charset="0"/>
+                <a:ea typeface="ＭＳ Ｐゴシック" charset="0"/>
+              </a:defRPr>
+            </a:lvl8pPr>
+            <a:lvl9pPr marL="3886200" indent="-228600" eaLnBrk="0" fontAlgn="base" hangingPunct="0">
+              <a:spcBef>
+                <a:spcPct val="0"/>
+              </a:spcBef>
+              <a:spcAft>
+                <a:spcPct val="0"/>
+              </a:spcAft>
+              <a:defRPr sz="2400">
+                <a:solidFill>
+                  <a:schemeClr val="tx1"/>
+                </a:solidFill>
+                <a:latin typeface="Arial" charset="0"/>
+                <a:ea typeface="ＭＳ Ｐゴシック" charset="0"/>
+              </a:defRPr>
+            </a:lvl9pPr>
+          </a:lstStyle>
+          <a:p>
+            <a:r>
+              <a:rPr lang="en-US" sz="1200"/>
+              <a:t>Module #: Title of Module</a:t>
+            </a:r>
+          </a:p>
+        </p:txBody>
+      </p:sp>
+      <p:sp>
+        <p:nvSpPr>
+          <p:cNvPr id="10243" name="Rectangle 5"/>
+          <p:cNvSpPr>
+            <a:spLocks noChangeArrowheads="1"/>
+          </p:cNvSpPr>
+          <p:nvPr/>
+        </p:nvSpPr>
+        <p:spPr bwMode="auto">
+          <a:xfrm>
+            <a:off x="0" y="0"/>
+            <a:ext cx="9144000" cy="6858000"/>
+          </a:xfrm>
+          <a:prstGeom prst="rect">
+            <a:avLst/>
+          </a:prstGeom>
+          <a:solidFill>
+            <a:schemeClr val="tx1"/>
+          </a:solidFill>
+          <a:ln w="9525">
+            <a:solidFill>
+              <a:schemeClr val="tx1"/>
+            </a:solidFill>
+            <a:round/>
+            <a:headEnd/>
+            <a:tailEnd/>
+          </a:ln>
+        </p:spPr>
+        <p:txBody>
+          <a:bodyPr/>
+          <a:lstStyle/>
+          <a:p>
+            <a:pPr eaLnBrk="0" hangingPunct="0"/>
+            <a:endParaRPr lang="en-US"/>
+          </a:p>
+        </p:txBody>
+      </p:sp>
+      <p:pic>
+        <p:nvPicPr>
+          <p:cNvPr id="10244" name="Content Placeholder 9" descr="Picture 1.png"/>
+          <p:cNvPicPr>
+            <a:picLocks noGrp="1" noChangeAspect="1"/>
+          </p:cNvPicPr>
+          <p:nvPr>
+            <p:ph idx="4294967295"/>
+          </p:nvPr>
+        </p:nvPicPr>
+        <p:blipFill>
+          <a:blip r:embed="rId2">
+            <a:extLst>
+              <a:ext uri="{28A0092B-C50C-407E-A947-70E740481C1C}">
+                <a14:useLocalDpi xmlns:a14="http://schemas.microsoft.com/office/drawing/2010/main" val="0"/>
+              </a:ext>
+            </a:extLst>
+          </a:blip>
+          <a:srcRect/>
+          <a:stretch>
+            <a:fillRect/>
+          </a:stretch>
+        </p:blipFill>
+        <p:spPr>
+          <a:xfrm>
+            <a:off x="914400" y="73025"/>
+            <a:ext cx="6858000" cy="6734175"/>
+          </a:xfrm>
+        </p:spPr>
+      </p:pic>
+      <p:sp>
+        <p:nvSpPr>
+          <p:cNvPr id="10245" name="Slide Number Placeholder 3"/>
+          <p:cNvSpPr txBox="1">
+            <a:spLocks noGrp="1"/>
+          </p:cNvSpPr>
+          <p:nvPr/>
+        </p:nvSpPr>
+        <p:spPr bwMode="auto">
+          <a:xfrm>
+            <a:off x="6553200" y="6248400"/>
+            <a:ext cx="1905000" cy="457200"/>
+          </a:xfrm>
+          <a:prstGeom prst="rect">
+            <a:avLst/>
+          </a:prstGeom>
+          <a:noFill/>
+          <a:ln>
+            <a:noFill/>
+          </a:ln>
+          <a:extLst>
+            <a:ext uri="{909E8E84-426E-40dd-AFC4-6F175D3DCCD1}">
+              <a14:hiddenFill xmlns:a14="http://schemas.microsoft.com/office/drawing/2010/main">
+                <a:solidFill>
+                  <a:srgbClr val="FFFFFF"/>
+                </a:solidFill>
+              </a14:hiddenFill>
+            </a:ext>
+            <a:ext uri="{91240B29-F687-4f45-9708-019B960494DF}">
+              <a14:hiddenLine xmlns:a14="http://schemas.microsoft.com/office/drawing/2010/main" w="9525">
+                <a:solidFill>
+                  <a:srgbClr val="000000"/>
+                </a:solidFill>
+                <a:miter lim="800000"/>
+                <a:headEnd/>
+                <a:tailEnd/>
+              </a14:hiddenLine>
+            </a:ext>
+          </a:extLst>
+        </p:spPr>
+        <p:txBody>
+          <a:bodyPr/>
+          <a:lstStyle>
+            <a:lvl1pPr eaLnBrk="0" hangingPunct="0">
+              <a:defRPr sz="2400">
+                <a:solidFill>
+                  <a:schemeClr val="tx1"/>
+                </a:solidFill>
+                <a:latin typeface="Arial" charset="0"/>
+                <a:ea typeface="ＭＳ Ｐゴシック" charset="0"/>
+                <a:cs typeface="ＭＳ Ｐゴシック" charset="0"/>
+              </a:defRPr>
+            </a:lvl1pPr>
+            <a:lvl2pPr marL="742950" indent="-285750" eaLnBrk="0" hangingPunct="0">
+              <a:defRPr sz="2400">
+                <a:solidFill>
+                  <a:schemeClr val="tx1"/>
+                </a:solidFill>
+                <a:latin typeface="Arial" charset="0"/>
+                <a:ea typeface="ＭＳ Ｐゴシック" charset="0"/>
+              </a:defRPr>
+            </a:lvl2pPr>
+            <a:lvl3pPr marL="1143000" indent="-228600" eaLnBrk="0" hangingPunct="0">
+              <a:defRPr sz="2400">
+                <a:solidFill>
+                  <a:schemeClr val="tx1"/>
+                </a:solidFill>
+                <a:latin typeface="Arial" charset="0"/>
+                <a:ea typeface="ＭＳ Ｐゴシック" charset="0"/>
+              </a:defRPr>
+            </a:lvl3pPr>
+            <a:lvl4pPr marL="1600200" indent="-228600" eaLnBrk="0" hangingPunct="0">
+              <a:defRPr sz="2400">
+                <a:solidFill>
+                  <a:schemeClr val="tx1"/>
+                </a:solidFill>
+                <a:latin typeface="Arial" charset="0"/>
+                <a:ea typeface="ＭＳ Ｐゴシック" charset="0"/>
+              </a:defRPr>
+            </a:lvl4pPr>
+            <a:lvl5pPr marL="2057400" indent="-228600" eaLnBrk="0" hangingPunct="0">
+              <a:defRPr sz="2400">
+                <a:solidFill>
+                  <a:schemeClr val="tx1"/>
+                </a:solidFill>
+                <a:latin typeface="Arial" charset="0"/>
+                <a:ea typeface="ＭＳ Ｐゴシック" charset="0"/>
+              </a:defRPr>
+            </a:lvl5pPr>
+            <a:lvl6pPr marL="2514600" indent="-228600" eaLnBrk="0" fontAlgn="base" hangingPunct="0">
+              <a:spcBef>
+                <a:spcPct val="0"/>
+              </a:spcBef>
+              <a:spcAft>
+                <a:spcPct val="0"/>
+              </a:spcAft>
+              <a:defRPr sz="2400">
+                <a:solidFill>
+                  <a:schemeClr val="tx1"/>
+                </a:solidFill>
+                <a:latin typeface="Arial" charset="0"/>
+                <a:ea typeface="ＭＳ Ｐゴシック" charset="0"/>
+              </a:defRPr>
+            </a:lvl6pPr>
+            <a:lvl7pPr marL="2971800" indent="-228600" eaLnBrk="0" fontAlgn="base" hangingPunct="0">
+              <a:spcBef>
+                <a:spcPct val="0"/>
+              </a:spcBef>
+              <a:spcAft>
+                <a:spcPct val="0"/>
+              </a:spcAft>
+              <a:defRPr sz="2400">
+                <a:solidFill>
+                  <a:schemeClr val="tx1"/>
+                </a:solidFill>
+                <a:latin typeface="Arial" charset="0"/>
+                <a:ea typeface="ＭＳ Ｐゴシック" charset="0"/>
+              </a:defRPr>
+            </a:lvl7pPr>
+            <a:lvl8pPr marL="3429000" indent="-228600" eaLnBrk="0" fontAlgn="base" hangingPunct="0">
+              <a:spcBef>
+                <a:spcPct val="0"/>
+              </a:spcBef>
+              <a:spcAft>
+                <a:spcPct val="0"/>
+              </a:spcAft>
+              <a:defRPr sz="2400">
+                <a:solidFill>
+                  <a:schemeClr val="tx1"/>
+                </a:solidFill>
+                <a:latin typeface="Arial" charset="0"/>
+                <a:ea typeface="ＭＳ Ｐゴシック" charset="0"/>
+              </a:defRPr>
+            </a:lvl8pPr>
+            <a:lvl9pPr marL="3886200" indent="-228600" eaLnBrk="0" fontAlgn="base" hangingPunct="0">
+              <a:spcBef>
+                <a:spcPct val="0"/>
+              </a:spcBef>
+              <a:spcAft>
+                <a:spcPct val="0"/>
+              </a:spcAft>
+              <a:defRPr sz="2400">
+                <a:solidFill>
+                  <a:schemeClr val="tx1"/>
+                </a:solidFill>
+                <a:latin typeface="Arial" charset="0"/>
+                <a:ea typeface="ＭＳ Ｐゴシック" charset="0"/>
+              </a:defRPr>
+            </a:lvl9pPr>
+          </a:lstStyle>
+          <a:p>
+            <a:pPr algn="r"/>
+            <a:endParaRPr lang="en-US" sz="1200"/>
+          </a:p>
+        </p:txBody>
+      </p:sp>
+    </p:spTree>
+    <p:extLst>
+      <p:ext uri="{BB962C8B-B14F-4D97-AF65-F5344CB8AC3E}">
+        <p14:creationId xmlns:p14="http://schemas.microsoft.com/office/powerpoint/2010/main" val="4228276900"/>
+      </p:ext>
+    </p:extLst>
+  </p:cSld>
+  <p:clrMapOvr>
+    <a:masterClrMapping/>
+  </p:clrMapOvr>
+  <p:transition xmlns:p14="http://schemas.microsoft.com/office/powerpoint/2010/main"/>
+  <p:timing>
+    <p:tnLst>
+      <p:par>
+        <p:cTn xmlns:p14="http://schemas.microsoft.com/office/powerpoint/2010/main" id="1" dur="indefinite" restart="never" nodeType="tmRoot"/>
+      </p:par>
+    </p:tnLst>
+  </p:timing>
+</p:sld>
+</file>
+
+<file path=ppt/slides/slide3.xml><?xml version="1.0" encoding="utf-8"?>
+<p:sld xmlns:a="http://schemas.openxmlformats.org/drawingml/2006/main" xmlns:r="http://schemas.openxmlformats.org/officeDocument/2006/relationships" xmlns:p="http://schemas.openxmlformats.org/presentationml/2006/main">
+  <p:cSld>
+    <p:spTree>
+      <p:nvGrpSpPr>
+        <p:cNvPr id="1" name=""/>
+        <p:cNvGrpSpPr/>
+        <p:nvPr/>
+      </p:nvGrpSpPr>
+      <p:grpSpPr>
+        <a:xfrm>
+          <a:off x="0" y="0"/>
+          <a:ext cx="0" cy="0"/>
+          <a:chOff x="0" y="0"/>
+          <a:chExt cx="0" cy="0"/>
+        </a:xfrm>
+      </p:grpSpPr>
+      <p:sp>
+        <p:nvSpPr>
+          <p:cNvPr id="57" name="Rectangle 56"/>
+          <p:cNvSpPr/>
+          <p:nvPr/>
+        </p:nvSpPr>
+        <p:spPr>
+          <a:xfrm>
+            <a:off x="0" y="2514600"/>
+            <a:ext cx="6172200" cy="4343400"/>
+          </a:xfrm>
+          <a:prstGeom prst="rect">
+            <a:avLst/>
+          </a:prstGeom>
+          <a:solidFill>
+            <a:schemeClr val="accent1">
+              <a:alpha val="18000"/>
+            </a:schemeClr>
+          </a:solidFill>
+          <a:ln>
+            <a:noFill/>
+          </a:ln>
+        </p:spPr>
+        <p:style>
+          <a:lnRef idx="1">
+            <a:schemeClr val="accent1"/>
+          </a:lnRef>
+          <a:fillRef idx="3">
+            <a:schemeClr val="accent1"/>
+          </a:fillRef>
+          <a:effectRef idx="2">
+            <a:schemeClr val="accent1"/>
+          </a:effectRef>
+          <a:fontRef idx="minor">
+            <a:schemeClr val="lt1"/>
+          </a:fontRef>
+        </p:style>
+        <p:txBody>
+          <a:bodyPr anchor="ctr"/>
+          <a:lstStyle/>
+          <a:p>
+            <a:pPr algn="ctr">
+              <a:defRPr/>
+            </a:pPr>
+            <a:endParaRPr lang="en-US" sz="1800">
+              <a:solidFill>
+                <a:srgbClr val="FFFFFF"/>
+              </a:solidFill>
+              <a:latin typeface="Calibri" charset="0"/>
+              <a:ea typeface="ＭＳ Ｐゴシック" charset="0"/>
+              <a:cs typeface="Calibri" charset="0"/>
+            </a:endParaRPr>
+          </a:p>
+        </p:txBody>
+      </p:sp>
+      <p:pic>
+        <p:nvPicPr>
+          <p:cNvPr id="10243" name="Picture 1" descr="RNA-Seq-alignment.png"/>
+          <p:cNvPicPr>
+            <a:picLocks noChangeAspect="1"/>
+          </p:cNvPicPr>
+          <p:nvPr/>
+        </p:nvPicPr>
+        <p:blipFill>
+          <a:blip r:embed="rId2">
+            <a:extLst>
+              <a:ext uri="{28A0092B-C50C-407E-A947-70E740481C1C}">
+                <a14:useLocalDpi xmlns:a14="http://schemas.microsoft.com/office/drawing/2010/main" val="0"/>
+              </a:ext>
+            </a:extLst>
+          </a:blip>
+          <a:srcRect/>
+          <a:stretch>
+            <a:fillRect/>
+          </a:stretch>
+        </p:blipFill>
+        <p:spPr bwMode="auto">
+          <a:xfrm>
+            <a:off x="900113" y="2636838"/>
+            <a:ext cx="4248150" cy="4068762"/>
+          </a:xfrm>
+          <a:prstGeom prst="rect">
+            <a:avLst/>
+          </a:prstGeom>
+          <a:noFill/>
+          <a:ln>
+            <a:noFill/>
+          </a:ln>
+          <a:extLst>
+            <a:ext uri="{909E8E84-426E-40dd-AFC4-6F175D3DCCD1}">
+              <a14:hiddenFill xmlns:a14="http://schemas.microsoft.com/office/drawing/2010/main">
+                <a:solidFill>
+                  <a:srgbClr val="FFFFFF"/>
+                </a:solidFill>
+              </a14:hiddenFill>
+            </a:ext>
+            <a:ext uri="{91240B29-F687-4f45-9708-019B960494DF}">
+              <a14:hiddenLine xmlns:a14="http://schemas.microsoft.com/office/drawing/2010/main" w="9525">
+                <a:solidFill>
+                  <a:srgbClr val="000000"/>
+                </a:solidFill>
+                <a:miter lim="800000"/>
+                <a:headEnd/>
+                <a:tailEnd/>
+              </a14:hiddenLine>
+            </a:ext>
+          </a:extLst>
+        </p:spPr>
+      </p:pic>
+      <p:sp>
+        <p:nvSpPr>
+          <p:cNvPr id="10244" name="Title 1"/>
+          <p:cNvSpPr txBox="1">
+            <a:spLocks/>
+          </p:cNvSpPr>
+          <p:nvPr/>
+        </p:nvSpPr>
+        <p:spPr bwMode="auto">
+          <a:xfrm>
+            <a:off x="2943225" y="365125"/>
+            <a:ext cx="6019800" cy="838200"/>
+          </a:xfrm>
+          <a:prstGeom prst="rect">
+            <a:avLst/>
+          </a:prstGeom>
+          <a:noFill/>
+          <a:ln>
+            <a:noFill/>
+          </a:ln>
+          <a:extLst>
+            <a:ext uri="{909E8E84-426E-40dd-AFC4-6F175D3DCCD1}">
+              <a14:hiddenFill xmlns:a14="http://schemas.microsoft.com/office/drawing/2010/main">
+                <a:solidFill>
+                  <a:srgbClr val="FFFFFF"/>
+                </a:solidFill>
+              </a14:hiddenFill>
+            </a:ext>
+            <a:ext uri="{91240B29-F687-4f45-9708-019B960494DF}">
+              <a14:hiddenLine xmlns:a14="http://schemas.microsoft.com/office/drawing/2010/main" w="9525">
+                <a:solidFill>
+                  <a:srgbClr val="000000"/>
+                </a:solidFill>
+                <a:miter lim="800000"/>
+                <a:headEnd/>
+                <a:tailEnd/>
+              </a14:hiddenLine>
+            </a:ext>
+          </a:extLst>
+        </p:spPr>
+        <p:txBody>
+          <a:bodyPr anchor="ctr"/>
+          <a:lstStyle>
+            <a:lvl1pPr eaLnBrk="0" hangingPunct="0">
+              <a:defRPr sz="2400">
+                <a:solidFill>
+                  <a:schemeClr val="tx1"/>
+                </a:solidFill>
+                <a:latin typeface="Arial" charset="0"/>
+                <a:ea typeface="ＭＳ Ｐゴシック" charset="0"/>
+                <a:cs typeface="ＭＳ Ｐゴシック" charset="0"/>
+              </a:defRPr>
+            </a:lvl1pPr>
+            <a:lvl2pPr marL="742950" indent="-285750" eaLnBrk="0" hangingPunct="0">
+              <a:defRPr sz="2400">
+                <a:solidFill>
+                  <a:schemeClr val="tx1"/>
+                </a:solidFill>
+                <a:latin typeface="Arial" charset="0"/>
+                <a:ea typeface="ＭＳ Ｐゴシック" charset="0"/>
+              </a:defRPr>
+            </a:lvl2pPr>
+            <a:lvl3pPr marL="1143000" indent="-228600" eaLnBrk="0" hangingPunct="0">
+              <a:defRPr sz="2400">
+                <a:solidFill>
+                  <a:schemeClr val="tx1"/>
+                </a:solidFill>
+                <a:latin typeface="Arial" charset="0"/>
+                <a:ea typeface="ＭＳ Ｐゴシック" charset="0"/>
+              </a:defRPr>
+            </a:lvl3pPr>
+            <a:lvl4pPr marL="1600200" indent="-228600" eaLnBrk="0" hangingPunct="0">
+              <a:defRPr sz="2400">
+                <a:solidFill>
+                  <a:schemeClr val="tx1"/>
+                </a:solidFill>
+                <a:latin typeface="Arial" charset="0"/>
+                <a:ea typeface="ＭＳ Ｐゴシック" charset="0"/>
+              </a:defRPr>
+            </a:lvl4pPr>
+            <a:lvl5pPr marL="2057400" indent="-228600" eaLnBrk="0" hangingPunct="0">
+              <a:defRPr sz="2400">
+                <a:solidFill>
+                  <a:schemeClr val="tx1"/>
+                </a:solidFill>
+                <a:latin typeface="Arial" charset="0"/>
+                <a:ea typeface="ＭＳ Ｐゴシック" charset="0"/>
+              </a:defRPr>
+            </a:lvl5pPr>
+            <a:lvl6pPr marL="2514600" indent="-228600" eaLnBrk="0" fontAlgn="base" hangingPunct="0">
+              <a:spcBef>
+                <a:spcPct val="0"/>
+              </a:spcBef>
+              <a:spcAft>
+                <a:spcPct val="0"/>
+              </a:spcAft>
+              <a:defRPr sz="2400">
+                <a:solidFill>
+                  <a:schemeClr val="tx1"/>
+                </a:solidFill>
+                <a:latin typeface="Arial" charset="0"/>
+                <a:ea typeface="ＭＳ Ｐゴシック" charset="0"/>
+              </a:defRPr>
+            </a:lvl6pPr>
+            <a:lvl7pPr marL="2971800" indent="-228600" eaLnBrk="0" fontAlgn="base" hangingPunct="0">
+              <a:spcBef>
+                <a:spcPct val="0"/>
+              </a:spcBef>
+              <a:spcAft>
+                <a:spcPct val="0"/>
+              </a:spcAft>
+              <a:defRPr sz="2400">
+                <a:solidFill>
+                  <a:schemeClr val="tx1"/>
+                </a:solidFill>
+                <a:latin typeface="Arial" charset="0"/>
+                <a:ea typeface="ＭＳ Ｐゴシック" charset="0"/>
+              </a:defRPr>
+            </a:lvl7pPr>
+            <a:lvl8pPr marL="3429000" indent="-228600" eaLnBrk="0" fontAlgn="base" hangingPunct="0">
+              <a:spcBef>
+                <a:spcPct val="0"/>
+              </a:spcBef>
+              <a:spcAft>
+                <a:spcPct val="0"/>
+              </a:spcAft>
+              <a:defRPr sz="2400">
+                <a:solidFill>
+                  <a:schemeClr val="tx1"/>
+                </a:solidFill>
+                <a:latin typeface="Arial" charset="0"/>
+                <a:ea typeface="ＭＳ Ｐゴシック" charset="0"/>
+              </a:defRPr>
+            </a:lvl8pPr>
+            <a:lvl9pPr marL="3886200" indent="-228600" eaLnBrk="0" fontAlgn="base" hangingPunct="0">
+              <a:spcBef>
+                <a:spcPct val="0"/>
+              </a:spcBef>
+              <a:spcAft>
+                <a:spcPct val="0"/>
+              </a:spcAft>
+              <a:defRPr sz="2400">
+                <a:solidFill>
+                  <a:schemeClr val="tx1"/>
+                </a:solidFill>
+                <a:latin typeface="Arial" charset="0"/>
+                <a:ea typeface="ＭＳ Ｐゴシック" charset="0"/>
+              </a:defRPr>
+            </a:lvl9pPr>
+          </a:lstStyle>
+          <a:p>
+            <a:pPr algn="r" eaLnBrk="1" hangingPunct="1"/>
+            <a:r>
+              <a:rPr lang="en-US" sz="2000" dirty="0" smtClean="0">
+                <a:solidFill>
+                  <a:schemeClr val="bg1"/>
+                </a:solidFill>
+                <a:latin typeface="Calibri" charset="0"/>
+                <a:cs typeface="Segoe UI" charset="0"/>
+              </a:rPr>
+              <a:t>RNA-</a:t>
+            </a:r>
+            <a:r>
+              <a:rPr lang="en-US" sz="2000" dirty="0" err="1">
+                <a:solidFill>
+                  <a:schemeClr val="bg1"/>
+                </a:solidFill>
+                <a:latin typeface="Calibri" charset="0"/>
+                <a:cs typeface="Segoe UI" charset="0"/>
+              </a:rPr>
+              <a:t>S</a:t>
+            </a:r>
+            <a:r>
+              <a:rPr lang="en-US" sz="2000" dirty="0" err="1" smtClean="0">
+                <a:solidFill>
+                  <a:schemeClr val="bg1"/>
+                </a:solidFill>
+                <a:latin typeface="Calibri" charset="0"/>
+                <a:cs typeface="Segoe UI" charset="0"/>
+              </a:rPr>
+              <a:t>eq</a:t>
+            </a:r>
+            <a:r>
+              <a:rPr lang="en-US" sz="2000" dirty="0" smtClean="0">
+                <a:solidFill>
+                  <a:schemeClr val="bg1"/>
+                </a:solidFill>
+                <a:latin typeface="Calibri" charset="0"/>
+                <a:cs typeface="Segoe UI" charset="0"/>
+              </a:rPr>
+              <a:t> Module </a:t>
+            </a:r>
+            <a:r>
+              <a:rPr lang="en-US" sz="2000" dirty="0">
+                <a:solidFill>
+                  <a:schemeClr val="bg1"/>
+                </a:solidFill>
+                <a:latin typeface="Calibri" charset="0"/>
+                <a:cs typeface="Segoe UI" charset="0"/>
+              </a:rPr>
+              <a:t>4</a:t>
+            </a:r>
+            <a:br>
+              <a:rPr lang="en-US" sz="2000" dirty="0">
+                <a:solidFill>
+                  <a:schemeClr val="bg1"/>
+                </a:solidFill>
+                <a:latin typeface="Calibri" charset="0"/>
+                <a:cs typeface="Segoe UI" charset="0"/>
+              </a:rPr>
+            </a:br>
+            <a:r>
+              <a:rPr lang="en-US" sz="2000" dirty="0">
+                <a:solidFill>
+                  <a:schemeClr val="bg1"/>
+                </a:solidFill>
+                <a:latin typeface="Calibri" charset="0"/>
+                <a:cs typeface="Segoe UI" charset="0"/>
+              </a:rPr>
+              <a:t>Isoform </a:t>
+            </a:r>
+            <a:r>
+              <a:rPr lang="en-US" sz="2000" dirty="0" smtClean="0">
+                <a:solidFill>
+                  <a:schemeClr val="bg1"/>
+                </a:solidFill>
+                <a:latin typeface="Calibri" charset="0"/>
+                <a:cs typeface="Segoe UI" charset="0"/>
+              </a:rPr>
+              <a:t>Discovery </a:t>
+            </a:r>
+            <a:r>
+              <a:rPr lang="en-US" sz="2000" dirty="0">
+                <a:solidFill>
+                  <a:schemeClr val="bg1"/>
+                </a:solidFill>
+                <a:latin typeface="Calibri" charset="0"/>
+                <a:cs typeface="Segoe UI" charset="0"/>
+              </a:rPr>
+              <a:t>and </a:t>
+            </a:r>
+            <a:r>
+              <a:rPr lang="en-US" sz="2000" dirty="0" smtClean="0">
+                <a:solidFill>
+                  <a:schemeClr val="bg1"/>
+                </a:solidFill>
+                <a:latin typeface="Calibri" charset="0"/>
+                <a:cs typeface="Segoe UI" charset="0"/>
+              </a:rPr>
+              <a:t>Alternative Expression </a:t>
+            </a:r>
+            <a:r>
+              <a:rPr lang="en-US" sz="2000" dirty="0">
+                <a:solidFill>
+                  <a:schemeClr val="bg1"/>
+                </a:solidFill>
+                <a:latin typeface="Calibri" charset="0"/>
+                <a:cs typeface="Segoe UI" charset="0"/>
+              </a:rPr>
+              <a:t>(</a:t>
+            </a:r>
+            <a:r>
+              <a:rPr lang="en-US" sz="2000" dirty="0" smtClean="0">
+                <a:solidFill>
+                  <a:schemeClr val="bg1"/>
+                </a:solidFill>
+                <a:latin typeface="Calibri" charset="0"/>
+                <a:cs typeface="Segoe UI" charset="0"/>
+              </a:rPr>
+              <a:t>tutorial)</a:t>
+            </a:r>
+            <a:endParaRPr lang="en-US" sz="1800" b="1" dirty="0">
+              <a:solidFill>
+                <a:schemeClr val="bg1"/>
+              </a:solidFill>
+              <a:latin typeface="Calibri" charset="0"/>
+              <a:cs typeface="Segoe UI" charset="0"/>
+            </a:endParaRPr>
+          </a:p>
+        </p:txBody>
+      </p:sp>
+      <p:sp>
+        <p:nvSpPr>
+          <p:cNvPr id="8" name="Title 1"/>
+          <p:cNvSpPr txBox="1">
+            <a:spLocks/>
+          </p:cNvSpPr>
+          <p:nvPr/>
+        </p:nvSpPr>
+        <p:spPr>
+          <a:xfrm>
+            <a:off x="3854897" y="1412776"/>
+            <a:ext cx="5181599" cy="936104"/>
+          </a:xfrm>
+          <a:prstGeom prst="rect">
+            <a:avLst/>
+          </a:prstGeom>
+        </p:spPr>
+        <p:txBody>
+          <a:bodyPr anchor="ctr"/>
+          <a:lstStyle>
+            <a:lvl1pPr algn="r">
+              <a:defRPr sz="3200" baseline="0">
+                <a:solidFill>
+                  <a:schemeClr val="bg1"/>
+                </a:solidFill>
+                <a:latin typeface="Adobe Jenson Pro" pitchFamily="18" charset="0"/>
+              </a:defRPr>
+            </a:lvl1pPr>
+          </a:lstStyle>
+          <a:p>
+            <a:pPr fontAlgn="auto">
+              <a:spcAft>
+                <a:spcPts val="0"/>
+              </a:spcAft>
+              <a:defRPr/>
+            </a:pPr>
+            <a:r>
+              <a:rPr lang="en-US" sz="1600" dirty="0" smtClean="0">
+                <a:latin typeface="Calibri"/>
+                <a:ea typeface="+mj-ea"/>
+                <a:cs typeface="Calibri"/>
+              </a:rPr>
+              <a:t>Malachi Griffith, Obi Griffith, </a:t>
+            </a:r>
+            <a:r>
+              <a:rPr lang="en-US" sz="1600" dirty="0" err="1">
+                <a:latin typeface="Calibri"/>
+                <a:cs typeface="Calibri"/>
+              </a:rPr>
+              <a:t>Fouad</a:t>
+            </a:r>
+            <a:r>
+              <a:rPr lang="en-US" sz="1600" dirty="0">
+                <a:latin typeface="Calibri"/>
+                <a:cs typeface="Calibri"/>
+              </a:rPr>
+              <a:t> </a:t>
+            </a:r>
+            <a:r>
+              <a:rPr lang="en-US" sz="1600" dirty="0" err="1">
+                <a:latin typeface="Calibri"/>
+                <a:cs typeface="Calibri"/>
+              </a:rPr>
+              <a:t>Yousif</a:t>
+            </a:r>
+            <a:endParaRPr lang="en-US" sz="1600" dirty="0" smtClean="0">
+              <a:latin typeface="Calibri"/>
+              <a:ea typeface="+mj-ea"/>
+              <a:cs typeface="Calibri"/>
+            </a:endParaRPr>
+          </a:p>
+          <a:p>
+            <a:pPr fontAlgn="auto">
+              <a:spcAft>
+                <a:spcPts val="0"/>
+              </a:spcAft>
+              <a:buFont typeface="Arial" pitchFamily="34" charset="0"/>
+              <a:buNone/>
+              <a:defRPr/>
+            </a:pPr>
+            <a:r>
+              <a:rPr lang="en-US" sz="1600" dirty="0">
+                <a:ln w="1270">
+                  <a:solidFill>
+                    <a:schemeClr val="tx1">
+                      <a:alpha val="38000"/>
+                    </a:schemeClr>
+                  </a:solidFill>
+                </a:ln>
+                <a:latin typeface="Calibri"/>
+                <a:cs typeface="Calibri"/>
+              </a:rPr>
+              <a:t>Informatics for RNA-seq Analysis</a:t>
+            </a:r>
+          </a:p>
+          <a:p>
+            <a:pPr fontAlgn="auto">
+              <a:spcAft>
+                <a:spcPts val="0"/>
+              </a:spcAft>
+              <a:buFont typeface="Arial" pitchFamily="34" charset="0"/>
+              <a:buNone/>
+              <a:defRPr/>
+            </a:pPr>
+            <a:r>
+              <a:rPr lang="en-US" sz="1400" dirty="0">
+                <a:ln w="1270">
+                  <a:solidFill>
+                    <a:schemeClr val="tx1">
+                      <a:alpha val="38000"/>
+                    </a:schemeClr>
+                  </a:solidFill>
+                </a:ln>
+                <a:latin typeface="Calibri"/>
+                <a:cs typeface="Calibri"/>
+              </a:rPr>
+              <a:t>June 16 - 17, 2016</a:t>
+            </a:r>
+          </a:p>
+        </p:txBody>
+      </p:sp>
+      <p:pic>
+        <p:nvPicPr>
+          <p:cNvPr id="7" name="Picture 6" descr="bioinformatics-ca.eps"/>
+          <p:cNvPicPr>
+            <a:picLocks noChangeAspect="1"/>
+          </p:cNvPicPr>
+          <p:nvPr/>
+        </p:nvPicPr>
+        <p:blipFill>
+          <a:blip r:embed="rId3">
+            <a:extLst>
+              <a:ext uri="{28A0092B-C50C-407E-A947-70E740481C1C}">
+                <a14:useLocalDpi xmlns:a14="http://schemas.microsoft.com/office/drawing/2010/main" val="0"/>
+              </a:ext>
+            </a:extLst>
+          </a:blip>
+          <a:stretch>
+            <a:fillRect/>
+          </a:stretch>
+        </p:blipFill>
+        <p:spPr>
+          <a:xfrm>
+            <a:off x="6516216" y="4293096"/>
+            <a:ext cx="2339752" cy="1005487"/>
+          </a:xfrm>
+          <a:prstGeom prst="rect">
+            <a:avLst/>
+          </a:prstGeom>
+        </p:spPr>
+      </p:pic>
+    </p:spTree>
+    <p:extLst>
+      <p:ext uri="{BB962C8B-B14F-4D97-AF65-F5344CB8AC3E}">
+        <p14:creationId xmlns:p14="http://schemas.microsoft.com/office/powerpoint/2010/main" val="3250606954"/>
+      </p:ext>
+    </p:extLst>
+  </p:cSld>
+  <p:clrMapOvr>
+    <a:masterClrMapping/>
+  </p:clrMapOvr>
+  <p:timing>
+    <p:tnLst>
+      <p:par>
+        <p:cTn xmlns:p14="http://schemas.microsoft.com/office/powerpoint/2010/main" id="1" dur="indefinite" restart="never" nodeType="tmRoot"/>
+      </p:par>
+    </p:tnLst>
+  </p:timing>
+</p:sld>
+</file>
+
+<file path=ppt/slides/slide4.xml><?xml version="1.0" encoding="utf-8"?>
+<p:sld xmlns:a="http://schemas.openxmlformats.org/drawingml/2006/main" xmlns:r="http://schemas.openxmlformats.org/officeDocument/2006/relationships" xmlns:p="http://schemas.openxmlformats.org/presentationml/2006/main">
+  <p:cSld>
+    <p:spTree>
+      <p:nvGrpSpPr>
+        <p:cNvPr id="1" name=""/>
+        <p:cNvGrpSpPr/>
+        <p:nvPr/>
+      </p:nvGrpSpPr>
+      <p:grpSpPr>
+        <a:xfrm>
+          <a:off x="0" y="0"/>
+          <a:ext cx="0" cy="0"/>
+          <a:chOff x="0" y="0"/>
+          <a:chExt cx="0" cy="0"/>
+        </a:xfrm>
+      </p:grpSpPr>
+      <p:sp>
+        <p:nvSpPr>
+          <p:cNvPr id="15361" name="Rectangle 2"/>
+          <p:cNvSpPr>
+            <a:spLocks noGrp="1" noChangeArrowheads="1"/>
+          </p:cNvSpPr>
+          <p:nvPr>
+            <p:ph type="title"/>
+          </p:nvPr>
+        </p:nvSpPr>
+        <p:spPr>
+          <a:xfrm>
+            <a:off x="152400" y="44450"/>
+            <a:ext cx="8839200" cy="1143000"/>
+          </a:xfrm>
+        </p:spPr>
+        <p:txBody>
+          <a:bodyPr/>
+          <a:lstStyle/>
+          <a:p>
+            <a:pPr eaLnBrk="1" hangingPunct="1"/>
+            <a:r>
+              <a:rPr lang="en-US" altLang="ko-KR">
+                <a:latin typeface="Calibri" charset="0"/>
+                <a:ea typeface="ＭＳ Ｐゴシック" charset="0"/>
+                <a:cs typeface="ＭＳ Ｐゴシック" charset="0"/>
+              </a:rPr>
+              <a:t>Learning Objectives of Tutorial</a:t>
+            </a:r>
+          </a:p>
+        </p:txBody>
+      </p:sp>
+      <p:sp>
+        <p:nvSpPr>
+          <p:cNvPr id="12290" name="Content Placeholder 6"/>
+          <p:cNvSpPr>
+            <a:spLocks noGrp="1"/>
+          </p:cNvSpPr>
+          <p:nvPr>
+            <p:ph idx="1"/>
+          </p:nvPr>
+        </p:nvSpPr>
+        <p:spPr>
+          <a:xfrm>
+            <a:off x="179388" y="1258888"/>
+            <a:ext cx="8839200" cy="4906962"/>
+          </a:xfrm>
+        </p:spPr>
+        <p:txBody>
+          <a:bodyPr>
+            <a:normAutofit lnSpcReduction="10000"/>
+          </a:bodyPr>
+          <a:lstStyle/>
+          <a:p>
+            <a:pPr>
+              <a:defRPr/>
+            </a:pPr>
+            <a:r>
+              <a:rPr lang="en-US" dirty="0" smtClean="0">
+                <a:latin typeface="Calibri" charset="0"/>
+                <a:ea typeface="ＭＳ Ｐゴシック" charset="0"/>
+              </a:rPr>
+              <a:t>Learn how to run Cufflinks in ‘reference only’, ‘reference guided’, and ‘de novo’ modes</a:t>
+            </a:r>
+          </a:p>
+          <a:p>
+            <a:pPr>
+              <a:defRPr/>
+            </a:pPr>
+            <a:r>
+              <a:rPr lang="en-US" dirty="0" smtClean="0">
+                <a:latin typeface="Calibri" charset="0"/>
+                <a:ea typeface="ＭＳ Ｐゴシック" charset="0"/>
+              </a:rPr>
+              <a:t>Learn how to use </a:t>
+            </a:r>
+            <a:r>
+              <a:rPr lang="en-US" dirty="0" err="1" smtClean="0">
+                <a:latin typeface="Calibri" charset="0"/>
+                <a:ea typeface="ＭＳ Ｐゴシック" charset="0"/>
+              </a:rPr>
+              <a:t>Cuffmerge</a:t>
+            </a:r>
+            <a:r>
+              <a:rPr lang="en-US" dirty="0" smtClean="0">
+                <a:latin typeface="Calibri" charset="0"/>
+                <a:ea typeface="ＭＳ Ｐゴシック" charset="0"/>
+              </a:rPr>
+              <a:t> to combine transcriptomes from multiple Cufflinks runs and compare assembled transcripts to known transcripts</a:t>
+            </a:r>
+          </a:p>
+          <a:p>
+            <a:pPr>
+              <a:defRPr/>
+            </a:pPr>
+            <a:r>
+              <a:rPr lang="en-US" dirty="0" smtClean="0">
+                <a:latin typeface="Calibri" charset="0"/>
+                <a:ea typeface="ＭＳ Ｐゴシック" charset="0"/>
+              </a:rPr>
+              <a:t>Learn how to perform differential splicing analysis with </a:t>
+            </a:r>
+            <a:r>
+              <a:rPr lang="en-US" dirty="0" err="1" smtClean="0">
+                <a:latin typeface="Calibri" charset="0"/>
+                <a:ea typeface="ＭＳ Ｐゴシック" charset="0"/>
+              </a:rPr>
+              <a:t>Cuffdiff</a:t>
+            </a:r>
+            <a:endParaRPr lang="en-US" dirty="0" smtClean="0">
+              <a:latin typeface="Calibri" charset="0"/>
+              <a:ea typeface="ＭＳ Ｐゴシック" charset="0"/>
+            </a:endParaRPr>
+          </a:p>
+          <a:p>
+            <a:pPr>
+              <a:defRPr/>
+            </a:pPr>
+            <a:r>
+              <a:rPr lang="en-US" dirty="0" smtClean="0">
+                <a:latin typeface="Calibri" charset="0"/>
+                <a:ea typeface="ＭＳ Ｐゴシック" charset="0"/>
+              </a:rPr>
+              <a:t>Examine </a:t>
+            </a:r>
+            <a:r>
+              <a:rPr lang="en-US" dirty="0" err="1" smtClean="0">
+                <a:latin typeface="Calibri" charset="0"/>
+                <a:ea typeface="ＭＳ Ｐゴシック" charset="0"/>
+              </a:rPr>
+              <a:t>TopHat</a:t>
+            </a:r>
+            <a:r>
+              <a:rPr lang="en-US" dirty="0" smtClean="0">
+                <a:latin typeface="Calibri" charset="0"/>
+                <a:ea typeface="ＭＳ Ｐゴシック" charset="0"/>
+              </a:rPr>
+              <a:t> junctions counts and Cufflinks differential splicing files at the command line</a:t>
+            </a:r>
+          </a:p>
+          <a:p>
+            <a:pPr>
+              <a:defRPr/>
+            </a:pPr>
+            <a:r>
+              <a:rPr lang="en-US" dirty="0" smtClean="0">
+                <a:latin typeface="Calibri" charset="0"/>
+                <a:ea typeface="ＭＳ Ｐゴシック" charset="0"/>
+              </a:rPr>
+              <a:t>Visualize </a:t>
+            </a:r>
+            <a:r>
+              <a:rPr lang="en-US" dirty="0" err="1" smtClean="0">
+                <a:latin typeface="Calibri" charset="0"/>
+                <a:ea typeface="ＭＳ Ｐゴシック" charset="0"/>
+              </a:rPr>
+              <a:t>TopHat</a:t>
+            </a:r>
+            <a:r>
+              <a:rPr lang="en-US" dirty="0" smtClean="0">
+                <a:latin typeface="Calibri" charset="0"/>
+                <a:ea typeface="ＭＳ Ｐゴシック" charset="0"/>
+              </a:rPr>
+              <a:t> junction counts and Cufflinks assembled transcripts in IGV</a:t>
+            </a:r>
+            <a:endParaRPr lang="en-US" dirty="0">
+              <a:latin typeface="Calibri" charset="0"/>
+              <a:ea typeface="ＭＳ Ｐゴシック" charset="0"/>
+            </a:endParaRPr>
+          </a:p>
+        </p:txBody>
+      </p:sp>
+    </p:spTree>
+    <p:extLst>
+      <p:ext uri="{BB962C8B-B14F-4D97-AF65-F5344CB8AC3E}">
+        <p14:creationId xmlns:p14="http://schemas.microsoft.com/office/powerpoint/2010/main" val="1549753396"/>
+      </p:ext>
+    </p:extLst>
+  </p:cSld>
+  <p:clrMapOvr>
+    <a:masterClrMapping/>
+  </p:clrMapOvr>
+  <p:timing>
+    <p:tnLst>
+      <p:par>
+        <p:cTn xmlns:p14="http://schemas.microsoft.com/office/powerpoint/2010/main" id="1" dur="indefinite" restart="never" nodeType="tmRoot"/>
+      </p:par>
+    </p:tnLst>
+  </p:timing>
+</p:sld>
+</file>
+
+<file path=ppt/slides/slide5.xml><?xml version="1.0" encoding="utf-8"?>
+<p:sld xmlns:a="http://schemas.openxmlformats.org/drawingml/2006/main" xmlns:r="http://schemas.openxmlformats.org/officeDocument/2006/relationships" xmlns:p="http://schemas.openxmlformats.org/presentationml/2006/main">
+  <p:cSld>
+    <p:spTree>
+      <p:nvGrpSpPr>
+        <p:cNvPr id="1" name=""/>
+        <p:cNvGrpSpPr/>
+        <p:nvPr/>
+      </p:nvGrpSpPr>
+      <p:grpSpPr>
+        <a:xfrm>
+          <a:off x="0" y="0"/>
+          <a:ext cx="0" cy="0"/>
+          <a:chOff x="0" y="0"/>
+          <a:chExt cx="0" cy="0"/>
+        </a:xfrm>
+      </p:grpSpPr>
+      <p:sp>
+        <p:nvSpPr>
+          <p:cNvPr id="17409" name="Title 1"/>
+          <p:cNvSpPr>
+            <a:spLocks noGrp="1"/>
+          </p:cNvSpPr>
+          <p:nvPr>
+            <p:ph type="title"/>
+          </p:nvPr>
+        </p:nvSpPr>
+        <p:spPr>
+          <a:xfrm>
+            <a:off x="152400" y="44450"/>
+            <a:ext cx="8839200" cy="1143000"/>
+          </a:xfrm>
+        </p:spPr>
+        <p:txBody>
+          <a:bodyPr/>
+          <a:lstStyle/>
+          <a:p>
+            <a:r>
+              <a:rPr lang="en-US" dirty="0" smtClean="0">
+                <a:latin typeface="Calibri" charset="0"/>
+                <a:ea typeface="ＭＳ Ｐゴシック" charset="0"/>
+              </a:rPr>
+              <a:t>5-i,ii. Running </a:t>
+            </a:r>
+            <a:r>
+              <a:rPr lang="en-US" dirty="0" err="1">
+                <a:latin typeface="Calibri" charset="0"/>
+                <a:ea typeface="ＭＳ Ｐゴシック" charset="0"/>
+              </a:rPr>
+              <a:t>cuffinks</a:t>
+            </a:r>
+            <a:r>
+              <a:rPr lang="en-US" dirty="0">
+                <a:latin typeface="Calibri" charset="0"/>
+                <a:ea typeface="ＭＳ Ｐゴシック" charset="0"/>
+              </a:rPr>
+              <a:t> in ‘ref-guided’ and ‘de-novo’ mode</a:t>
+            </a:r>
+          </a:p>
+        </p:txBody>
+      </p:sp>
+      <p:sp>
+        <p:nvSpPr>
+          <p:cNvPr id="3" name="Content Placeholder 2"/>
+          <p:cNvSpPr>
+            <a:spLocks noGrp="1"/>
+          </p:cNvSpPr>
+          <p:nvPr>
+            <p:ph idx="1"/>
+          </p:nvPr>
+        </p:nvSpPr>
+        <p:spPr/>
+        <p:txBody>
+          <a:bodyPr>
+            <a:normAutofit lnSpcReduction="10000"/>
+          </a:bodyPr>
+          <a:lstStyle/>
+          <a:p>
+            <a:pPr>
+              <a:defRPr/>
+            </a:pPr>
+            <a:r>
+              <a:rPr lang="en-US" dirty="0" smtClean="0"/>
+              <a:t>In Module 3 we ran cufflinks in ‘ref-only’ mode.  This mode gives us an expression estimate for each known gene/transcript</a:t>
+            </a:r>
+          </a:p>
+          <a:p>
+            <a:pPr>
+              <a:defRPr/>
+            </a:pPr>
+            <a:r>
+              <a:rPr lang="en-US" dirty="0" smtClean="0"/>
+              <a:t>Now we want to be able to potentially identify novel genes, and novel isoforms of known genes</a:t>
+            </a:r>
+          </a:p>
+          <a:p>
+            <a:pPr>
+              <a:defRPr/>
+            </a:pPr>
+            <a:r>
+              <a:rPr lang="en-US" dirty="0" smtClean="0"/>
+              <a:t>To accomplish this we will re-run cufflinks in ‘ref-guided’ and ‘de-novo’ modes</a:t>
+            </a:r>
+          </a:p>
+          <a:p>
+            <a:pPr lvl="1">
+              <a:defRPr/>
+            </a:pPr>
+            <a:r>
+              <a:rPr lang="en-US" dirty="0" smtClean="0"/>
+              <a:t>In ‘ref-guided’ mode a known transcriptome will be used as a guide</a:t>
+            </a:r>
+          </a:p>
+          <a:p>
+            <a:pPr lvl="1">
+              <a:defRPr/>
+            </a:pPr>
+            <a:r>
+              <a:rPr lang="en-US" dirty="0" smtClean="0"/>
+              <a:t>In ‘de-novo’ mode no knowledge of the transcriptome will be used at all</a:t>
+            </a:r>
+            <a:endParaRPr lang="en-US" dirty="0"/>
+          </a:p>
+        </p:txBody>
+      </p:sp>
+    </p:spTree>
+    <p:extLst>
+      <p:ext uri="{BB962C8B-B14F-4D97-AF65-F5344CB8AC3E}">
+        <p14:creationId xmlns:p14="http://schemas.microsoft.com/office/powerpoint/2010/main" val="2188959365"/>
+      </p:ext>
+    </p:extLst>
+  </p:cSld>
+  <p:clrMapOvr>
+    <a:masterClrMapping/>
+  </p:clrMapOvr>
+  <p:timing>
+    <p:tnLst>
+      <p:par>
+        <p:cTn xmlns:p14="http://schemas.microsoft.com/office/powerpoint/2010/main" id="1" dur="indefinite" restart="never" nodeType="tmRoot"/>
+      </p:par>
+    </p:tnLst>
+  </p:timing>
+</p:sld>
+</file>
+
+<file path=ppt/slides/slide6.xml><?xml version="1.0" encoding="utf-8"?>
+<p:sld xmlns:a="http://schemas.openxmlformats.org/drawingml/2006/main" xmlns:r="http://schemas.openxmlformats.org/officeDocument/2006/relationships" xmlns:p="http://schemas.openxmlformats.org/presentationml/2006/main">
+  <p:cSld>
+    <p:spTree>
+      <p:nvGrpSpPr>
+        <p:cNvPr id="1" name=""/>
+        <p:cNvGrpSpPr/>
+        <p:nvPr/>
+      </p:nvGrpSpPr>
+      <p:grpSpPr>
+        <a:xfrm>
+          <a:off x="0" y="0"/>
+          <a:ext cx="0" cy="0"/>
+          <a:chOff x="0" y="0"/>
+          <a:chExt cx="0" cy="0"/>
+        </a:xfrm>
+      </p:grpSpPr>
+      <p:sp>
+        <p:nvSpPr>
+          <p:cNvPr id="19457" name="Title 1"/>
+          <p:cNvSpPr>
+            <a:spLocks noGrp="1"/>
+          </p:cNvSpPr>
+          <p:nvPr>
+            <p:ph type="title"/>
+          </p:nvPr>
+        </p:nvSpPr>
+        <p:spPr>
+          <a:xfrm>
+            <a:off x="152400" y="-26988"/>
+            <a:ext cx="8839200" cy="1143001"/>
+          </a:xfrm>
+        </p:spPr>
+        <p:txBody>
+          <a:bodyPr/>
+          <a:lstStyle/>
+          <a:p>
+            <a:r>
+              <a:rPr lang="en-US">
+                <a:latin typeface="Calibri" charset="0"/>
+                <a:ea typeface="ＭＳ Ｐゴシック" charset="0"/>
+              </a:rPr>
+              <a:t>‘-g’, ‘-G’ woe is me...</a:t>
+            </a:r>
+          </a:p>
+        </p:txBody>
+      </p:sp>
+      <p:sp>
+        <p:nvSpPr>
+          <p:cNvPr id="3" name="Content Placeholder 2"/>
+          <p:cNvSpPr>
+            <a:spLocks noGrp="1"/>
+          </p:cNvSpPr>
+          <p:nvPr>
+            <p:ph idx="1"/>
+          </p:nvPr>
+        </p:nvSpPr>
+        <p:spPr>
+          <a:xfrm>
+            <a:off x="152400" y="1341438"/>
+            <a:ext cx="8839200" cy="4983162"/>
+          </a:xfrm>
+        </p:spPr>
+        <p:txBody>
+          <a:bodyPr>
+            <a:normAutofit fontScale="62500" lnSpcReduction="20000"/>
+          </a:bodyPr>
+          <a:lstStyle/>
+          <a:p>
+            <a:pPr>
+              <a:defRPr/>
+            </a:pPr>
+            <a:r>
+              <a:rPr lang="en-US" dirty="0" err="1" smtClean="0"/>
+              <a:t>tophat</a:t>
+            </a:r>
+            <a:r>
+              <a:rPr lang="en-US" dirty="0" smtClean="0"/>
+              <a:t> has a ‘-G’ option</a:t>
+            </a:r>
+          </a:p>
+          <a:p>
+            <a:pPr lvl="1">
+              <a:defRPr/>
+            </a:pPr>
+            <a:r>
+              <a:rPr lang="en-US" dirty="0" smtClean="0"/>
+              <a:t>Used to supply a transcriptome GTF file</a:t>
+            </a:r>
+          </a:p>
+          <a:p>
+            <a:pPr lvl="1">
+              <a:defRPr/>
+            </a:pPr>
+            <a:r>
+              <a:rPr lang="en-US" dirty="0" smtClean="0"/>
+              <a:t>This will be used to </a:t>
+            </a:r>
+            <a:r>
+              <a:rPr lang="en-US" b="1" dirty="0" smtClean="0"/>
+              <a:t>assist the alignment</a:t>
+            </a:r>
+            <a:r>
+              <a:rPr lang="en-US" dirty="0" smtClean="0"/>
+              <a:t> step by allowing alignment to both transcriptome and genome sequences</a:t>
+            </a:r>
+          </a:p>
+          <a:p>
+            <a:pPr lvl="1">
+              <a:defRPr/>
+            </a:pPr>
+            <a:r>
+              <a:rPr lang="en-US" dirty="0" smtClean="0"/>
+              <a:t>Coordinates from alignments to transcriptomes will be converted back to genome coordinates</a:t>
+            </a:r>
+          </a:p>
+          <a:p>
+            <a:pPr lvl="1">
+              <a:defRPr/>
+            </a:pPr>
+            <a:r>
+              <a:rPr lang="en-US" dirty="0" smtClean="0"/>
+              <a:t>Even though we supply a transcriptome, </a:t>
+            </a:r>
+            <a:r>
+              <a:rPr lang="en-US" dirty="0" err="1" smtClean="0"/>
+              <a:t>tophat</a:t>
+            </a:r>
+            <a:r>
+              <a:rPr lang="en-US" dirty="0" smtClean="0"/>
+              <a:t> will not be limited in anyway to known transcripts</a:t>
+            </a:r>
+          </a:p>
+          <a:p>
+            <a:pPr>
+              <a:defRPr/>
+            </a:pPr>
+            <a:r>
+              <a:rPr lang="en-US" dirty="0" err="1"/>
+              <a:t>t</a:t>
+            </a:r>
+            <a:r>
+              <a:rPr lang="en-US" dirty="0" err="1" smtClean="0"/>
+              <a:t>ophat</a:t>
+            </a:r>
+            <a:r>
+              <a:rPr lang="en-US" dirty="0" smtClean="0"/>
+              <a:t>  also has a ‘-g’ option</a:t>
+            </a:r>
+          </a:p>
+          <a:p>
+            <a:pPr lvl="1">
+              <a:defRPr/>
+            </a:pPr>
+            <a:r>
+              <a:rPr lang="en-US" dirty="0" smtClean="0"/>
+              <a:t>Used to specify the maximum number of multiple mappings for a </a:t>
+            </a:r>
+            <a:r>
+              <a:rPr lang="en-US" smtClean="0"/>
+              <a:t>single read</a:t>
+            </a:r>
+            <a:endParaRPr lang="en-US" dirty="0" smtClean="0"/>
+          </a:p>
+          <a:p>
+            <a:pPr>
+              <a:defRPr/>
+            </a:pPr>
+            <a:r>
+              <a:rPr lang="en-US" dirty="0"/>
+              <a:t>c</a:t>
+            </a:r>
+            <a:r>
+              <a:rPr lang="en-US" dirty="0" smtClean="0"/>
+              <a:t>ufflinks has a ‘-G’ option</a:t>
+            </a:r>
+          </a:p>
+          <a:p>
+            <a:pPr lvl="1">
+              <a:defRPr/>
+            </a:pPr>
+            <a:r>
+              <a:rPr lang="en-US" dirty="0" smtClean="0"/>
+              <a:t>Used to supply a transcriptome GTF file</a:t>
+            </a:r>
+          </a:p>
+          <a:p>
+            <a:pPr lvl="1">
+              <a:defRPr/>
+            </a:pPr>
+            <a:r>
+              <a:rPr lang="en-US" dirty="0" smtClean="0"/>
+              <a:t>If specified, cufflinks will quantitate </a:t>
+            </a:r>
+            <a:r>
+              <a:rPr lang="en-US" dirty="0"/>
+              <a:t>against reference transcript </a:t>
+            </a:r>
+            <a:r>
+              <a:rPr lang="en-US" dirty="0" smtClean="0"/>
+              <a:t>annotations</a:t>
+            </a:r>
+          </a:p>
+          <a:p>
+            <a:pPr lvl="1">
+              <a:defRPr/>
+            </a:pPr>
+            <a:r>
+              <a:rPr lang="en-US" dirty="0" smtClean="0"/>
+              <a:t>We call this the ‘ref-only’ analysis mode</a:t>
+            </a:r>
+          </a:p>
+          <a:p>
+            <a:pPr>
+              <a:defRPr/>
+            </a:pPr>
+            <a:r>
+              <a:rPr lang="en-US" dirty="0"/>
+              <a:t>c</a:t>
+            </a:r>
+            <a:r>
+              <a:rPr lang="en-US" dirty="0" smtClean="0"/>
+              <a:t>ufflinks also has a ‘-g’ option</a:t>
+            </a:r>
+          </a:p>
+          <a:p>
+            <a:pPr lvl="1">
+              <a:defRPr/>
+            </a:pPr>
+            <a:r>
+              <a:rPr lang="en-US" dirty="0" smtClean="0"/>
+              <a:t>Use to supply a transcriptome GTF file</a:t>
+            </a:r>
+          </a:p>
+          <a:p>
+            <a:pPr lvl="1">
+              <a:defRPr/>
+            </a:pPr>
+            <a:r>
+              <a:rPr lang="en-US" dirty="0"/>
+              <a:t>U</a:t>
+            </a:r>
+            <a:r>
+              <a:rPr lang="en-US" dirty="0" smtClean="0"/>
+              <a:t>se </a:t>
+            </a:r>
+            <a:r>
+              <a:rPr lang="en-US" dirty="0"/>
+              <a:t>reference transcript </a:t>
+            </a:r>
+            <a:r>
+              <a:rPr lang="en-US" dirty="0" smtClean="0"/>
+              <a:t>annotations </a:t>
+            </a:r>
+            <a:r>
+              <a:rPr lang="en-US" dirty="0"/>
+              <a:t>to </a:t>
+            </a:r>
+            <a:r>
+              <a:rPr lang="en-US" b="1" dirty="0"/>
+              <a:t>guide </a:t>
+            </a:r>
+            <a:r>
+              <a:rPr lang="en-US" b="1" dirty="0" smtClean="0"/>
+              <a:t>assembly</a:t>
+            </a:r>
+          </a:p>
+          <a:p>
+            <a:pPr lvl="1">
+              <a:defRPr/>
+            </a:pPr>
+            <a:r>
+              <a:rPr lang="en-US" dirty="0" smtClean="0"/>
+              <a:t>We call this ‘reference-guided’ analysis mode</a:t>
+            </a:r>
+          </a:p>
+          <a:p>
+            <a:pPr>
+              <a:defRPr/>
+            </a:pPr>
+            <a:r>
+              <a:rPr lang="en-US" dirty="0" smtClean="0"/>
+              <a:t>Running cufflinks with neither ‘-G’ or ‘-g’</a:t>
+            </a:r>
+          </a:p>
+          <a:p>
+            <a:pPr lvl="1">
+              <a:defRPr/>
+            </a:pPr>
+            <a:r>
+              <a:rPr lang="en-US" dirty="0" smtClean="0"/>
+              <a:t>We call this ‘de-novo’ analysis mode</a:t>
+            </a:r>
+          </a:p>
+          <a:p>
+            <a:pPr>
+              <a:defRPr/>
+            </a:pPr>
+            <a:r>
+              <a:rPr lang="en-US" dirty="0" err="1"/>
+              <a:t>c</a:t>
+            </a:r>
+            <a:r>
+              <a:rPr lang="en-US" dirty="0" err="1" smtClean="0"/>
+              <a:t>uffdiff</a:t>
+            </a:r>
+            <a:r>
+              <a:rPr lang="en-US" dirty="0" smtClean="0"/>
+              <a:t>  requires a GTF file but it is not specified with a ‘-G’ or ‘-g’ option, but rather is simply supplied as a file path when you run </a:t>
+            </a:r>
+            <a:r>
+              <a:rPr lang="en-US" dirty="0" err="1" smtClean="0"/>
+              <a:t>cuffdiff</a:t>
+            </a:r>
+            <a:endParaRPr lang="en-US" dirty="0" smtClean="0"/>
+          </a:p>
+        </p:txBody>
+      </p:sp>
+    </p:spTree>
+    <p:extLst>
+      <p:ext uri="{BB962C8B-B14F-4D97-AF65-F5344CB8AC3E}">
+        <p14:creationId xmlns:p14="http://schemas.microsoft.com/office/powerpoint/2010/main" val="2750377790"/>
+      </p:ext>
+    </p:extLst>
+  </p:cSld>
+  <p:clrMapOvr>
+    <a:masterClrMapping/>
+  </p:clrMapOvr>
+  <p:timing>
+    <p:tnLst>
+      <p:par>
+        <p:cTn xmlns:p14="http://schemas.microsoft.com/office/powerpoint/2010/main" id="1" dur="indefinite" restart="never" nodeType="tmRoot"/>
+      </p:par>
+    </p:tnLst>
+  </p:timing>
+</p:sld>
+</file>
+
+<file path=ppt/slides/slide7.xml><?xml version="1.0" encoding="utf-8"?>
+<p:sld xmlns:a="http://schemas.openxmlformats.org/drawingml/2006/main" xmlns:r="http://schemas.openxmlformats.org/officeDocument/2006/relationships" xmlns:p="http://schemas.openxmlformats.org/presentationml/2006/main">
+  <p:cSld>
+    <p:spTree>
+      <p:nvGrpSpPr>
+        <p:cNvPr id="1" name=""/>
+        <p:cNvGrpSpPr/>
+        <p:nvPr/>
+      </p:nvGrpSpPr>
+      <p:grpSpPr>
+        <a:xfrm>
+          <a:off x="0" y="0"/>
+          <a:ext cx="0" cy="0"/>
+          <a:chOff x="0" y="0"/>
+          <a:chExt cx="0" cy="0"/>
+        </a:xfrm>
+      </p:grpSpPr>
+      <p:sp>
+        <p:nvSpPr>
+          <p:cNvPr id="21505" name="Title 1"/>
+          <p:cNvSpPr>
+            <a:spLocks noGrp="1"/>
+          </p:cNvSpPr>
+          <p:nvPr>
+            <p:ph type="title"/>
+          </p:nvPr>
+        </p:nvSpPr>
+        <p:spPr>
+          <a:xfrm>
+            <a:off x="152400" y="44450"/>
+            <a:ext cx="8839200" cy="1143000"/>
+          </a:xfrm>
+        </p:spPr>
+        <p:txBody>
+          <a:bodyPr/>
+          <a:lstStyle/>
+          <a:p>
+            <a:r>
+              <a:rPr lang="en-US">
+                <a:latin typeface="Calibri" charset="0"/>
+                <a:ea typeface="ＭＳ Ｐゴシック" charset="0"/>
+              </a:rPr>
+              <a:t>The tophat ‘</a:t>
+            </a:r>
+            <a:r>
+              <a:rPr lang="en-US" altLang="ja-JP">
+                <a:latin typeface="Calibri" charset="0"/>
+                <a:ea typeface="ＭＳ Ｐゴシック" charset="0"/>
+              </a:rPr>
+              <a:t>junctions.bed</a:t>
+            </a:r>
+            <a:r>
+              <a:rPr lang="en-US">
+                <a:latin typeface="Calibri" charset="0"/>
+                <a:ea typeface="ＭＳ Ｐゴシック" charset="0"/>
+              </a:rPr>
+              <a:t>’</a:t>
+            </a:r>
+            <a:r>
+              <a:rPr lang="en-US" altLang="ja-JP">
+                <a:latin typeface="Calibri" charset="0"/>
+                <a:ea typeface="ＭＳ Ｐゴシック" charset="0"/>
+              </a:rPr>
+              <a:t> file</a:t>
+            </a:r>
+            <a:endParaRPr lang="en-US">
+              <a:latin typeface="Calibri" charset="0"/>
+              <a:ea typeface="ＭＳ Ｐゴシック" charset="0"/>
+            </a:endParaRPr>
+          </a:p>
+        </p:txBody>
+      </p:sp>
+      <p:sp>
+        <p:nvSpPr>
+          <p:cNvPr id="21506" name="Content Placeholder 2"/>
+          <p:cNvSpPr>
+            <a:spLocks noGrp="1"/>
+          </p:cNvSpPr>
+          <p:nvPr>
+            <p:ph idx="1"/>
+          </p:nvPr>
+        </p:nvSpPr>
+        <p:spPr>
+          <a:xfrm>
+            <a:off x="152400" y="1268413"/>
+            <a:ext cx="8839200" cy="3341687"/>
+          </a:xfrm>
+        </p:spPr>
+        <p:txBody>
+          <a:bodyPr/>
+          <a:lstStyle/>
+          <a:p>
+            <a:r>
+              <a:rPr lang="en-US">
+                <a:latin typeface="Calibri" charset="0"/>
+                <a:ea typeface="ＭＳ Ｐゴシック" charset="0"/>
+              </a:rPr>
+              <a:t>After alignment, tophat creates a summary of all reads that support exon-exon junctions</a:t>
+            </a:r>
+          </a:p>
+          <a:p>
+            <a:pPr lvl="1"/>
+            <a:r>
+              <a:rPr lang="en-US">
+                <a:latin typeface="Calibri" charset="0"/>
+                <a:ea typeface="ＭＳ Ｐゴシック" charset="0"/>
+              </a:rPr>
+              <a:t>e.g. exon1-exon2  has 5 reads</a:t>
+            </a:r>
+          </a:p>
+          <a:p>
+            <a:pPr lvl="1"/>
+            <a:r>
+              <a:rPr lang="en-US">
+                <a:latin typeface="Calibri" charset="0"/>
+                <a:ea typeface="ＭＳ Ｐゴシック" charset="0"/>
+              </a:rPr>
+              <a:t>e.g. exon1-exon3 has 9 reads</a:t>
+            </a:r>
+          </a:p>
+          <a:p>
+            <a:r>
+              <a:rPr lang="en-US">
+                <a:latin typeface="Calibri" charset="0"/>
+                <a:ea typeface="ＭＳ Ｐゴシック" charset="0"/>
+              </a:rPr>
+              <a:t>This file reports all of the unique exon-exon junctions observed and the read counts for each</a:t>
+            </a:r>
+          </a:p>
+          <a:p>
+            <a:pPr lvl="1"/>
+            <a:r>
+              <a:rPr lang="en-US">
+                <a:latin typeface="Calibri" charset="0"/>
+                <a:ea typeface="ＭＳ Ｐゴシック" charset="0"/>
+              </a:rPr>
+              <a:t>In BED format</a:t>
+            </a:r>
+          </a:p>
+        </p:txBody>
+      </p:sp>
+      <p:pic>
+        <p:nvPicPr>
+          <p:cNvPr id="21507" name="Picture 3" descr="junctions.bed.png"/>
+          <p:cNvPicPr>
+            <a:picLocks noChangeAspect="1"/>
+          </p:cNvPicPr>
+          <p:nvPr/>
+        </p:nvPicPr>
+        <p:blipFill>
+          <a:blip r:embed="rId3">
+            <a:extLst>
+              <a:ext uri="{28A0092B-C50C-407E-A947-70E740481C1C}">
+                <a14:useLocalDpi xmlns:a14="http://schemas.microsoft.com/office/drawing/2010/main" val="0"/>
+              </a:ext>
+            </a:extLst>
+          </a:blip>
+          <a:srcRect/>
+          <a:stretch>
+            <a:fillRect/>
+          </a:stretch>
+        </p:blipFill>
+        <p:spPr bwMode="auto">
+          <a:xfrm>
+            <a:off x="250825" y="4652963"/>
+            <a:ext cx="8569325" cy="1274762"/>
+          </a:xfrm>
+          <a:prstGeom prst="rect">
+            <a:avLst/>
+          </a:prstGeom>
+          <a:noFill/>
+          <a:ln>
+            <a:noFill/>
+          </a:ln>
+          <a:extLst>
+            <a:ext uri="{909E8E84-426E-40dd-AFC4-6F175D3DCCD1}">
+              <a14:hiddenFill xmlns:a14="http://schemas.microsoft.com/office/drawing/2010/main">
+                <a:solidFill>
+                  <a:srgbClr val="FFFFFF"/>
+                </a:solidFill>
+              </a14:hiddenFill>
+            </a:ext>
+            <a:ext uri="{91240B29-F687-4f45-9708-019B960494DF}">
+              <a14:hiddenLine xmlns:a14="http://schemas.microsoft.com/office/drawing/2010/main" w="9525">
+                <a:solidFill>
+                  <a:srgbClr val="000000"/>
+                </a:solidFill>
+                <a:miter lim="800000"/>
+                <a:headEnd/>
+                <a:tailEnd/>
+              </a14:hiddenLine>
+            </a:ext>
+          </a:extLst>
+        </p:spPr>
+      </p:pic>
+      <p:cxnSp>
+        <p:nvCxnSpPr>
+          <p:cNvPr id="6" name="Straight Arrow Connector 5"/>
+          <p:cNvCxnSpPr/>
+          <p:nvPr/>
+        </p:nvCxnSpPr>
+        <p:spPr>
+          <a:xfrm flipH="1" flipV="1">
+            <a:off x="3851275" y="5949950"/>
+            <a:ext cx="360363" cy="215900"/>
+          </a:xfrm>
+          <a:prstGeom prst="straightConnector1">
+            <a:avLst/>
+          </a:prstGeom>
+          <a:ln>
+            <a:tailEnd type="arrow"/>
+          </a:ln>
+        </p:spPr>
+        <p:style>
+          <a:lnRef idx="3">
+            <a:schemeClr val="dk1"/>
+          </a:lnRef>
+          <a:fillRef idx="0">
+            <a:schemeClr val="dk1"/>
+          </a:fillRef>
+          <a:effectRef idx="2">
+            <a:schemeClr val="dk1"/>
+          </a:effectRef>
+          <a:fontRef idx="minor">
+            <a:schemeClr val="tx1"/>
+          </a:fontRef>
+        </p:style>
+      </p:cxnSp>
+      <p:sp>
+        <p:nvSpPr>
+          <p:cNvPr id="21509" name="TextBox 8"/>
+          <p:cNvSpPr txBox="1">
+            <a:spLocks noChangeArrowheads="1"/>
+          </p:cNvSpPr>
+          <p:nvPr/>
+        </p:nvSpPr>
+        <p:spPr bwMode="auto">
+          <a:xfrm>
+            <a:off x="4211638" y="5991225"/>
+            <a:ext cx="2878137" cy="461963"/>
+          </a:xfrm>
+          <a:prstGeom prst="rect">
+            <a:avLst/>
+          </a:prstGeom>
+          <a:noFill/>
+          <a:ln>
+            <a:noFill/>
+          </a:ln>
+          <a:extLst>
+            <a:ext uri="{909E8E84-426E-40dd-AFC4-6F175D3DCCD1}">
+              <a14:hiddenFill xmlns:a14="http://schemas.microsoft.com/office/drawing/2010/main">
+                <a:solidFill>
+                  <a:srgbClr val="FFFFFF"/>
+                </a:solidFill>
+              </a14:hiddenFill>
+            </a:ext>
+            <a:ext uri="{91240B29-F687-4f45-9708-019B960494DF}">
+              <a14:hiddenLine xmlns:a14="http://schemas.microsoft.com/office/drawing/2010/main" w="9525">
+                <a:solidFill>
+                  <a:srgbClr val="000000"/>
+                </a:solidFill>
+                <a:miter lim="800000"/>
+                <a:headEnd/>
+                <a:tailEnd/>
+              </a14:hiddenLine>
+            </a:ext>
+          </a:extLst>
+        </p:spPr>
+        <p:txBody>
+          <a:bodyPr wrap="none">
+            <a:spAutoFit/>
+          </a:bodyPr>
+          <a:lstStyle>
+            <a:lvl1pPr eaLnBrk="0" hangingPunct="0">
+              <a:defRPr sz="2400">
+                <a:solidFill>
+                  <a:schemeClr val="tx1"/>
+                </a:solidFill>
+                <a:latin typeface="Arial" charset="0"/>
+                <a:ea typeface="ＭＳ Ｐゴシック" charset="0"/>
+                <a:cs typeface="ＭＳ Ｐゴシック" charset="0"/>
+              </a:defRPr>
+            </a:lvl1pPr>
+            <a:lvl2pPr marL="742950" indent="-285750" eaLnBrk="0" hangingPunct="0">
+              <a:defRPr sz="2400">
+                <a:solidFill>
+                  <a:schemeClr val="tx1"/>
+                </a:solidFill>
+                <a:latin typeface="Arial" charset="0"/>
+                <a:ea typeface="ＭＳ Ｐゴシック" charset="0"/>
+              </a:defRPr>
+            </a:lvl2pPr>
+            <a:lvl3pPr marL="1143000" indent="-228600" eaLnBrk="0" hangingPunct="0">
+              <a:defRPr sz="2400">
+                <a:solidFill>
+                  <a:schemeClr val="tx1"/>
+                </a:solidFill>
+                <a:latin typeface="Arial" charset="0"/>
+                <a:ea typeface="ＭＳ Ｐゴシック" charset="0"/>
+              </a:defRPr>
+            </a:lvl3pPr>
+            <a:lvl4pPr marL="1600200" indent="-228600" eaLnBrk="0" hangingPunct="0">
+              <a:defRPr sz="2400">
+                <a:solidFill>
+                  <a:schemeClr val="tx1"/>
+                </a:solidFill>
+                <a:latin typeface="Arial" charset="0"/>
+                <a:ea typeface="ＭＳ Ｐゴシック" charset="0"/>
+              </a:defRPr>
+            </a:lvl4pPr>
+            <a:lvl5pPr marL="2057400" indent="-228600" eaLnBrk="0" hangingPunct="0">
+              <a:defRPr sz="2400">
+                <a:solidFill>
+                  <a:schemeClr val="tx1"/>
+                </a:solidFill>
+                <a:latin typeface="Arial" charset="0"/>
+                <a:ea typeface="ＭＳ Ｐゴシック" charset="0"/>
+              </a:defRPr>
+            </a:lvl5pPr>
+            <a:lvl6pPr marL="2514600" indent="-228600" eaLnBrk="0" fontAlgn="base" hangingPunct="0">
+              <a:spcBef>
+                <a:spcPct val="0"/>
+              </a:spcBef>
+              <a:spcAft>
+                <a:spcPct val="0"/>
+              </a:spcAft>
+              <a:defRPr sz="2400">
+                <a:solidFill>
+                  <a:schemeClr val="tx1"/>
+                </a:solidFill>
+                <a:latin typeface="Arial" charset="0"/>
+                <a:ea typeface="ＭＳ Ｐゴシック" charset="0"/>
+              </a:defRPr>
+            </a:lvl6pPr>
+            <a:lvl7pPr marL="2971800" indent="-228600" eaLnBrk="0" fontAlgn="base" hangingPunct="0">
+              <a:spcBef>
+                <a:spcPct val="0"/>
+              </a:spcBef>
+              <a:spcAft>
+                <a:spcPct val="0"/>
+              </a:spcAft>
+              <a:defRPr sz="2400">
+                <a:solidFill>
+                  <a:schemeClr val="tx1"/>
+                </a:solidFill>
+                <a:latin typeface="Arial" charset="0"/>
+                <a:ea typeface="ＭＳ Ｐゴシック" charset="0"/>
+              </a:defRPr>
+            </a:lvl7pPr>
+            <a:lvl8pPr marL="3429000" indent="-228600" eaLnBrk="0" fontAlgn="base" hangingPunct="0">
+              <a:spcBef>
+                <a:spcPct val="0"/>
+              </a:spcBef>
+              <a:spcAft>
+                <a:spcPct val="0"/>
+              </a:spcAft>
+              <a:defRPr sz="2400">
+                <a:solidFill>
+                  <a:schemeClr val="tx1"/>
+                </a:solidFill>
+                <a:latin typeface="Arial" charset="0"/>
+                <a:ea typeface="ＭＳ Ｐゴシック" charset="0"/>
+              </a:defRPr>
+            </a:lvl8pPr>
+            <a:lvl9pPr marL="3886200" indent="-228600" eaLnBrk="0" fontAlgn="base" hangingPunct="0">
+              <a:spcBef>
+                <a:spcPct val="0"/>
+              </a:spcBef>
+              <a:spcAft>
+                <a:spcPct val="0"/>
+              </a:spcAft>
+              <a:defRPr sz="2400">
+                <a:solidFill>
+                  <a:schemeClr val="tx1"/>
+                </a:solidFill>
+                <a:latin typeface="Arial" charset="0"/>
+                <a:ea typeface="ＭＳ Ｐゴシック" charset="0"/>
+              </a:defRPr>
+            </a:lvl9pPr>
+          </a:lstStyle>
+          <a:p>
+            <a:pPr eaLnBrk="1" hangingPunct="1"/>
+            <a:r>
+              <a:rPr lang="en-US"/>
+              <a:t>Junction read count</a:t>
+            </a:r>
+          </a:p>
+        </p:txBody>
+      </p:sp>
+    </p:spTree>
+    <p:extLst>
+      <p:ext uri="{BB962C8B-B14F-4D97-AF65-F5344CB8AC3E}">
+        <p14:creationId xmlns:p14="http://schemas.microsoft.com/office/powerpoint/2010/main" val="3851862023"/>
+      </p:ext>
+    </p:extLst>
+  </p:cSld>
+  <p:clrMapOvr>
+    <a:masterClrMapping/>
+  </p:clrMapOvr>
+  <p:timing>
+    <p:tnLst>
+      <p:par>
+        <p:cTn xmlns:p14="http://schemas.microsoft.com/office/powerpoint/2010/main" id="1" dur="indefinite" restart="never" nodeType="tmRoot"/>
+      </p:par>
+    </p:tnLst>
+  </p:timing>
+</p:sld>
+</file>
+
+<file path=ppt/slides/slide8.xml><?xml version="1.0" encoding="utf-8"?>
+<p:sld xmlns:a="http://schemas.openxmlformats.org/drawingml/2006/main" xmlns:r="http://schemas.openxmlformats.org/officeDocument/2006/relationships" xmlns:p="http://schemas.openxmlformats.org/presentationml/2006/main">
+  <p:cSld>
+    <p:spTree>
+      <p:nvGrpSpPr>
+        <p:cNvPr id="1" name=""/>
+        <p:cNvGrpSpPr/>
+        <p:nvPr/>
+      </p:nvGrpSpPr>
+      <p:grpSpPr>
+        <a:xfrm>
+          <a:off x="0" y="0"/>
+          <a:ext cx="0" cy="0"/>
+          <a:chOff x="0" y="0"/>
+          <a:chExt cx="0" cy="0"/>
+        </a:xfrm>
+      </p:grpSpPr>
+      <p:sp>
+        <p:nvSpPr>
+          <p:cNvPr id="23553" name="Title 1"/>
+          <p:cNvSpPr>
+            <a:spLocks noGrp="1"/>
+          </p:cNvSpPr>
+          <p:nvPr>
+            <p:ph type="title"/>
+          </p:nvPr>
+        </p:nvSpPr>
+        <p:spPr>
+          <a:xfrm>
+            <a:off x="152400" y="-26988"/>
+            <a:ext cx="8839200" cy="1143001"/>
+          </a:xfrm>
+        </p:spPr>
+        <p:txBody>
+          <a:bodyPr/>
+          <a:lstStyle/>
+          <a:p>
+            <a:r>
+              <a:rPr lang="en-US">
+                <a:latin typeface="Calibri" charset="0"/>
+                <a:ea typeface="ＭＳ Ｐゴシック" charset="0"/>
+              </a:rPr>
+              <a:t>Viewing the junctions.bed in IGV</a:t>
+            </a:r>
+          </a:p>
+        </p:txBody>
+      </p:sp>
+      <p:pic>
+        <p:nvPicPr>
+          <p:cNvPr id="23554" name="Content Placeholder 3" descr="junctions bed IGV screenshot.png"/>
+          <p:cNvPicPr>
+            <a:picLocks noGrp="1" noChangeAspect="1"/>
+          </p:cNvPicPr>
+          <p:nvPr>
+            <p:ph idx="1"/>
+          </p:nvPr>
+        </p:nvPicPr>
+        <p:blipFill>
+          <a:blip r:embed="rId3">
+            <a:extLst>
+              <a:ext uri="{28A0092B-C50C-407E-A947-70E740481C1C}">
+                <a14:useLocalDpi xmlns:a14="http://schemas.microsoft.com/office/drawing/2010/main" val="0"/>
+              </a:ext>
+            </a:extLst>
+          </a:blip>
+          <a:srcRect t="-7526" b="-7526"/>
+          <a:stretch>
+            <a:fillRect/>
+          </a:stretch>
+        </p:blipFill>
+        <p:spPr/>
+      </p:pic>
+    </p:spTree>
+    <p:extLst>
+      <p:ext uri="{BB962C8B-B14F-4D97-AF65-F5344CB8AC3E}">
+        <p14:creationId xmlns:p14="http://schemas.microsoft.com/office/powerpoint/2010/main" val="3093578121"/>
+      </p:ext>
+    </p:extLst>
+  </p:cSld>
+  <p:clrMapOvr>
+    <a:masterClrMapping/>
+  </p:clrMapOvr>
+  <p:timing>
+    <p:tnLst>
+      <p:par>
+        <p:cTn xmlns:p14="http://schemas.microsoft.com/office/powerpoint/2010/main" id="1" dur="indefinite" restart="never" nodeType="tmRoot"/>
+      </p:par>
+    </p:tnLst>
+  </p:timing>
+</p:sld>
+</file>
+
+<file path=ppt/slides/slide9.xml><?xml version="1.0" encoding="utf-8"?>
+<p:sld xmlns:a="http://schemas.openxmlformats.org/drawingml/2006/main" xmlns:r="http://schemas.openxmlformats.org/officeDocument/2006/relationships" xmlns:p="http://schemas.openxmlformats.org/presentationml/2006/main">
+  <p:cSld>
+    <p:spTree>
+      <p:nvGrpSpPr>
+        <p:cNvPr id="1" name=""/>
+        <p:cNvGrpSpPr/>
+        <p:nvPr/>
+      </p:nvGrpSpPr>
+      <p:grpSpPr>
+        <a:xfrm>
+          <a:off x="0" y="0"/>
+          <a:ext cx="0" cy="0"/>
+          <a:chOff x="0" y="0"/>
+          <a:chExt cx="0" cy="0"/>
+        </a:xfrm>
+      </p:grpSpPr>
+      <p:sp>
+        <p:nvSpPr>
+          <p:cNvPr id="25601" name="Title 1"/>
+          <p:cNvSpPr>
+            <a:spLocks noGrp="1"/>
+          </p:cNvSpPr>
+          <p:nvPr>
+            <p:ph type="title"/>
+          </p:nvPr>
+        </p:nvSpPr>
+        <p:spPr>
+          <a:xfrm>
+            <a:off x="152400" y="-26988"/>
+            <a:ext cx="8839200" cy="1143001"/>
+          </a:xfrm>
+        </p:spPr>
+        <p:txBody>
+          <a:bodyPr/>
+          <a:lstStyle/>
+          <a:p>
+            <a:r>
+              <a:rPr lang="en-US" dirty="0" smtClean="0">
+                <a:latin typeface="Calibri" charset="0"/>
+                <a:ea typeface="ＭＳ Ｐゴシック" charset="0"/>
+              </a:rPr>
+              <a:t>5-iii,iv. </a:t>
+            </a:r>
+            <a:r>
+              <a:rPr lang="en-US" dirty="0" err="1" smtClean="0">
+                <a:latin typeface="Calibri" charset="0"/>
+                <a:ea typeface="ＭＳ Ｐゴシック" charset="0"/>
+              </a:rPr>
+              <a:t>Cuffmerge</a:t>
+            </a:r>
+            <a:endParaRPr lang="en-US" dirty="0">
+              <a:latin typeface="Calibri" charset="0"/>
+              <a:ea typeface="ＭＳ Ｐゴシック" charset="0"/>
+            </a:endParaRPr>
+          </a:p>
+        </p:txBody>
+      </p:sp>
+      <p:sp>
+        <p:nvSpPr>
+          <p:cNvPr id="25602" name="Content Placeholder 2"/>
+          <p:cNvSpPr>
+            <a:spLocks noGrp="1"/>
+          </p:cNvSpPr>
+          <p:nvPr>
+            <p:ph idx="1"/>
+          </p:nvPr>
+        </p:nvSpPr>
+        <p:spPr/>
+        <p:txBody>
+          <a:bodyPr/>
+          <a:lstStyle/>
+          <a:p>
+            <a:r>
+              <a:rPr lang="en-US">
+                <a:latin typeface="Calibri" charset="0"/>
+                <a:ea typeface="ＭＳ Ｐゴシック" charset="0"/>
+                <a:hlinkClick r:id="rId3"/>
+              </a:rPr>
+              <a:t>http://cufflinks.cbcb.umd.edu/manual.html#cuffmerge</a:t>
+            </a:r>
+            <a:endParaRPr lang="en-US">
+              <a:latin typeface="Calibri" charset="0"/>
+              <a:ea typeface="ＭＳ Ｐゴシック" charset="0"/>
+            </a:endParaRPr>
+          </a:p>
+          <a:p>
+            <a:endParaRPr lang="en-US">
+              <a:latin typeface="Calibri" charset="0"/>
+              <a:ea typeface="ＭＳ Ｐゴシック" charset="0"/>
+            </a:endParaRPr>
+          </a:p>
+          <a:p>
+            <a:r>
+              <a:rPr lang="en-US">
+                <a:latin typeface="Calibri" charset="0"/>
+                <a:ea typeface="ＭＳ Ｐゴシック" charset="0"/>
+              </a:rPr>
+              <a:t>Cuffmerge combines transcripts predicted from multiple RNA-seq data sets into one view of the transcriptome</a:t>
+            </a:r>
+          </a:p>
+          <a:p>
+            <a:pPr lvl="1"/>
+            <a:r>
+              <a:rPr lang="en-US">
+                <a:latin typeface="Calibri" charset="0"/>
+                <a:ea typeface="ＭＳ Ｐゴシック" charset="0"/>
+              </a:rPr>
+              <a:t>Do this before running cuffdiff to compare between multiple conditions</a:t>
+            </a:r>
+          </a:p>
+          <a:p>
+            <a:r>
+              <a:rPr lang="en-US">
+                <a:latin typeface="Calibri" charset="0"/>
+                <a:ea typeface="ＭＳ Ｐゴシック" charset="0"/>
+              </a:rPr>
+              <a:t>Cuffmerge can also simultaneously compare transcripts to the known transcripts GTF file from Ensembl, etc.</a:t>
+            </a:r>
+          </a:p>
+          <a:p>
+            <a:pPr lvl="1"/>
+            <a:r>
+              <a:rPr lang="en-US">
+                <a:latin typeface="Calibri" charset="0"/>
+                <a:ea typeface="ＭＳ Ｐゴシック" charset="0"/>
+                <a:hlinkClick r:id="rId4"/>
+              </a:rPr>
+              <a:t>http://cufflinks.cbcb.umd.edu/manual.html#class_codes</a:t>
+            </a:r>
+            <a:endParaRPr lang="en-US">
+              <a:latin typeface="Calibri" charset="0"/>
+              <a:ea typeface="ＭＳ Ｐゴシック" charset="0"/>
+            </a:endParaRPr>
+          </a:p>
+          <a:p>
+            <a:endParaRPr lang="en-US">
+              <a:latin typeface="Calibri" charset="0"/>
+              <a:ea typeface="ＭＳ Ｐゴシック" charset="0"/>
+            </a:endParaRPr>
+          </a:p>
+        </p:txBody>
+      </p:sp>
+    </p:spTree>
+    <p:extLst>
+      <p:ext uri="{BB962C8B-B14F-4D97-AF65-F5344CB8AC3E}">
+        <p14:creationId xmlns:p14="http://schemas.microsoft.com/office/powerpoint/2010/main" val="1542652591"/>
       </p:ext>
     </p:extLst>
   </p:cSld>
